--- a/Resultat.pptx
+++ b/Resultat.pptx
@@ -5,42 +5,48 @@
     <p:sldMasterId id="2147483648" r:id="rId1"/>
   </p:sldMasterIdLst>
   <p:sldIdLst>
-    <p:sldId id="271" r:id="rId2"/>
-    <p:sldId id="256" r:id="rId3"/>
-    <p:sldId id="257" r:id="rId4"/>
-    <p:sldId id="258" r:id="rId5"/>
-    <p:sldId id="259" r:id="rId6"/>
-    <p:sldId id="260" r:id="rId7"/>
-    <p:sldId id="272" r:id="rId8"/>
-    <p:sldId id="261" r:id="rId9"/>
-    <p:sldId id="262" r:id="rId10"/>
-    <p:sldId id="263" r:id="rId11"/>
-    <p:sldId id="264" r:id="rId12"/>
-    <p:sldId id="265" r:id="rId13"/>
-    <p:sldId id="273" r:id="rId14"/>
-    <p:sldId id="266" r:id="rId15"/>
-    <p:sldId id="267" r:id="rId16"/>
-    <p:sldId id="268" r:id="rId17"/>
-    <p:sldId id="269" r:id="rId18"/>
-    <p:sldId id="270" r:id="rId19"/>
-    <p:sldId id="274" r:id="rId20"/>
-    <p:sldId id="275" r:id="rId21"/>
-    <p:sldId id="276" r:id="rId22"/>
-    <p:sldId id="277" r:id="rId23"/>
-    <p:sldId id="278" r:id="rId24"/>
-    <p:sldId id="279" r:id="rId25"/>
-    <p:sldId id="280" r:id="rId26"/>
-    <p:sldId id="281" r:id="rId27"/>
-    <p:sldId id="282" r:id="rId28"/>
-    <p:sldId id="283" r:id="rId29"/>
-    <p:sldId id="284" r:id="rId30"/>
-    <p:sldId id="285" r:id="rId31"/>
-    <p:sldId id="286" r:id="rId32"/>
-    <p:sldId id="287" r:id="rId33"/>
-    <p:sldId id="288" r:id="rId34"/>
-    <p:sldId id="289" r:id="rId35"/>
-    <p:sldId id="290" r:id="rId36"/>
-    <p:sldId id="291" r:id="rId37"/>
+    <p:sldId id="292" r:id="rId2"/>
+    <p:sldId id="293" r:id="rId3"/>
+    <p:sldId id="294" r:id="rId4"/>
+    <p:sldId id="295" r:id="rId5"/>
+    <p:sldId id="296" r:id="rId6"/>
+    <p:sldId id="297" r:id="rId7"/>
+    <p:sldId id="271" r:id="rId8"/>
+    <p:sldId id="256" r:id="rId9"/>
+    <p:sldId id="257" r:id="rId10"/>
+    <p:sldId id="258" r:id="rId11"/>
+    <p:sldId id="259" r:id="rId12"/>
+    <p:sldId id="260" r:id="rId13"/>
+    <p:sldId id="272" r:id="rId14"/>
+    <p:sldId id="261" r:id="rId15"/>
+    <p:sldId id="262" r:id="rId16"/>
+    <p:sldId id="263" r:id="rId17"/>
+    <p:sldId id="264" r:id="rId18"/>
+    <p:sldId id="265" r:id="rId19"/>
+    <p:sldId id="273" r:id="rId20"/>
+    <p:sldId id="266" r:id="rId21"/>
+    <p:sldId id="267" r:id="rId22"/>
+    <p:sldId id="268" r:id="rId23"/>
+    <p:sldId id="269" r:id="rId24"/>
+    <p:sldId id="270" r:id="rId25"/>
+    <p:sldId id="274" r:id="rId26"/>
+    <p:sldId id="275" r:id="rId27"/>
+    <p:sldId id="276" r:id="rId28"/>
+    <p:sldId id="277" r:id="rId29"/>
+    <p:sldId id="278" r:id="rId30"/>
+    <p:sldId id="279" r:id="rId31"/>
+    <p:sldId id="280" r:id="rId32"/>
+    <p:sldId id="281" r:id="rId33"/>
+    <p:sldId id="282" r:id="rId34"/>
+    <p:sldId id="283" r:id="rId35"/>
+    <p:sldId id="284" r:id="rId36"/>
+    <p:sldId id="285" r:id="rId37"/>
+    <p:sldId id="286" r:id="rId38"/>
+    <p:sldId id="287" r:id="rId39"/>
+    <p:sldId id="288" r:id="rId40"/>
+    <p:sldId id="289" r:id="rId41"/>
+    <p:sldId id="290" r:id="rId42"/>
+    <p:sldId id="291" r:id="rId43"/>
   </p:sldIdLst>
   <p:sldSz cx="12192000" cy="6858000"/>
   <p:notesSz cx="6858000" cy="9144000"/>
@@ -139,6 +145,11 @@
       </a:defRPr>
     </a:lvl9pPr>
   </p:defaultTextStyle>
+  <p:extLst>
+    <p:ext uri="{EFAFB233-063F-42B5-8137-9DF3F51BA10A}">
+      <p15:sldGuideLst xmlns:p15="http://schemas.microsoft.com/office/powerpoint/2012/main"/>
+    </p:ext>
+  </p:extLst>
 </p:presentation>
 </file>
 
@@ -289,7 +300,7 @@
           <a:p>
             <a:fld id="{BA8802E3-27EA-4165-B78D-6090480ADFDD}" type="datetimeFigureOut">
               <a:rPr lang="nb-NO" smtClean="0"/>
-              <a:t>05.07.2021</a:t>
+              <a:t>06.07.2021</a:t>
             </a:fld>
             <a:endParaRPr lang="nb-NO"/>
           </a:p>
@@ -487,7 +498,7 @@
           <a:p>
             <a:fld id="{BA8802E3-27EA-4165-B78D-6090480ADFDD}" type="datetimeFigureOut">
               <a:rPr lang="nb-NO" smtClean="0"/>
-              <a:t>05.07.2021</a:t>
+              <a:t>06.07.2021</a:t>
             </a:fld>
             <a:endParaRPr lang="nb-NO"/>
           </a:p>
@@ -695,7 +706,7 @@
           <a:p>
             <a:fld id="{BA8802E3-27EA-4165-B78D-6090480ADFDD}" type="datetimeFigureOut">
               <a:rPr lang="nb-NO" smtClean="0"/>
-              <a:t>05.07.2021</a:t>
+              <a:t>06.07.2021</a:t>
             </a:fld>
             <a:endParaRPr lang="nb-NO"/>
           </a:p>
@@ -893,7 +904,7 @@
           <a:p>
             <a:fld id="{BA8802E3-27EA-4165-B78D-6090480ADFDD}" type="datetimeFigureOut">
               <a:rPr lang="nb-NO" smtClean="0"/>
-              <a:t>05.07.2021</a:t>
+              <a:t>06.07.2021</a:t>
             </a:fld>
             <a:endParaRPr lang="nb-NO"/>
           </a:p>
@@ -1168,7 +1179,7 @@
           <a:p>
             <a:fld id="{BA8802E3-27EA-4165-B78D-6090480ADFDD}" type="datetimeFigureOut">
               <a:rPr lang="nb-NO" smtClean="0"/>
-              <a:t>05.07.2021</a:t>
+              <a:t>06.07.2021</a:t>
             </a:fld>
             <a:endParaRPr lang="nb-NO"/>
           </a:p>
@@ -1433,7 +1444,7 @@
           <a:p>
             <a:fld id="{BA8802E3-27EA-4165-B78D-6090480ADFDD}" type="datetimeFigureOut">
               <a:rPr lang="nb-NO" smtClean="0"/>
-              <a:t>05.07.2021</a:t>
+              <a:t>06.07.2021</a:t>
             </a:fld>
             <a:endParaRPr lang="nb-NO"/>
           </a:p>
@@ -1845,7 +1856,7 @@
           <a:p>
             <a:fld id="{BA8802E3-27EA-4165-B78D-6090480ADFDD}" type="datetimeFigureOut">
               <a:rPr lang="nb-NO" smtClean="0"/>
-              <a:t>05.07.2021</a:t>
+              <a:t>06.07.2021</a:t>
             </a:fld>
             <a:endParaRPr lang="nb-NO"/>
           </a:p>
@@ -1986,7 +1997,7 @@
           <a:p>
             <a:fld id="{BA8802E3-27EA-4165-B78D-6090480ADFDD}" type="datetimeFigureOut">
               <a:rPr lang="nb-NO" smtClean="0"/>
-              <a:t>05.07.2021</a:t>
+              <a:t>06.07.2021</a:t>
             </a:fld>
             <a:endParaRPr lang="nb-NO"/>
           </a:p>
@@ -2099,7 +2110,7 @@
           <a:p>
             <a:fld id="{BA8802E3-27EA-4165-B78D-6090480ADFDD}" type="datetimeFigureOut">
               <a:rPr lang="nb-NO" smtClean="0"/>
-              <a:t>05.07.2021</a:t>
+              <a:t>06.07.2021</a:t>
             </a:fld>
             <a:endParaRPr lang="nb-NO"/>
           </a:p>
@@ -2410,7 +2421,7 @@
           <a:p>
             <a:fld id="{BA8802E3-27EA-4165-B78D-6090480ADFDD}" type="datetimeFigureOut">
               <a:rPr lang="nb-NO" smtClean="0"/>
-              <a:t>05.07.2021</a:t>
+              <a:t>06.07.2021</a:t>
             </a:fld>
             <a:endParaRPr lang="nb-NO"/>
           </a:p>
@@ -2698,7 +2709,7 @@
           <a:p>
             <a:fld id="{BA8802E3-27EA-4165-B78D-6090480ADFDD}" type="datetimeFigureOut">
               <a:rPr lang="nb-NO" smtClean="0"/>
-              <a:t>05.07.2021</a:t>
+              <a:t>06.07.2021</a:t>
             </a:fld>
             <a:endParaRPr lang="nb-NO"/>
           </a:p>
@@ -2939,7 +2950,7 @@
           <a:p>
             <a:fld id="{BA8802E3-27EA-4165-B78D-6090480ADFDD}" type="datetimeFigureOut">
               <a:rPr lang="nb-NO" smtClean="0"/>
-              <a:t>05.07.2021</a:t>
+              <a:t>06.07.2021</a:t>
             </a:fld>
             <a:endParaRPr lang="nb-NO"/>
           </a:p>
@@ -3379,7 +3390,7 @@
           <a:p>
             <a:r>
               <a:rPr lang="nb-NO" dirty="0"/>
-              <a:t>BIM</a:t>
+              <a:t>Programvare</a:t>
             </a:r>
           </a:p>
         </p:txBody>
@@ -3412,7 +3423,7 @@
     </p:spTree>
     <p:extLst>
       <p:ext uri="{BB962C8B-B14F-4D97-AF65-F5344CB8AC3E}">
-        <p14:creationId xmlns:p14="http://schemas.microsoft.com/office/powerpoint/2010/main" val="3150870301"/>
+        <p14:creationId xmlns:p14="http://schemas.microsoft.com/office/powerpoint/2010/main" val="2889525531"/>
       </p:ext>
     </p:extLst>
   </p:cSld>
@@ -3489,7 +3500,7 @@
     </p:spTree>
     <p:extLst>
       <p:ext uri="{BB962C8B-B14F-4D97-AF65-F5344CB8AC3E}">
-        <p14:creationId xmlns:p14="http://schemas.microsoft.com/office/powerpoint/2010/main" val="4122790167"/>
+        <p14:creationId xmlns:p14="http://schemas.microsoft.com/office/powerpoint/2010/main" val="2380866168"/>
       </p:ext>
     </p:extLst>
   </p:cSld>
@@ -3565,61 +3576,20 @@
       </p:pic>
       <p:sp>
         <p:nvSpPr>
-          <p:cNvPr id="3" name="TekstSylinder 2">
-            <a:extLst>
-              <a:ext uri="{FF2B5EF4-FFF2-40B4-BE49-F238E27FC236}">
-                <a16:creationId xmlns:a16="http://schemas.microsoft.com/office/drawing/2014/main" id="{CDC15A03-C7FC-4D23-93A4-AD9503A333A7}"/>
-              </a:ext>
-            </a:extLst>
-          </p:cNvPr>
-          <p:cNvSpPr txBox="1"/>
+          <p:cNvPr id="2" name="Rektangel 1">
+            <a:extLst>
+              <a:ext uri="{FF2B5EF4-FFF2-40B4-BE49-F238E27FC236}">
+                <a16:creationId xmlns:a16="http://schemas.microsoft.com/office/drawing/2014/main" id="{5DB434AB-85BE-44B2-B3EB-5C6C9650F723}"/>
+              </a:ext>
+            </a:extLst>
+          </p:cNvPr>
+          <p:cNvSpPr/>
           <p:nvPr/>
         </p:nvSpPr>
         <p:spPr>
           <a:xfrm>
-            <a:off x="133165" y="559293"/>
-            <a:ext cx="1322572" cy="646331"/>
-          </a:xfrm>
-          <a:prstGeom prst="rect">
-            <a:avLst/>
-          </a:prstGeom>
-          <a:noFill/>
-        </p:spPr>
-        <p:txBody>
-          <a:bodyPr wrap="square" rtlCol="0">
-            <a:spAutoFit/>
-          </a:bodyPr>
-          <a:lstStyle/>
-          <a:p>
-            <a:r>
-              <a:rPr lang="nb-NO" dirty="0"/>
-              <a:t>EM</a:t>
-            </a:r>
-          </a:p>
-          <a:p>
-            <a:r>
-              <a:rPr lang="nb-NO" dirty="0"/>
-              <a:t>Digital</a:t>
-            </a:r>
-          </a:p>
-        </p:txBody>
-      </p:sp>
-      <p:sp>
-        <p:nvSpPr>
-          <p:cNvPr id="5" name="Rektangel 4">
-            <a:extLst>
-              <a:ext uri="{FF2B5EF4-FFF2-40B4-BE49-F238E27FC236}">
-                <a16:creationId xmlns:a16="http://schemas.microsoft.com/office/drawing/2014/main" id="{FD094E19-5611-4D34-BCD0-4B5F27287B59}"/>
-              </a:ext>
-            </a:extLst>
-          </p:cNvPr>
-          <p:cNvSpPr/>
-          <p:nvPr/>
-        </p:nvSpPr>
-        <p:spPr>
-          <a:xfrm>
-            <a:off x="3923930" y="4572000"/>
-            <a:ext cx="2172070" cy="1189608"/>
+            <a:off x="1677880" y="1020932"/>
+            <a:ext cx="2237172" cy="985421"/>
           </a:xfrm>
           <a:prstGeom prst="rect">
             <a:avLst/>
@@ -3656,10 +3626,103 @@
           </a:p>
         </p:txBody>
       </p:sp>
+      <p:sp>
+        <p:nvSpPr>
+          <p:cNvPr id="3" name="TekstSylinder 2">
+            <a:extLst>
+              <a:ext uri="{FF2B5EF4-FFF2-40B4-BE49-F238E27FC236}">
+                <a16:creationId xmlns:a16="http://schemas.microsoft.com/office/drawing/2014/main" id="{CDC15A03-C7FC-4D23-93A4-AD9503A333A7}"/>
+              </a:ext>
+            </a:extLst>
+          </p:cNvPr>
+          <p:cNvSpPr txBox="1"/>
+          <p:nvPr/>
+        </p:nvSpPr>
+        <p:spPr>
+          <a:xfrm>
+            <a:off x="133165" y="559293"/>
+            <a:ext cx="1322572" cy="646331"/>
+          </a:xfrm>
+          <a:prstGeom prst="rect">
+            <a:avLst/>
+          </a:prstGeom>
+          <a:noFill/>
+        </p:spPr>
+        <p:txBody>
+          <a:bodyPr wrap="square" rtlCol="0">
+            <a:spAutoFit/>
+          </a:bodyPr>
+          <a:lstStyle/>
+          <a:p>
+            <a:r>
+              <a:rPr lang="nb-NO" dirty="0"/>
+              <a:t>EM</a:t>
+            </a:r>
+          </a:p>
+          <a:p>
+            <a:r>
+              <a:rPr lang="nb-NO" dirty="0"/>
+              <a:t>BIM</a:t>
+            </a:r>
+          </a:p>
+        </p:txBody>
+      </p:sp>
+      <p:sp>
+        <p:nvSpPr>
+          <p:cNvPr id="4" name="Rektangel 3">
+            <a:extLst>
+              <a:ext uri="{FF2B5EF4-FFF2-40B4-BE49-F238E27FC236}">
+                <a16:creationId xmlns:a16="http://schemas.microsoft.com/office/drawing/2014/main" id="{D5B6F43C-7478-45D6-A7F2-3391739731A3}"/>
+              </a:ext>
+            </a:extLst>
+          </p:cNvPr>
+          <p:cNvSpPr/>
+          <p:nvPr/>
+        </p:nvSpPr>
+        <p:spPr>
+          <a:xfrm>
+            <a:off x="3915052" y="4492101"/>
+            <a:ext cx="2180948" cy="1207363"/>
+          </a:xfrm>
+          <a:prstGeom prst="rect">
+            <a:avLst/>
+          </a:prstGeom>
+          <a:noFill/>
+          <a:ln>
+            <a:solidFill>
+              <a:srgbClr val="FF0000"/>
+            </a:solidFill>
+          </a:ln>
+        </p:spPr>
+        <p:style>
+          <a:lnRef idx="2">
+            <a:schemeClr val="accent1">
+              <a:shade val="50000"/>
+            </a:schemeClr>
+          </a:lnRef>
+          <a:fillRef idx="1">
+            <a:schemeClr val="accent1"/>
+          </a:fillRef>
+          <a:effectRef idx="0">
+            <a:schemeClr val="accent1"/>
+          </a:effectRef>
+          <a:fontRef idx="minor">
+            <a:schemeClr val="lt1"/>
+          </a:fontRef>
+        </p:style>
+        <p:txBody>
+          <a:bodyPr rtlCol="0" anchor="ctr"/>
+          <a:lstStyle/>
+          <a:p>
+            <a:pPr algn="ctr"/>
+            <a:endParaRPr lang="nb-NO"/>
+          </a:p>
+        </p:txBody>
+      </p:sp>
     </p:spTree>
     <p:extLst>
       <p:ext uri="{BB962C8B-B14F-4D97-AF65-F5344CB8AC3E}">
-        <p14:creationId xmlns:p14="http://schemas.microsoft.com/office/powerpoint/2010/main" val="3955040088"/>
+        <p14:creationId xmlns:p14="http://schemas.microsoft.com/office/powerpoint/2010/main" val="423611794"/>
       </p:ext>
     </p:extLst>
   </p:cSld>
@@ -3733,114 +3796,10 @@
           </a:extLst>
         </p:spPr>
       </p:pic>
-      <p:sp>
-        <p:nvSpPr>
-          <p:cNvPr id="2" name="Rektangel 1">
-            <a:extLst>
-              <a:ext uri="{FF2B5EF4-FFF2-40B4-BE49-F238E27FC236}">
-                <a16:creationId xmlns:a16="http://schemas.microsoft.com/office/drawing/2014/main" id="{B25AE814-23CC-4BD9-945F-EC75BB28B3C5}"/>
-              </a:ext>
-            </a:extLst>
-          </p:cNvPr>
-          <p:cNvSpPr/>
-          <p:nvPr/>
-        </p:nvSpPr>
-        <p:spPr>
-          <a:xfrm>
-            <a:off x="3373515" y="3107184"/>
-            <a:ext cx="2722485" cy="1260630"/>
-          </a:xfrm>
-          <a:prstGeom prst="rect">
-            <a:avLst/>
-          </a:prstGeom>
-          <a:noFill/>
-          <a:ln>
-            <a:solidFill>
-              <a:srgbClr val="FF0000"/>
-            </a:solidFill>
-          </a:ln>
-        </p:spPr>
-        <p:style>
-          <a:lnRef idx="2">
-            <a:schemeClr val="accent1">
-              <a:shade val="50000"/>
-            </a:schemeClr>
-          </a:lnRef>
-          <a:fillRef idx="1">
-            <a:schemeClr val="accent1"/>
-          </a:fillRef>
-          <a:effectRef idx="0">
-            <a:schemeClr val="accent1"/>
-          </a:effectRef>
-          <a:fontRef idx="minor">
-            <a:schemeClr val="lt1"/>
-          </a:fontRef>
-        </p:style>
-        <p:txBody>
-          <a:bodyPr rtlCol="0" anchor="ctr"/>
-          <a:lstStyle/>
-          <a:p>
-            <a:pPr algn="ctr"/>
-            <a:endParaRPr lang="nb-NO"/>
-          </a:p>
-        </p:txBody>
-      </p:sp>
-      <p:sp>
-        <p:nvSpPr>
-          <p:cNvPr id="3" name="Rektangel 2">
-            <a:extLst>
-              <a:ext uri="{FF2B5EF4-FFF2-40B4-BE49-F238E27FC236}">
-                <a16:creationId xmlns:a16="http://schemas.microsoft.com/office/drawing/2014/main" id="{7625C7A4-C2D6-469F-AAB7-A1147991D084}"/>
-              </a:ext>
-            </a:extLst>
-          </p:cNvPr>
-          <p:cNvSpPr/>
-          <p:nvPr/>
-        </p:nvSpPr>
-        <p:spPr>
-          <a:xfrm>
-            <a:off x="639192" y="5015883"/>
-            <a:ext cx="2734323" cy="1047566"/>
-          </a:xfrm>
-          <a:prstGeom prst="rect">
-            <a:avLst/>
-          </a:prstGeom>
-          <a:noFill/>
-          <a:ln>
-            <a:solidFill>
-              <a:srgbClr val="FF0000"/>
-            </a:solidFill>
-          </a:ln>
-        </p:spPr>
-        <p:style>
-          <a:lnRef idx="2">
-            <a:schemeClr val="accent1">
-              <a:shade val="50000"/>
-            </a:schemeClr>
-          </a:lnRef>
-          <a:fillRef idx="1">
-            <a:schemeClr val="accent1"/>
-          </a:fillRef>
-          <a:effectRef idx="0">
-            <a:schemeClr val="accent1"/>
-          </a:effectRef>
-          <a:fontRef idx="minor">
-            <a:schemeClr val="lt1"/>
-          </a:fontRef>
-        </p:style>
-        <p:txBody>
-          <a:bodyPr rtlCol="0" anchor="ctr"/>
-          <a:lstStyle/>
-          <a:p>
-            <a:pPr algn="ctr"/>
-            <a:endParaRPr lang="nb-NO"/>
-          </a:p>
-        </p:txBody>
-      </p:sp>
     </p:spTree>
     <p:extLst>
       <p:ext uri="{BB962C8B-B14F-4D97-AF65-F5344CB8AC3E}">
-        <p14:creationId xmlns:p14="http://schemas.microsoft.com/office/powerpoint/2010/main" val="522953304"/>
+        <p14:creationId xmlns:p14="http://schemas.microsoft.com/office/powerpoint/2010/main" val="141131898"/>
       </p:ext>
     </p:extLst>
   </p:cSld>
@@ -3890,7 +3849,7 @@
           <a:p>
             <a:r>
               <a:rPr lang="nb-NO" dirty="0"/>
-              <a:t>Modell</a:t>
+              <a:t>digital</a:t>
             </a:r>
           </a:p>
         </p:txBody>
@@ -3923,7 +3882,7 @@
     </p:spTree>
     <p:extLst>
       <p:ext uri="{BB962C8B-B14F-4D97-AF65-F5344CB8AC3E}">
-        <p14:creationId xmlns:p14="http://schemas.microsoft.com/office/powerpoint/2010/main" val="3531336235"/>
+        <p14:creationId xmlns:p14="http://schemas.microsoft.com/office/powerpoint/2010/main" val="2111353820"/>
       </p:ext>
     </p:extLst>
   </p:cSld>
@@ -4033,7 +3992,7 @@
           <a:p>
             <a:r>
               <a:rPr lang="nb-NO" dirty="0"/>
-              <a:t>modell</a:t>
+              <a:t>digital</a:t>
             </a:r>
           </a:p>
         </p:txBody>
@@ -4043,7 +4002,7 @@
           <p:cNvPr id="2" name="Rektangel 1">
             <a:extLst>
               <a:ext uri="{FF2B5EF4-FFF2-40B4-BE49-F238E27FC236}">
-                <a16:creationId xmlns:a16="http://schemas.microsoft.com/office/drawing/2014/main" id="{1BDAD3DA-692A-4774-8BC8-A41DB73C3F72}"/>
+                <a16:creationId xmlns:a16="http://schemas.microsoft.com/office/drawing/2014/main" id="{69561041-E1A2-455D-B5ED-B32D6703EE20}"/>
               </a:ext>
             </a:extLst>
           </p:cNvPr>
@@ -4052,8 +4011,8 @@
         </p:nvSpPr>
         <p:spPr>
           <a:xfrm>
-            <a:off x="5948039" y="665825"/>
-            <a:ext cx="1988598" cy="1074198"/>
+            <a:off x="3852909" y="4057095"/>
+            <a:ext cx="2068497" cy="1260629"/>
           </a:xfrm>
           <a:prstGeom prst="rect">
             <a:avLst/>
@@ -4090,270 +4049,10 @@
           </a:p>
         </p:txBody>
       </p:sp>
-      <p:sp>
-        <p:nvSpPr>
-          <p:cNvPr id="3" name="Rektangel 2">
-            <a:extLst>
-              <a:ext uri="{FF2B5EF4-FFF2-40B4-BE49-F238E27FC236}">
-                <a16:creationId xmlns:a16="http://schemas.microsoft.com/office/drawing/2014/main" id="{9C0AEF63-4C0F-48BD-A4D2-84BF372EDFA1}"/>
-              </a:ext>
-            </a:extLst>
-          </p:cNvPr>
-          <p:cNvSpPr/>
-          <p:nvPr/>
-        </p:nvSpPr>
-        <p:spPr>
-          <a:xfrm>
-            <a:off x="3897297" y="2237173"/>
-            <a:ext cx="2050742" cy="772357"/>
-          </a:xfrm>
-          <a:prstGeom prst="rect">
-            <a:avLst/>
-          </a:prstGeom>
-          <a:noFill/>
-          <a:ln>
-            <a:solidFill>
-              <a:srgbClr val="FF0000"/>
-            </a:solidFill>
-          </a:ln>
-        </p:spPr>
-        <p:style>
-          <a:lnRef idx="2">
-            <a:schemeClr val="accent1">
-              <a:shade val="50000"/>
-            </a:schemeClr>
-          </a:lnRef>
-          <a:fillRef idx="1">
-            <a:schemeClr val="accent1"/>
-          </a:fillRef>
-          <a:effectRef idx="0">
-            <a:schemeClr val="accent1"/>
-          </a:effectRef>
-          <a:fontRef idx="minor">
-            <a:schemeClr val="lt1"/>
-          </a:fontRef>
-        </p:style>
-        <p:txBody>
-          <a:bodyPr rtlCol="0" anchor="ctr"/>
-          <a:lstStyle/>
-          <a:p>
-            <a:pPr algn="ctr"/>
-            <a:endParaRPr lang="nb-NO"/>
-          </a:p>
-        </p:txBody>
-      </p:sp>
-      <p:sp>
-        <p:nvSpPr>
-          <p:cNvPr id="5" name="Rektangel 4">
-            <a:extLst>
-              <a:ext uri="{FF2B5EF4-FFF2-40B4-BE49-F238E27FC236}">
-                <a16:creationId xmlns:a16="http://schemas.microsoft.com/office/drawing/2014/main" id="{63503513-532C-4734-B9EE-9D5B38AA51AC}"/>
-              </a:ext>
-            </a:extLst>
-          </p:cNvPr>
-          <p:cNvSpPr/>
-          <p:nvPr/>
-        </p:nvSpPr>
-        <p:spPr>
-          <a:xfrm>
-            <a:off x="3897297" y="665825"/>
-            <a:ext cx="1988598" cy="1074198"/>
-          </a:xfrm>
-          <a:prstGeom prst="rect">
-            <a:avLst/>
-          </a:prstGeom>
-          <a:noFill/>
-          <a:ln>
-            <a:solidFill>
-              <a:srgbClr val="FF0000"/>
-            </a:solidFill>
-          </a:ln>
-        </p:spPr>
-        <p:style>
-          <a:lnRef idx="2">
-            <a:schemeClr val="accent1">
-              <a:shade val="50000"/>
-            </a:schemeClr>
-          </a:lnRef>
-          <a:fillRef idx="1">
-            <a:schemeClr val="accent1"/>
-          </a:fillRef>
-          <a:effectRef idx="0">
-            <a:schemeClr val="accent1"/>
-          </a:effectRef>
-          <a:fontRef idx="minor">
-            <a:schemeClr val="lt1"/>
-          </a:fontRef>
-        </p:style>
-        <p:txBody>
-          <a:bodyPr rtlCol="0" anchor="ctr"/>
-          <a:lstStyle/>
-          <a:p>
-            <a:pPr algn="ctr"/>
-            <a:endParaRPr lang="nb-NO"/>
-          </a:p>
-        </p:txBody>
-      </p:sp>
-      <p:sp>
-        <p:nvSpPr>
-          <p:cNvPr id="6" name="Rektangel 5">
-            <a:extLst>
-              <a:ext uri="{FF2B5EF4-FFF2-40B4-BE49-F238E27FC236}">
-                <a16:creationId xmlns:a16="http://schemas.microsoft.com/office/drawing/2014/main" id="{1F899D82-F20E-42AF-8EE2-B7C1A244A56B}"/>
-              </a:ext>
-            </a:extLst>
-          </p:cNvPr>
-          <p:cNvSpPr/>
-          <p:nvPr/>
-        </p:nvSpPr>
-        <p:spPr>
-          <a:xfrm>
-            <a:off x="5948039" y="2237173"/>
-            <a:ext cx="1988598" cy="772357"/>
-          </a:xfrm>
-          <a:prstGeom prst="rect">
-            <a:avLst/>
-          </a:prstGeom>
-          <a:noFill/>
-          <a:ln>
-            <a:solidFill>
-              <a:srgbClr val="FF0000"/>
-            </a:solidFill>
-          </a:ln>
-        </p:spPr>
-        <p:style>
-          <a:lnRef idx="2">
-            <a:schemeClr val="accent1">
-              <a:shade val="50000"/>
-            </a:schemeClr>
-          </a:lnRef>
-          <a:fillRef idx="1">
-            <a:schemeClr val="accent1"/>
-          </a:fillRef>
-          <a:effectRef idx="0">
-            <a:schemeClr val="accent1"/>
-          </a:effectRef>
-          <a:fontRef idx="minor">
-            <a:schemeClr val="lt1"/>
-          </a:fontRef>
-        </p:style>
-        <p:txBody>
-          <a:bodyPr rtlCol="0" anchor="ctr"/>
-          <a:lstStyle/>
-          <a:p>
-            <a:pPr algn="ctr"/>
-            <a:endParaRPr lang="nb-NO"/>
-          </a:p>
-        </p:txBody>
-      </p:sp>
-      <p:sp>
-        <p:nvSpPr>
-          <p:cNvPr id="7" name="Rektangel 6">
-            <a:extLst>
-              <a:ext uri="{FF2B5EF4-FFF2-40B4-BE49-F238E27FC236}">
-                <a16:creationId xmlns:a16="http://schemas.microsoft.com/office/drawing/2014/main" id="{EA80A526-724F-416B-A743-A40D5F8A9221}"/>
-              </a:ext>
-            </a:extLst>
-          </p:cNvPr>
-          <p:cNvSpPr/>
-          <p:nvPr/>
-        </p:nvSpPr>
-        <p:spPr>
-          <a:xfrm>
-            <a:off x="1749425" y="5921406"/>
-            <a:ext cx="2067973" cy="834501"/>
-          </a:xfrm>
-          <a:prstGeom prst="rect">
-            <a:avLst/>
-          </a:prstGeom>
-          <a:noFill/>
-          <a:ln>
-            <a:solidFill>
-              <a:srgbClr val="FF0000"/>
-            </a:solidFill>
-          </a:ln>
-        </p:spPr>
-        <p:style>
-          <a:lnRef idx="2">
-            <a:schemeClr val="accent1">
-              <a:shade val="50000"/>
-            </a:schemeClr>
-          </a:lnRef>
-          <a:fillRef idx="1">
-            <a:schemeClr val="accent1"/>
-          </a:fillRef>
-          <a:effectRef idx="0">
-            <a:schemeClr val="accent1"/>
-          </a:effectRef>
-          <a:fontRef idx="minor">
-            <a:schemeClr val="lt1"/>
-          </a:fontRef>
-        </p:style>
-        <p:txBody>
-          <a:bodyPr rtlCol="0" anchor="ctr"/>
-          <a:lstStyle/>
-          <a:p>
-            <a:pPr algn="ctr"/>
-            <a:endParaRPr lang="nb-NO"/>
-          </a:p>
-        </p:txBody>
-      </p:sp>
-      <p:sp>
-        <p:nvSpPr>
-          <p:cNvPr id="8" name="Rektangel 7">
-            <a:extLst>
-              <a:ext uri="{FF2B5EF4-FFF2-40B4-BE49-F238E27FC236}">
-                <a16:creationId xmlns:a16="http://schemas.microsoft.com/office/drawing/2014/main" id="{B1881A1F-830E-4252-82FD-89FC006AB9E8}"/>
-              </a:ext>
-            </a:extLst>
-          </p:cNvPr>
-          <p:cNvSpPr/>
-          <p:nvPr/>
-        </p:nvSpPr>
-        <p:spPr>
-          <a:xfrm>
-            <a:off x="3817398" y="4154750"/>
-            <a:ext cx="2130641" cy="963228"/>
-          </a:xfrm>
-          <a:prstGeom prst="rect">
-            <a:avLst/>
-          </a:prstGeom>
-          <a:noFill/>
-          <a:ln>
-            <a:solidFill>
-              <a:srgbClr val="FF0000"/>
-            </a:solidFill>
-          </a:ln>
-        </p:spPr>
-        <p:style>
-          <a:lnRef idx="2">
-            <a:schemeClr val="accent1">
-              <a:shade val="50000"/>
-            </a:schemeClr>
-          </a:lnRef>
-          <a:fillRef idx="1">
-            <a:schemeClr val="accent1"/>
-          </a:fillRef>
-          <a:effectRef idx="0">
-            <a:schemeClr val="accent1"/>
-          </a:effectRef>
-          <a:fontRef idx="minor">
-            <a:schemeClr val="lt1"/>
-          </a:fontRef>
-        </p:style>
-        <p:txBody>
-          <a:bodyPr rtlCol="0" anchor="ctr"/>
-          <a:lstStyle/>
-          <a:p>
-            <a:pPr algn="ctr"/>
-            <a:endParaRPr lang="nb-NO"/>
-          </a:p>
-        </p:txBody>
-      </p:sp>
     </p:spTree>
     <p:extLst>
       <p:ext uri="{BB962C8B-B14F-4D97-AF65-F5344CB8AC3E}">
-        <p14:creationId xmlns:p14="http://schemas.microsoft.com/office/powerpoint/2010/main" val="654562467"/>
+        <p14:creationId xmlns:p14="http://schemas.microsoft.com/office/powerpoint/2010/main" val="3287438306"/>
       </p:ext>
     </p:extLst>
   </p:cSld>
@@ -4427,218 +4126,10 @@
           </a:extLst>
         </p:spPr>
       </p:pic>
-      <p:sp>
-        <p:nvSpPr>
-          <p:cNvPr id="2" name="Rektangel 1">
-            <a:extLst>
-              <a:ext uri="{FF2B5EF4-FFF2-40B4-BE49-F238E27FC236}">
-                <a16:creationId xmlns:a16="http://schemas.microsoft.com/office/drawing/2014/main" id="{C892C079-5848-41A0-AAF8-BC69D95B7C71}"/>
-              </a:ext>
-            </a:extLst>
-          </p:cNvPr>
-          <p:cNvSpPr/>
-          <p:nvPr/>
-        </p:nvSpPr>
-        <p:spPr>
-          <a:xfrm>
-            <a:off x="1393794" y="692458"/>
-            <a:ext cx="2299317" cy="967666"/>
-          </a:xfrm>
-          <a:prstGeom prst="rect">
-            <a:avLst/>
-          </a:prstGeom>
-          <a:noFill/>
-          <a:ln>
-            <a:solidFill>
-              <a:srgbClr val="FF0000"/>
-            </a:solidFill>
-          </a:ln>
-        </p:spPr>
-        <p:style>
-          <a:lnRef idx="2">
-            <a:schemeClr val="accent1">
-              <a:shade val="50000"/>
-            </a:schemeClr>
-          </a:lnRef>
-          <a:fillRef idx="1">
-            <a:schemeClr val="accent1"/>
-          </a:fillRef>
-          <a:effectRef idx="0">
-            <a:schemeClr val="accent1"/>
-          </a:effectRef>
-          <a:fontRef idx="minor">
-            <a:schemeClr val="lt1"/>
-          </a:fontRef>
-        </p:style>
-        <p:txBody>
-          <a:bodyPr rtlCol="0" anchor="ctr"/>
-          <a:lstStyle/>
-          <a:p>
-            <a:pPr algn="ctr"/>
-            <a:endParaRPr lang="nb-NO"/>
-          </a:p>
-        </p:txBody>
-      </p:sp>
-      <p:sp>
-        <p:nvSpPr>
-          <p:cNvPr id="3" name="Rektangel 2">
-            <a:extLst>
-              <a:ext uri="{FF2B5EF4-FFF2-40B4-BE49-F238E27FC236}">
-                <a16:creationId xmlns:a16="http://schemas.microsoft.com/office/drawing/2014/main" id="{15B442D1-B8AC-48B9-AB71-6217FC2932C9}"/>
-              </a:ext>
-            </a:extLst>
-          </p:cNvPr>
-          <p:cNvSpPr/>
-          <p:nvPr/>
-        </p:nvSpPr>
-        <p:spPr>
-          <a:xfrm>
-            <a:off x="5894773" y="5681709"/>
-            <a:ext cx="2237173" cy="825623"/>
-          </a:xfrm>
-          <a:prstGeom prst="rect">
-            <a:avLst/>
-          </a:prstGeom>
-          <a:noFill/>
-          <a:ln>
-            <a:solidFill>
-              <a:srgbClr val="FF0000"/>
-            </a:solidFill>
-          </a:ln>
-        </p:spPr>
-        <p:style>
-          <a:lnRef idx="2">
-            <a:schemeClr val="accent1">
-              <a:shade val="50000"/>
-            </a:schemeClr>
-          </a:lnRef>
-          <a:fillRef idx="1">
-            <a:schemeClr val="accent1"/>
-          </a:fillRef>
-          <a:effectRef idx="0">
-            <a:schemeClr val="accent1"/>
-          </a:effectRef>
-          <a:fontRef idx="minor">
-            <a:schemeClr val="lt1"/>
-          </a:fontRef>
-        </p:style>
-        <p:txBody>
-          <a:bodyPr rtlCol="0" anchor="ctr"/>
-          <a:lstStyle/>
-          <a:p>
-            <a:pPr algn="ctr"/>
-            <a:endParaRPr lang="nb-NO"/>
-          </a:p>
-        </p:txBody>
-      </p:sp>
-      <p:sp>
-        <p:nvSpPr>
-          <p:cNvPr id="4" name="Rektangel 3">
-            <a:extLst>
-              <a:ext uri="{FF2B5EF4-FFF2-40B4-BE49-F238E27FC236}">
-                <a16:creationId xmlns:a16="http://schemas.microsoft.com/office/drawing/2014/main" id="{E6206E11-0738-4434-A6BA-2774B8A7ADE8}"/>
-              </a:ext>
-            </a:extLst>
-          </p:cNvPr>
-          <p:cNvSpPr/>
-          <p:nvPr/>
-        </p:nvSpPr>
-        <p:spPr>
-          <a:xfrm>
-            <a:off x="1524000" y="3284738"/>
-            <a:ext cx="2169111" cy="790112"/>
-          </a:xfrm>
-          <a:prstGeom prst="rect">
-            <a:avLst/>
-          </a:prstGeom>
-          <a:noFill/>
-          <a:ln>
-            <a:solidFill>
-              <a:srgbClr val="FF0000"/>
-            </a:solidFill>
-          </a:ln>
-        </p:spPr>
-        <p:style>
-          <a:lnRef idx="2">
-            <a:schemeClr val="accent1">
-              <a:shade val="50000"/>
-            </a:schemeClr>
-          </a:lnRef>
-          <a:fillRef idx="1">
-            <a:schemeClr val="accent1"/>
-          </a:fillRef>
-          <a:effectRef idx="0">
-            <a:schemeClr val="accent1"/>
-          </a:effectRef>
-          <a:fontRef idx="minor">
-            <a:schemeClr val="lt1"/>
-          </a:fontRef>
-        </p:style>
-        <p:txBody>
-          <a:bodyPr rtlCol="0" anchor="ctr"/>
-          <a:lstStyle/>
-          <a:p>
-            <a:pPr algn="ctr"/>
-            <a:endParaRPr lang="nb-NO"/>
-          </a:p>
-        </p:txBody>
-      </p:sp>
-      <p:sp>
-        <p:nvSpPr>
-          <p:cNvPr id="5" name="Rektangel 4">
-            <a:extLst>
-              <a:ext uri="{FF2B5EF4-FFF2-40B4-BE49-F238E27FC236}">
-                <a16:creationId xmlns:a16="http://schemas.microsoft.com/office/drawing/2014/main" id="{4ED09EC4-1542-43E8-93AC-9949714C9229}"/>
-              </a:ext>
-            </a:extLst>
-          </p:cNvPr>
-          <p:cNvSpPr/>
-          <p:nvPr/>
-        </p:nvSpPr>
-        <p:spPr>
-          <a:xfrm>
-            <a:off x="5894773" y="692458"/>
-            <a:ext cx="2299317" cy="1056443"/>
-          </a:xfrm>
-          <a:prstGeom prst="rect">
-            <a:avLst/>
-          </a:prstGeom>
-          <a:noFill/>
-          <a:ln>
-            <a:solidFill>
-              <a:srgbClr val="FF0000"/>
-            </a:solidFill>
-          </a:ln>
-        </p:spPr>
-        <p:style>
-          <a:lnRef idx="2">
-            <a:schemeClr val="accent1">
-              <a:shade val="50000"/>
-            </a:schemeClr>
-          </a:lnRef>
-          <a:fillRef idx="1">
-            <a:schemeClr val="accent1"/>
-          </a:fillRef>
-          <a:effectRef idx="0">
-            <a:schemeClr val="accent1"/>
-          </a:effectRef>
-          <a:fontRef idx="minor">
-            <a:schemeClr val="lt1"/>
-          </a:fontRef>
-        </p:style>
-        <p:txBody>
-          <a:bodyPr rtlCol="0" anchor="ctr"/>
-          <a:lstStyle/>
-          <a:p>
-            <a:pPr algn="ctr"/>
-            <a:endParaRPr lang="nb-NO"/>
-          </a:p>
-        </p:txBody>
-      </p:sp>
     </p:spTree>
     <p:extLst>
       <p:ext uri="{BB962C8B-B14F-4D97-AF65-F5344CB8AC3E}">
-        <p14:creationId xmlns:p14="http://schemas.microsoft.com/office/powerpoint/2010/main" val="4257025509"/>
+        <p14:creationId xmlns:p14="http://schemas.microsoft.com/office/powerpoint/2010/main" val="3543343983"/>
       </p:ext>
     </p:extLst>
   </p:cSld>
@@ -4712,62 +4203,10 @@
           </a:extLst>
         </p:spPr>
       </p:pic>
-      <p:sp>
-        <p:nvSpPr>
-          <p:cNvPr id="2" name="Rektangel 1">
-            <a:extLst>
-              <a:ext uri="{FF2B5EF4-FFF2-40B4-BE49-F238E27FC236}">
-                <a16:creationId xmlns:a16="http://schemas.microsoft.com/office/drawing/2014/main" id="{ED025E97-F5B3-46CB-B18E-78DF5268C483}"/>
-              </a:ext>
-            </a:extLst>
-          </p:cNvPr>
-          <p:cNvSpPr/>
-          <p:nvPr/>
-        </p:nvSpPr>
-        <p:spPr>
-          <a:xfrm>
-            <a:off x="5965794" y="4492101"/>
-            <a:ext cx="2618913" cy="1145219"/>
-          </a:xfrm>
-          <a:prstGeom prst="rect">
-            <a:avLst/>
-          </a:prstGeom>
-          <a:noFill/>
-          <a:ln>
-            <a:solidFill>
-              <a:srgbClr val="FF0000"/>
-            </a:solidFill>
-          </a:ln>
-        </p:spPr>
-        <p:style>
-          <a:lnRef idx="2">
-            <a:schemeClr val="accent1">
-              <a:shade val="50000"/>
-            </a:schemeClr>
-          </a:lnRef>
-          <a:fillRef idx="1">
-            <a:schemeClr val="accent1"/>
-          </a:fillRef>
-          <a:effectRef idx="0">
-            <a:schemeClr val="accent1"/>
-          </a:effectRef>
-          <a:fontRef idx="minor">
-            <a:schemeClr val="lt1"/>
-          </a:fontRef>
-        </p:style>
-        <p:txBody>
-          <a:bodyPr rtlCol="0" anchor="ctr"/>
-          <a:lstStyle/>
-          <a:p>
-            <a:pPr algn="ctr"/>
-            <a:endParaRPr lang="nb-NO"/>
-          </a:p>
-        </p:txBody>
-      </p:sp>
     </p:spTree>
     <p:extLst>
       <p:ext uri="{BB962C8B-B14F-4D97-AF65-F5344CB8AC3E}">
-        <p14:creationId xmlns:p14="http://schemas.microsoft.com/office/powerpoint/2010/main" val="114463542"/>
+        <p14:creationId xmlns:p14="http://schemas.microsoft.com/office/powerpoint/2010/main" val="4122790167"/>
       </p:ext>
     </p:extLst>
   </p:cSld>
@@ -4877,17 +4316,17 @@
           <a:p>
             <a:r>
               <a:rPr lang="nb-NO" dirty="0"/>
-              <a:t>modell</a:t>
+              <a:t>Digital</a:t>
             </a:r>
           </a:p>
         </p:txBody>
       </p:sp>
       <p:sp>
         <p:nvSpPr>
-          <p:cNvPr id="2" name="Rektangel 1">
-            <a:extLst>
-              <a:ext uri="{FF2B5EF4-FFF2-40B4-BE49-F238E27FC236}">
-                <a16:creationId xmlns:a16="http://schemas.microsoft.com/office/drawing/2014/main" id="{CCF8CA83-722E-4B9F-8BDD-6C3FF96AAF33}"/>
+          <p:cNvPr id="5" name="Rektangel 4">
+            <a:extLst>
+              <a:ext uri="{FF2B5EF4-FFF2-40B4-BE49-F238E27FC236}">
+                <a16:creationId xmlns:a16="http://schemas.microsoft.com/office/drawing/2014/main" id="{FD094E19-5611-4D34-BCD0-4B5F27287B59}"/>
               </a:ext>
             </a:extLst>
           </p:cNvPr>
@@ -4896,8 +4335,8 @@
         </p:nvSpPr>
         <p:spPr>
           <a:xfrm>
-            <a:off x="8220722" y="2405849"/>
-            <a:ext cx="2130641" cy="923277"/>
+            <a:off x="3923930" y="4572000"/>
+            <a:ext cx="2172070" cy="1189608"/>
           </a:xfrm>
           <a:prstGeom prst="rect">
             <a:avLst/>
@@ -4934,166 +4373,10 @@
           </a:p>
         </p:txBody>
       </p:sp>
-      <p:sp>
-        <p:nvSpPr>
-          <p:cNvPr id="4" name="Rektangel 3">
-            <a:extLst>
-              <a:ext uri="{FF2B5EF4-FFF2-40B4-BE49-F238E27FC236}">
-                <a16:creationId xmlns:a16="http://schemas.microsoft.com/office/drawing/2014/main" id="{22A05635-BF44-4B31-9660-7DBA17A8BA98}"/>
-              </a:ext>
-            </a:extLst>
-          </p:cNvPr>
-          <p:cNvSpPr/>
-          <p:nvPr/>
-        </p:nvSpPr>
-        <p:spPr>
-          <a:xfrm>
-            <a:off x="6096000" y="4536489"/>
-            <a:ext cx="2124722" cy="1065321"/>
-          </a:xfrm>
-          <a:prstGeom prst="rect">
-            <a:avLst/>
-          </a:prstGeom>
-          <a:noFill/>
-          <a:ln>
-            <a:solidFill>
-              <a:srgbClr val="FF0000"/>
-            </a:solidFill>
-          </a:ln>
-        </p:spPr>
-        <p:style>
-          <a:lnRef idx="2">
-            <a:schemeClr val="accent1">
-              <a:shade val="50000"/>
-            </a:schemeClr>
-          </a:lnRef>
-          <a:fillRef idx="1">
-            <a:schemeClr val="accent1"/>
-          </a:fillRef>
-          <a:effectRef idx="0">
-            <a:schemeClr val="accent1"/>
-          </a:effectRef>
-          <a:fontRef idx="minor">
-            <a:schemeClr val="lt1"/>
-          </a:fontRef>
-        </p:style>
-        <p:txBody>
-          <a:bodyPr rtlCol="0" anchor="ctr"/>
-          <a:lstStyle/>
-          <a:p>
-            <a:pPr algn="ctr"/>
-            <a:endParaRPr lang="nb-NO"/>
-          </a:p>
-        </p:txBody>
-      </p:sp>
-      <p:sp>
-        <p:nvSpPr>
-          <p:cNvPr id="5" name="Rektangel 4">
-            <a:extLst>
-              <a:ext uri="{FF2B5EF4-FFF2-40B4-BE49-F238E27FC236}">
-                <a16:creationId xmlns:a16="http://schemas.microsoft.com/office/drawing/2014/main" id="{27D2CB44-3371-4C0F-A5D0-2DE9FA3B9622}"/>
-              </a:ext>
-            </a:extLst>
-          </p:cNvPr>
-          <p:cNvSpPr/>
-          <p:nvPr/>
-        </p:nvSpPr>
-        <p:spPr>
-          <a:xfrm>
-            <a:off x="3923930" y="4536489"/>
-            <a:ext cx="2124722" cy="1065321"/>
-          </a:xfrm>
-          <a:prstGeom prst="rect">
-            <a:avLst/>
-          </a:prstGeom>
-          <a:noFill/>
-          <a:ln>
-            <a:solidFill>
-              <a:srgbClr val="FF0000"/>
-            </a:solidFill>
-          </a:ln>
-        </p:spPr>
-        <p:style>
-          <a:lnRef idx="2">
-            <a:schemeClr val="accent1">
-              <a:shade val="50000"/>
-            </a:schemeClr>
-          </a:lnRef>
-          <a:fillRef idx="1">
-            <a:schemeClr val="accent1"/>
-          </a:fillRef>
-          <a:effectRef idx="0">
-            <a:schemeClr val="accent1"/>
-          </a:effectRef>
-          <a:fontRef idx="minor">
-            <a:schemeClr val="lt1"/>
-          </a:fontRef>
-        </p:style>
-        <p:txBody>
-          <a:bodyPr rtlCol="0" anchor="ctr"/>
-          <a:lstStyle/>
-          <a:p>
-            <a:pPr algn="ctr"/>
-            <a:endParaRPr lang="nb-NO"/>
-          </a:p>
-        </p:txBody>
-      </p:sp>
-      <p:sp>
-        <p:nvSpPr>
-          <p:cNvPr id="6" name="Rektangel 5">
-            <a:extLst>
-              <a:ext uri="{FF2B5EF4-FFF2-40B4-BE49-F238E27FC236}">
-                <a16:creationId xmlns:a16="http://schemas.microsoft.com/office/drawing/2014/main" id="{7F799DC8-B20A-4EC5-AB52-358BBACB22EF}"/>
-              </a:ext>
-            </a:extLst>
-          </p:cNvPr>
-          <p:cNvSpPr/>
-          <p:nvPr/>
-        </p:nvSpPr>
-        <p:spPr>
-          <a:xfrm>
-            <a:off x="6096000" y="5894773"/>
-            <a:ext cx="2124722" cy="914400"/>
-          </a:xfrm>
-          <a:prstGeom prst="rect">
-            <a:avLst/>
-          </a:prstGeom>
-          <a:noFill/>
-          <a:ln>
-            <a:solidFill>
-              <a:srgbClr val="FF0000"/>
-            </a:solidFill>
-          </a:ln>
-        </p:spPr>
-        <p:style>
-          <a:lnRef idx="2">
-            <a:schemeClr val="accent1">
-              <a:shade val="50000"/>
-            </a:schemeClr>
-          </a:lnRef>
-          <a:fillRef idx="1">
-            <a:schemeClr val="accent1"/>
-          </a:fillRef>
-          <a:effectRef idx="0">
-            <a:schemeClr val="accent1"/>
-          </a:effectRef>
-          <a:fontRef idx="minor">
-            <a:schemeClr val="lt1"/>
-          </a:fontRef>
-        </p:style>
-        <p:txBody>
-          <a:bodyPr rtlCol="0" anchor="ctr"/>
-          <a:lstStyle/>
-          <a:p>
-            <a:pPr algn="ctr"/>
-            <a:endParaRPr lang="nb-NO"/>
-          </a:p>
-        </p:txBody>
-      </p:sp>
     </p:spTree>
     <p:extLst>
       <p:ext uri="{BB962C8B-B14F-4D97-AF65-F5344CB8AC3E}">
-        <p14:creationId xmlns:p14="http://schemas.microsoft.com/office/powerpoint/2010/main" val="2548166108"/>
+        <p14:creationId xmlns:p14="http://schemas.microsoft.com/office/powerpoint/2010/main" val="3955040088"/>
       </p:ext>
     </p:extLst>
   </p:cSld>
@@ -5172,7 +4455,7 @@
           <p:cNvPr id="2" name="Rektangel 1">
             <a:extLst>
               <a:ext uri="{FF2B5EF4-FFF2-40B4-BE49-F238E27FC236}">
-                <a16:creationId xmlns:a16="http://schemas.microsoft.com/office/drawing/2014/main" id="{F3D6082A-3344-4636-97D9-3E6DC744FEF6}"/>
+                <a16:creationId xmlns:a16="http://schemas.microsoft.com/office/drawing/2014/main" id="{B25AE814-23CC-4BD9-945F-EC75BB28B3C5}"/>
               </a:ext>
             </a:extLst>
           </p:cNvPr>
@@ -5181,8 +4464,8 @@
         </p:nvSpPr>
         <p:spPr>
           <a:xfrm>
-            <a:off x="561975" y="3178206"/>
-            <a:ext cx="2740518" cy="1171852"/>
+            <a:off x="3373515" y="3107184"/>
+            <a:ext cx="2722485" cy="1260630"/>
           </a:xfrm>
           <a:prstGeom prst="rect">
             <a:avLst/>
@@ -5224,7 +4507,7 @@
           <p:cNvPr id="3" name="Rektangel 2">
             <a:extLst>
               <a:ext uri="{FF2B5EF4-FFF2-40B4-BE49-F238E27FC236}">
-                <a16:creationId xmlns:a16="http://schemas.microsoft.com/office/drawing/2014/main" id="{0302DB87-5EF8-4215-8A99-CE5C08FE2676}"/>
+                <a16:creationId xmlns:a16="http://schemas.microsoft.com/office/drawing/2014/main" id="{7625C7A4-C2D6-469F-AAB7-A1147991D084}"/>
               </a:ext>
             </a:extLst>
           </p:cNvPr>
@@ -5233,8 +4516,8 @@
         </p:nvSpPr>
         <p:spPr>
           <a:xfrm>
-            <a:off x="6027938" y="5042517"/>
-            <a:ext cx="2911876" cy="1196358"/>
+            <a:off x="639192" y="5015883"/>
+            <a:ext cx="2734323" cy="1047566"/>
           </a:xfrm>
           <a:prstGeom prst="rect">
             <a:avLst/>
@@ -5274,7 +4557,7 @@
     </p:spTree>
     <p:extLst>
       <p:ext uri="{BB962C8B-B14F-4D97-AF65-F5344CB8AC3E}">
-        <p14:creationId xmlns:p14="http://schemas.microsoft.com/office/powerpoint/2010/main" val="68687696"/>
+        <p14:creationId xmlns:p14="http://schemas.microsoft.com/office/powerpoint/2010/main" val="522953304"/>
       </p:ext>
     </p:extLst>
   </p:cSld>
@@ -5324,7 +4607,7 @@
           <a:p>
             <a:r>
               <a:rPr lang="nb-NO" dirty="0"/>
-              <a:t>Samarbeid</a:t>
+              <a:t>Modell</a:t>
             </a:r>
           </a:p>
         </p:txBody>
@@ -5357,7 +4640,7 @@
     </p:spTree>
     <p:extLst>
       <p:ext uri="{BB962C8B-B14F-4D97-AF65-F5344CB8AC3E}">
-        <p14:creationId xmlns:p14="http://schemas.microsoft.com/office/powerpoint/2010/main" val="8515706"/>
+        <p14:creationId xmlns:p14="http://schemas.microsoft.com/office/powerpoint/2010/main" val="3531336235"/>
       </p:ext>
     </p:extLst>
   </p:cSld>
@@ -5445,7 +4728,7 @@
         </p:nvSpPr>
         <p:spPr>
           <a:xfrm>
-            <a:off x="104775" y="219075"/>
+            <a:off x="0" y="349703"/>
             <a:ext cx="1644650" cy="646331"/>
           </a:xfrm>
           <a:prstGeom prst="rect">
@@ -5467,121 +4750,15 @@
           <a:p>
             <a:r>
               <a:rPr lang="nb-NO" dirty="0"/>
-              <a:t>BIM</a:t>
+              <a:t>Programvare</a:t>
             </a:r>
-          </a:p>
-        </p:txBody>
-      </p:sp>
-      <p:sp>
-        <p:nvSpPr>
-          <p:cNvPr id="8" name="Rektangel 7">
-            <a:extLst>
-              <a:ext uri="{FF2B5EF4-FFF2-40B4-BE49-F238E27FC236}">
-                <a16:creationId xmlns:a16="http://schemas.microsoft.com/office/drawing/2014/main" id="{C9F33E59-4F6B-4399-A229-7C963CD88977}"/>
-              </a:ext>
-            </a:extLst>
-          </p:cNvPr>
-          <p:cNvSpPr/>
-          <p:nvPr/>
-        </p:nvSpPr>
-        <p:spPr>
-          <a:xfrm>
-            <a:off x="5930283" y="2139518"/>
-            <a:ext cx="2041865" cy="1091954"/>
-          </a:xfrm>
-          <a:prstGeom prst="rect">
-            <a:avLst/>
-          </a:prstGeom>
-          <a:noFill/>
-          <a:ln>
-            <a:solidFill>
-              <a:srgbClr val="FF0000"/>
-            </a:solidFill>
-          </a:ln>
-        </p:spPr>
-        <p:style>
-          <a:lnRef idx="2">
-            <a:schemeClr val="accent1">
-              <a:shade val="50000"/>
-            </a:schemeClr>
-          </a:lnRef>
-          <a:fillRef idx="1">
-            <a:schemeClr val="accent1"/>
-          </a:fillRef>
-          <a:effectRef idx="0">
-            <a:schemeClr val="accent1"/>
-          </a:effectRef>
-          <a:fontRef idx="minor">
-            <a:schemeClr val="lt1"/>
-          </a:fontRef>
-        </p:style>
-        <p:txBody>
-          <a:bodyPr rtlCol="0" anchor="ctr"/>
-          <a:lstStyle/>
-          <a:p>
-            <a:pPr algn="ctr"/>
-            <a:endParaRPr lang="nb-NO">
-              <a:noFill/>
-            </a:endParaRPr>
-          </a:p>
-        </p:txBody>
-      </p:sp>
-      <p:sp>
-        <p:nvSpPr>
-          <p:cNvPr id="9" name="Rektangel 8">
-            <a:extLst>
-              <a:ext uri="{FF2B5EF4-FFF2-40B4-BE49-F238E27FC236}">
-                <a16:creationId xmlns:a16="http://schemas.microsoft.com/office/drawing/2014/main" id="{0E183270-D28F-49B8-B495-6A668FE63127}"/>
-              </a:ext>
-            </a:extLst>
-          </p:cNvPr>
-          <p:cNvSpPr/>
-          <p:nvPr/>
-        </p:nvSpPr>
-        <p:spPr>
-          <a:xfrm>
-            <a:off x="3879542" y="763480"/>
-            <a:ext cx="2041865" cy="1376038"/>
-          </a:xfrm>
-          <a:prstGeom prst="rect">
-            <a:avLst/>
-          </a:prstGeom>
-          <a:noFill/>
-          <a:ln>
-            <a:solidFill>
-              <a:srgbClr val="FF0000"/>
-            </a:solidFill>
-          </a:ln>
-        </p:spPr>
-        <p:style>
-          <a:lnRef idx="2">
-            <a:schemeClr val="accent1">
-              <a:shade val="50000"/>
-            </a:schemeClr>
-          </a:lnRef>
-          <a:fillRef idx="1">
-            <a:schemeClr val="accent1"/>
-          </a:fillRef>
-          <a:effectRef idx="0">
-            <a:schemeClr val="accent1"/>
-          </a:effectRef>
-          <a:fontRef idx="minor">
-            <a:schemeClr val="lt1"/>
-          </a:fontRef>
-        </p:style>
-        <p:txBody>
-          <a:bodyPr rtlCol="0" anchor="ctr"/>
-          <a:lstStyle/>
-          <a:p>
-            <a:pPr algn="ctr"/>
-            <a:endParaRPr lang="nb-NO"/>
           </a:p>
         </p:txBody>
       </p:sp>
     </p:spTree>
     <p:extLst>
       <p:ext uri="{BB962C8B-B14F-4D97-AF65-F5344CB8AC3E}">
-        <p14:creationId xmlns:p14="http://schemas.microsoft.com/office/powerpoint/2010/main" val="1155471868"/>
+        <p14:creationId xmlns:p14="http://schemas.microsoft.com/office/powerpoint/2010/main" val="3888934003"/>
       </p:ext>
     </p:extLst>
   </p:cSld>
@@ -5691,7 +4868,7 @@
           <a:p>
             <a:r>
               <a:rPr lang="nb-NO" dirty="0"/>
-              <a:t>Samarbeid</a:t>
+              <a:t>modell</a:t>
             </a:r>
           </a:p>
         </p:txBody>
@@ -5701,7 +4878,7 @@
           <p:cNvPr id="2" name="Rektangel 1">
             <a:extLst>
               <a:ext uri="{FF2B5EF4-FFF2-40B4-BE49-F238E27FC236}">
-                <a16:creationId xmlns:a16="http://schemas.microsoft.com/office/drawing/2014/main" id="{6A5E0904-6BD5-4364-8BE4-B8B569E5A92B}"/>
+                <a16:creationId xmlns:a16="http://schemas.microsoft.com/office/drawing/2014/main" id="{1BDAD3DA-692A-4774-8BC8-A41DB73C3F72}"/>
               </a:ext>
             </a:extLst>
           </p:cNvPr>
@@ -5710,8 +4887,8 @@
         </p:nvSpPr>
         <p:spPr>
           <a:xfrm>
-            <a:off x="3861786" y="736847"/>
-            <a:ext cx="2041864" cy="932155"/>
+            <a:off x="5948039" y="665825"/>
+            <a:ext cx="1988598" cy="1074198"/>
           </a:xfrm>
           <a:prstGeom prst="rect">
             <a:avLst/>
@@ -5753,7 +4930,7 @@
           <p:cNvPr id="3" name="Rektangel 2">
             <a:extLst>
               <a:ext uri="{FF2B5EF4-FFF2-40B4-BE49-F238E27FC236}">
-                <a16:creationId xmlns:a16="http://schemas.microsoft.com/office/drawing/2014/main" id="{2F99EE74-417B-4804-ABE6-F1BC5BD72515}"/>
+                <a16:creationId xmlns:a16="http://schemas.microsoft.com/office/drawing/2014/main" id="{9C0AEF63-4C0F-48BD-A4D2-84BF372EDFA1}"/>
               </a:ext>
             </a:extLst>
           </p:cNvPr>
@@ -5762,8 +4939,8 @@
         </p:nvSpPr>
         <p:spPr>
           <a:xfrm>
-            <a:off x="1749425" y="5956917"/>
-            <a:ext cx="2112361" cy="834500"/>
+            <a:off x="3897297" y="2237173"/>
+            <a:ext cx="2050742" cy="772357"/>
           </a:xfrm>
           <a:prstGeom prst="rect">
             <a:avLst/>
@@ -5800,10 +4977,218 @@
           </a:p>
         </p:txBody>
       </p:sp>
+      <p:sp>
+        <p:nvSpPr>
+          <p:cNvPr id="5" name="Rektangel 4">
+            <a:extLst>
+              <a:ext uri="{FF2B5EF4-FFF2-40B4-BE49-F238E27FC236}">
+                <a16:creationId xmlns:a16="http://schemas.microsoft.com/office/drawing/2014/main" id="{63503513-532C-4734-B9EE-9D5B38AA51AC}"/>
+              </a:ext>
+            </a:extLst>
+          </p:cNvPr>
+          <p:cNvSpPr/>
+          <p:nvPr/>
+        </p:nvSpPr>
+        <p:spPr>
+          <a:xfrm>
+            <a:off x="3897297" y="665825"/>
+            <a:ext cx="1988598" cy="1074198"/>
+          </a:xfrm>
+          <a:prstGeom prst="rect">
+            <a:avLst/>
+          </a:prstGeom>
+          <a:noFill/>
+          <a:ln>
+            <a:solidFill>
+              <a:srgbClr val="FF0000"/>
+            </a:solidFill>
+          </a:ln>
+        </p:spPr>
+        <p:style>
+          <a:lnRef idx="2">
+            <a:schemeClr val="accent1">
+              <a:shade val="50000"/>
+            </a:schemeClr>
+          </a:lnRef>
+          <a:fillRef idx="1">
+            <a:schemeClr val="accent1"/>
+          </a:fillRef>
+          <a:effectRef idx="0">
+            <a:schemeClr val="accent1"/>
+          </a:effectRef>
+          <a:fontRef idx="minor">
+            <a:schemeClr val="lt1"/>
+          </a:fontRef>
+        </p:style>
+        <p:txBody>
+          <a:bodyPr rtlCol="0" anchor="ctr"/>
+          <a:lstStyle/>
+          <a:p>
+            <a:pPr algn="ctr"/>
+            <a:endParaRPr lang="nb-NO"/>
+          </a:p>
+        </p:txBody>
+      </p:sp>
+      <p:sp>
+        <p:nvSpPr>
+          <p:cNvPr id="6" name="Rektangel 5">
+            <a:extLst>
+              <a:ext uri="{FF2B5EF4-FFF2-40B4-BE49-F238E27FC236}">
+                <a16:creationId xmlns:a16="http://schemas.microsoft.com/office/drawing/2014/main" id="{1F899D82-F20E-42AF-8EE2-B7C1A244A56B}"/>
+              </a:ext>
+            </a:extLst>
+          </p:cNvPr>
+          <p:cNvSpPr/>
+          <p:nvPr/>
+        </p:nvSpPr>
+        <p:spPr>
+          <a:xfrm>
+            <a:off x="5948039" y="2237173"/>
+            <a:ext cx="1988598" cy="772357"/>
+          </a:xfrm>
+          <a:prstGeom prst="rect">
+            <a:avLst/>
+          </a:prstGeom>
+          <a:noFill/>
+          <a:ln>
+            <a:solidFill>
+              <a:srgbClr val="FF0000"/>
+            </a:solidFill>
+          </a:ln>
+        </p:spPr>
+        <p:style>
+          <a:lnRef idx="2">
+            <a:schemeClr val="accent1">
+              <a:shade val="50000"/>
+            </a:schemeClr>
+          </a:lnRef>
+          <a:fillRef idx="1">
+            <a:schemeClr val="accent1"/>
+          </a:fillRef>
+          <a:effectRef idx="0">
+            <a:schemeClr val="accent1"/>
+          </a:effectRef>
+          <a:fontRef idx="minor">
+            <a:schemeClr val="lt1"/>
+          </a:fontRef>
+        </p:style>
+        <p:txBody>
+          <a:bodyPr rtlCol="0" anchor="ctr"/>
+          <a:lstStyle/>
+          <a:p>
+            <a:pPr algn="ctr"/>
+            <a:endParaRPr lang="nb-NO"/>
+          </a:p>
+        </p:txBody>
+      </p:sp>
+      <p:sp>
+        <p:nvSpPr>
+          <p:cNvPr id="7" name="Rektangel 6">
+            <a:extLst>
+              <a:ext uri="{FF2B5EF4-FFF2-40B4-BE49-F238E27FC236}">
+                <a16:creationId xmlns:a16="http://schemas.microsoft.com/office/drawing/2014/main" id="{EA80A526-724F-416B-A743-A40D5F8A9221}"/>
+              </a:ext>
+            </a:extLst>
+          </p:cNvPr>
+          <p:cNvSpPr/>
+          <p:nvPr/>
+        </p:nvSpPr>
+        <p:spPr>
+          <a:xfrm>
+            <a:off x="1749425" y="5921406"/>
+            <a:ext cx="2067973" cy="834501"/>
+          </a:xfrm>
+          <a:prstGeom prst="rect">
+            <a:avLst/>
+          </a:prstGeom>
+          <a:noFill/>
+          <a:ln>
+            <a:solidFill>
+              <a:srgbClr val="FF0000"/>
+            </a:solidFill>
+          </a:ln>
+        </p:spPr>
+        <p:style>
+          <a:lnRef idx="2">
+            <a:schemeClr val="accent1">
+              <a:shade val="50000"/>
+            </a:schemeClr>
+          </a:lnRef>
+          <a:fillRef idx="1">
+            <a:schemeClr val="accent1"/>
+          </a:fillRef>
+          <a:effectRef idx="0">
+            <a:schemeClr val="accent1"/>
+          </a:effectRef>
+          <a:fontRef idx="minor">
+            <a:schemeClr val="lt1"/>
+          </a:fontRef>
+        </p:style>
+        <p:txBody>
+          <a:bodyPr rtlCol="0" anchor="ctr"/>
+          <a:lstStyle/>
+          <a:p>
+            <a:pPr algn="ctr"/>
+            <a:endParaRPr lang="nb-NO"/>
+          </a:p>
+        </p:txBody>
+      </p:sp>
+      <p:sp>
+        <p:nvSpPr>
+          <p:cNvPr id="8" name="Rektangel 7">
+            <a:extLst>
+              <a:ext uri="{FF2B5EF4-FFF2-40B4-BE49-F238E27FC236}">
+                <a16:creationId xmlns:a16="http://schemas.microsoft.com/office/drawing/2014/main" id="{B1881A1F-830E-4252-82FD-89FC006AB9E8}"/>
+              </a:ext>
+            </a:extLst>
+          </p:cNvPr>
+          <p:cNvSpPr/>
+          <p:nvPr/>
+        </p:nvSpPr>
+        <p:spPr>
+          <a:xfrm>
+            <a:off x="3817398" y="4154750"/>
+            <a:ext cx="2130641" cy="963228"/>
+          </a:xfrm>
+          <a:prstGeom prst="rect">
+            <a:avLst/>
+          </a:prstGeom>
+          <a:noFill/>
+          <a:ln>
+            <a:solidFill>
+              <a:srgbClr val="FF0000"/>
+            </a:solidFill>
+          </a:ln>
+        </p:spPr>
+        <p:style>
+          <a:lnRef idx="2">
+            <a:schemeClr val="accent1">
+              <a:shade val="50000"/>
+            </a:schemeClr>
+          </a:lnRef>
+          <a:fillRef idx="1">
+            <a:schemeClr val="accent1"/>
+          </a:fillRef>
+          <a:effectRef idx="0">
+            <a:schemeClr val="accent1"/>
+          </a:effectRef>
+          <a:fontRef idx="minor">
+            <a:schemeClr val="lt1"/>
+          </a:fontRef>
+        </p:style>
+        <p:txBody>
+          <a:bodyPr rtlCol="0" anchor="ctr"/>
+          <a:lstStyle/>
+          <a:p>
+            <a:pPr algn="ctr"/>
+            <a:endParaRPr lang="nb-NO"/>
+          </a:p>
+        </p:txBody>
+      </p:sp>
     </p:spTree>
     <p:extLst>
       <p:ext uri="{BB962C8B-B14F-4D97-AF65-F5344CB8AC3E}">
-        <p14:creationId xmlns:p14="http://schemas.microsoft.com/office/powerpoint/2010/main" val="1942256475"/>
+        <p14:creationId xmlns:p14="http://schemas.microsoft.com/office/powerpoint/2010/main" val="654562467"/>
       </p:ext>
     </p:extLst>
   </p:cSld>
@@ -5882,7 +5267,7 @@
           <p:cNvPr id="2" name="Rektangel 1">
             <a:extLst>
               <a:ext uri="{FF2B5EF4-FFF2-40B4-BE49-F238E27FC236}">
-                <a16:creationId xmlns:a16="http://schemas.microsoft.com/office/drawing/2014/main" id="{3A8C7757-0000-4A9B-AFAF-9CD3D06F8AC1}"/>
+                <a16:creationId xmlns:a16="http://schemas.microsoft.com/office/drawing/2014/main" id="{C892C079-5848-41A0-AAF8-BC69D95B7C71}"/>
               </a:ext>
             </a:extLst>
           </p:cNvPr>
@@ -5891,8 +5276,8 @@
         </p:nvSpPr>
         <p:spPr>
           <a:xfrm>
-            <a:off x="1524000" y="763480"/>
-            <a:ext cx="2160233" cy="727969"/>
+            <a:off x="1393794" y="692458"/>
+            <a:ext cx="2299317" cy="967666"/>
           </a:xfrm>
           <a:prstGeom prst="rect">
             <a:avLst/>
@@ -5929,10 +5314,166 @@
           </a:p>
         </p:txBody>
       </p:sp>
+      <p:sp>
+        <p:nvSpPr>
+          <p:cNvPr id="3" name="Rektangel 2">
+            <a:extLst>
+              <a:ext uri="{FF2B5EF4-FFF2-40B4-BE49-F238E27FC236}">
+                <a16:creationId xmlns:a16="http://schemas.microsoft.com/office/drawing/2014/main" id="{15B442D1-B8AC-48B9-AB71-6217FC2932C9}"/>
+              </a:ext>
+            </a:extLst>
+          </p:cNvPr>
+          <p:cNvSpPr/>
+          <p:nvPr/>
+        </p:nvSpPr>
+        <p:spPr>
+          <a:xfrm>
+            <a:off x="5894773" y="5681709"/>
+            <a:ext cx="2237173" cy="825623"/>
+          </a:xfrm>
+          <a:prstGeom prst="rect">
+            <a:avLst/>
+          </a:prstGeom>
+          <a:noFill/>
+          <a:ln>
+            <a:solidFill>
+              <a:srgbClr val="FF0000"/>
+            </a:solidFill>
+          </a:ln>
+        </p:spPr>
+        <p:style>
+          <a:lnRef idx="2">
+            <a:schemeClr val="accent1">
+              <a:shade val="50000"/>
+            </a:schemeClr>
+          </a:lnRef>
+          <a:fillRef idx="1">
+            <a:schemeClr val="accent1"/>
+          </a:fillRef>
+          <a:effectRef idx="0">
+            <a:schemeClr val="accent1"/>
+          </a:effectRef>
+          <a:fontRef idx="minor">
+            <a:schemeClr val="lt1"/>
+          </a:fontRef>
+        </p:style>
+        <p:txBody>
+          <a:bodyPr rtlCol="0" anchor="ctr"/>
+          <a:lstStyle/>
+          <a:p>
+            <a:pPr algn="ctr"/>
+            <a:endParaRPr lang="nb-NO"/>
+          </a:p>
+        </p:txBody>
+      </p:sp>
+      <p:sp>
+        <p:nvSpPr>
+          <p:cNvPr id="4" name="Rektangel 3">
+            <a:extLst>
+              <a:ext uri="{FF2B5EF4-FFF2-40B4-BE49-F238E27FC236}">
+                <a16:creationId xmlns:a16="http://schemas.microsoft.com/office/drawing/2014/main" id="{E6206E11-0738-4434-A6BA-2774B8A7ADE8}"/>
+              </a:ext>
+            </a:extLst>
+          </p:cNvPr>
+          <p:cNvSpPr/>
+          <p:nvPr/>
+        </p:nvSpPr>
+        <p:spPr>
+          <a:xfrm>
+            <a:off x="1524000" y="3284738"/>
+            <a:ext cx="2169111" cy="790112"/>
+          </a:xfrm>
+          <a:prstGeom prst="rect">
+            <a:avLst/>
+          </a:prstGeom>
+          <a:noFill/>
+          <a:ln>
+            <a:solidFill>
+              <a:srgbClr val="FF0000"/>
+            </a:solidFill>
+          </a:ln>
+        </p:spPr>
+        <p:style>
+          <a:lnRef idx="2">
+            <a:schemeClr val="accent1">
+              <a:shade val="50000"/>
+            </a:schemeClr>
+          </a:lnRef>
+          <a:fillRef idx="1">
+            <a:schemeClr val="accent1"/>
+          </a:fillRef>
+          <a:effectRef idx="0">
+            <a:schemeClr val="accent1"/>
+          </a:effectRef>
+          <a:fontRef idx="minor">
+            <a:schemeClr val="lt1"/>
+          </a:fontRef>
+        </p:style>
+        <p:txBody>
+          <a:bodyPr rtlCol="0" anchor="ctr"/>
+          <a:lstStyle/>
+          <a:p>
+            <a:pPr algn="ctr"/>
+            <a:endParaRPr lang="nb-NO"/>
+          </a:p>
+        </p:txBody>
+      </p:sp>
+      <p:sp>
+        <p:nvSpPr>
+          <p:cNvPr id="5" name="Rektangel 4">
+            <a:extLst>
+              <a:ext uri="{FF2B5EF4-FFF2-40B4-BE49-F238E27FC236}">
+                <a16:creationId xmlns:a16="http://schemas.microsoft.com/office/drawing/2014/main" id="{4ED09EC4-1542-43E8-93AC-9949714C9229}"/>
+              </a:ext>
+            </a:extLst>
+          </p:cNvPr>
+          <p:cNvSpPr/>
+          <p:nvPr/>
+        </p:nvSpPr>
+        <p:spPr>
+          <a:xfrm>
+            <a:off x="5894773" y="692458"/>
+            <a:ext cx="2299317" cy="1056443"/>
+          </a:xfrm>
+          <a:prstGeom prst="rect">
+            <a:avLst/>
+          </a:prstGeom>
+          <a:noFill/>
+          <a:ln>
+            <a:solidFill>
+              <a:srgbClr val="FF0000"/>
+            </a:solidFill>
+          </a:ln>
+        </p:spPr>
+        <p:style>
+          <a:lnRef idx="2">
+            <a:schemeClr val="accent1">
+              <a:shade val="50000"/>
+            </a:schemeClr>
+          </a:lnRef>
+          <a:fillRef idx="1">
+            <a:schemeClr val="accent1"/>
+          </a:fillRef>
+          <a:effectRef idx="0">
+            <a:schemeClr val="accent1"/>
+          </a:effectRef>
+          <a:fontRef idx="minor">
+            <a:schemeClr val="lt1"/>
+          </a:fontRef>
+        </p:style>
+        <p:txBody>
+          <a:bodyPr rtlCol="0" anchor="ctr"/>
+          <a:lstStyle/>
+          <a:p>
+            <a:pPr algn="ctr"/>
+            <a:endParaRPr lang="nb-NO"/>
+          </a:p>
+        </p:txBody>
+      </p:sp>
     </p:spTree>
     <p:extLst>
       <p:ext uri="{BB962C8B-B14F-4D97-AF65-F5344CB8AC3E}">
-        <p14:creationId xmlns:p14="http://schemas.microsoft.com/office/powerpoint/2010/main" val="2539646679"/>
+        <p14:creationId xmlns:p14="http://schemas.microsoft.com/office/powerpoint/2010/main" val="4257025509"/>
       </p:ext>
     </p:extLst>
   </p:cSld>
@@ -6006,10 +5547,62 @@
           </a:extLst>
         </p:spPr>
       </p:pic>
+      <p:sp>
+        <p:nvSpPr>
+          <p:cNvPr id="2" name="Rektangel 1">
+            <a:extLst>
+              <a:ext uri="{FF2B5EF4-FFF2-40B4-BE49-F238E27FC236}">
+                <a16:creationId xmlns:a16="http://schemas.microsoft.com/office/drawing/2014/main" id="{ED025E97-F5B3-46CB-B18E-78DF5268C483}"/>
+              </a:ext>
+            </a:extLst>
+          </p:cNvPr>
+          <p:cNvSpPr/>
+          <p:nvPr/>
+        </p:nvSpPr>
+        <p:spPr>
+          <a:xfrm>
+            <a:off x="5965794" y="4492101"/>
+            <a:ext cx="2618913" cy="1145219"/>
+          </a:xfrm>
+          <a:prstGeom prst="rect">
+            <a:avLst/>
+          </a:prstGeom>
+          <a:noFill/>
+          <a:ln>
+            <a:solidFill>
+              <a:srgbClr val="FF0000"/>
+            </a:solidFill>
+          </a:ln>
+        </p:spPr>
+        <p:style>
+          <a:lnRef idx="2">
+            <a:schemeClr val="accent1">
+              <a:shade val="50000"/>
+            </a:schemeClr>
+          </a:lnRef>
+          <a:fillRef idx="1">
+            <a:schemeClr val="accent1"/>
+          </a:fillRef>
+          <a:effectRef idx="0">
+            <a:schemeClr val="accent1"/>
+          </a:effectRef>
+          <a:fontRef idx="minor">
+            <a:schemeClr val="lt1"/>
+          </a:fontRef>
+        </p:style>
+        <p:txBody>
+          <a:bodyPr rtlCol="0" anchor="ctr"/>
+          <a:lstStyle/>
+          <a:p>
+            <a:pPr algn="ctr"/>
+            <a:endParaRPr lang="nb-NO"/>
+          </a:p>
+        </p:txBody>
+      </p:sp>
     </p:spTree>
     <p:extLst>
       <p:ext uri="{BB962C8B-B14F-4D97-AF65-F5344CB8AC3E}">
-        <p14:creationId xmlns:p14="http://schemas.microsoft.com/office/powerpoint/2010/main" val="2699162454"/>
+        <p14:creationId xmlns:p14="http://schemas.microsoft.com/office/powerpoint/2010/main" val="114463542"/>
       </p:ext>
     </p:extLst>
   </p:cSld>
@@ -6119,7 +5712,7 @@
           <a:p>
             <a:r>
               <a:rPr lang="nb-NO" dirty="0"/>
-              <a:t>Samarbeid</a:t>
+              <a:t>modell</a:t>
             </a:r>
           </a:p>
         </p:txBody>
@@ -6129,7 +5722,7 @@
           <p:cNvPr id="2" name="Rektangel 1">
             <a:extLst>
               <a:ext uri="{FF2B5EF4-FFF2-40B4-BE49-F238E27FC236}">
-                <a16:creationId xmlns:a16="http://schemas.microsoft.com/office/drawing/2014/main" id="{C833DF61-02FC-4C6F-80B2-282E198AE7C7}"/>
+                <a16:creationId xmlns:a16="http://schemas.microsoft.com/office/drawing/2014/main" id="{CCF8CA83-722E-4B9F-8BDD-6C3FF96AAF33}"/>
               </a:ext>
             </a:extLst>
           </p:cNvPr>
@@ -6138,8 +5731,8 @@
         </p:nvSpPr>
         <p:spPr>
           <a:xfrm>
-            <a:off x="1757779" y="1100831"/>
-            <a:ext cx="2077374" cy="781235"/>
+            <a:off x="8220722" y="2405849"/>
+            <a:ext cx="2130641" cy="923277"/>
           </a:xfrm>
           <a:prstGeom prst="rect">
             <a:avLst/>
@@ -6176,10 +5769,166 @@
           </a:p>
         </p:txBody>
       </p:sp>
+      <p:sp>
+        <p:nvSpPr>
+          <p:cNvPr id="4" name="Rektangel 3">
+            <a:extLst>
+              <a:ext uri="{FF2B5EF4-FFF2-40B4-BE49-F238E27FC236}">
+                <a16:creationId xmlns:a16="http://schemas.microsoft.com/office/drawing/2014/main" id="{22A05635-BF44-4B31-9660-7DBA17A8BA98}"/>
+              </a:ext>
+            </a:extLst>
+          </p:cNvPr>
+          <p:cNvSpPr/>
+          <p:nvPr/>
+        </p:nvSpPr>
+        <p:spPr>
+          <a:xfrm>
+            <a:off x="6096000" y="4536489"/>
+            <a:ext cx="2124722" cy="1065321"/>
+          </a:xfrm>
+          <a:prstGeom prst="rect">
+            <a:avLst/>
+          </a:prstGeom>
+          <a:noFill/>
+          <a:ln>
+            <a:solidFill>
+              <a:srgbClr val="FF0000"/>
+            </a:solidFill>
+          </a:ln>
+        </p:spPr>
+        <p:style>
+          <a:lnRef idx="2">
+            <a:schemeClr val="accent1">
+              <a:shade val="50000"/>
+            </a:schemeClr>
+          </a:lnRef>
+          <a:fillRef idx="1">
+            <a:schemeClr val="accent1"/>
+          </a:fillRef>
+          <a:effectRef idx="0">
+            <a:schemeClr val="accent1"/>
+          </a:effectRef>
+          <a:fontRef idx="minor">
+            <a:schemeClr val="lt1"/>
+          </a:fontRef>
+        </p:style>
+        <p:txBody>
+          <a:bodyPr rtlCol="0" anchor="ctr"/>
+          <a:lstStyle/>
+          <a:p>
+            <a:pPr algn="ctr"/>
+            <a:endParaRPr lang="nb-NO"/>
+          </a:p>
+        </p:txBody>
+      </p:sp>
+      <p:sp>
+        <p:nvSpPr>
+          <p:cNvPr id="5" name="Rektangel 4">
+            <a:extLst>
+              <a:ext uri="{FF2B5EF4-FFF2-40B4-BE49-F238E27FC236}">
+                <a16:creationId xmlns:a16="http://schemas.microsoft.com/office/drawing/2014/main" id="{27D2CB44-3371-4C0F-A5D0-2DE9FA3B9622}"/>
+              </a:ext>
+            </a:extLst>
+          </p:cNvPr>
+          <p:cNvSpPr/>
+          <p:nvPr/>
+        </p:nvSpPr>
+        <p:spPr>
+          <a:xfrm>
+            <a:off x="3923930" y="4536489"/>
+            <a:ext cx="2124722" cy="1065321"/>
+          </a:xfrm>
+          <a:prstGeom prst="rect">
+            <a:avLst/>
+          </a:prstGeom>
+          <a:noFill/>
+          <a:ln>
+            <a:solidFill>
+              <a:srgbClr val="FF0000"/>
+            </a:solidFill>
+          </a:ln>
+        </p:spPr>
+        <p:style>
+          <a:lnRef idx="2">
+            <a:schemeClr val="accent1">
+              <a:shade val="50000"/>
+            </a:schemeClr>
+          </a:lnRef>
+          <a:fillRef idx="1">
+            <a:schemeClr val="accent1"/>
+          </a:fillRef>
+          <a:effectRef idx="0">
+            <a:schemeClr val="accent1"/>
+          </a:effectRef>
+          <a:fontRef idx="minor">
+            <a:schemeClr val="lt1"/>
+          </a:fontRef>
+        </p:style>
+        <p:txBody>
+          <a:bodyPr rtlCol="0" anchor="ctr"/>
+          <a:lstStyle/>
+          <a:p>
+            <a:pPr algn="ctr"/>
+            <a:endParaRPr lang="nb-NO"/>
+          </a:p>
+        </p:txBody>
+      </p:sp>
+      <p:sp>
+        <p:nvSpPr>
+          <p:cNvPr id="6" name="Rektangel 5">
+            <a:extLst>
+              <a:ext uri="{FF2B5EF4-FFF2-40B4-BE49-F238E27FC236}">
+                <a16:creationId xmlns:a16="http://schemas.microsoft.com/office/drawing/2014/main" id="{7F799DC8-B20A-4EC5-AB52-358BBACB22EF}"/>
+              </a:ext>
+            </a:extLst>
+          </p:cNvPr>
+          <p:cNvSpPr/>
+          <p:nvPr/>
+        </p:nvSpPr>
+        <p:spPr>
+          <a:xfrm>
+            <a:off x="6096000" y="5894773"/>
+            <a:ext cx="2124722" cy="914400"/>
+          </a:xfrm>
+          <a:prstGeom prst="rect">
+            <a:avLst/>
+          </a:prstGeom>
+          <a:noFill/>
+          <a:ln>
+            <a:solidFill>
+              <a:srgbClr val="FF0000"/>
+            </a:solidFill>
+          </a:ln>
+        </p:spPr>
+        <p:style>
+          <a:lnRef idx="2">
+            <a:schemeClr val="accent1">
+              <a:shade val="50000"/>
+            </a:schemeClr>
+          </a:lnRef>
+          <a:fillRef idx="1">
+            <a:schemeClr val="accent1"/>
+          </a:fillRef>
+          <a:effectRef idx="0">
+            <a:schemeClr val="accent1"/>
+          </a:effectRef>
+          <a:fontRef idx="minor">
+            <a:schemeClr val="lt1"/>
+          </a:fontRef>
+        </p:style>
+        <p:txBody>
+          <a:bodyPr rtlCol="0" anchor="ctr"/>
+          <a:lstStyle/>
+          <a:p>
+            <a:pPr algn="ctr"/>
+            <a:endParaRPr lang="nb-NO"/>
+          </a:p>
+        </p:txBody>
+      </p:sp>
     </p:spTree>
     <p:extLst>
       <p:ext uri="{BB962C8B-B14F-4D97-AF65-F5344CB8AC3E}">
-        <p14:creationId xmlns:p14="http://schemas.microsoft.com/office/powerpoint/2010/main" val="2767370736"/>
+        <p14:creationId xmlns:p14="http://schemas.microsoft.com/office/powerpoint/2010/main" val="2548166108"/>
       </p:ext>
     </p:extLst>
   </p:cSld>
@@ -6253,10 +6002,114 @@
           </a:extLst>
         </p:spPr>
       </p:pic>
+      <p:sp>
+        <p:nvSpPr>
+          <p:cNvPr id="2" name="Rektangel 1">
+            <a:extLst>
+              <a:ext uri="{FF2B5EF4-FFF2-40B4-BE49-F238E27FC236}">
+                <a16:creationId xmlns:a16="http://schemas.microsoft.com/office/drawing/2014/main" id="{F3D6082A-3344-4636-97D9-3E6DC744FEF6}"/>
+              </a:ext>
+            </a:extLst>
+          </p:cNvPr>
+          <p:cNvSpPr/>
+          <p:nvPr/>
+        </p:nvSpPr>
+        <p:spPr>
+          <a:xfrm>
+            <a:off x="561975" y="3178206"/>
+            <a:ext cx="2740518" cy="1171852"/>
+          </a:xfrm>
+          <a:prstGeom prst="rect">
+            <a:avLst/>
+          </a:prstGeom>
+          <a:noFill/>
+          <a:ln>
+            <a:solidFill>
+              <a:srgbClr val="FF0000"/>
+            </a:solidFill>
+          </a:ln>
+        </p:spPr>
+        <p:style>
+          <a:lnRef idx="2">
+            <a:schemeClr val="accent1">
+              <a:shade val="50000"/>
+            </a:schemeClr>
+          </a:lnRef>
+          <a:fillRef idx="1">
+            <a:schemeClr val="accent1"/>
+          </a:fillRef>
+          <a:effectRef idx="0">
+            <a:schemeClr val="accent1"/>
+          </a:effectRef>
+          <a:fontRef idx="minor">
+            <a:schemeClr val="lt1"/>
+          </a:fontRef>
+        </p:style>
+        <p:txBody>
+          <a:bodyPr rtlCol="0" anchor="ctr"/>
+          <a:lstStyle/>
+          <a:p>
+            <a:pPr algn="ctr"/>
+            <a:endParaRPr lang="nb-NO"/>
+          </a:p>
+        </p:txBody>
+      </p:sp>
+      <p:sp>
+        <p:nvSpPr>
+          <p:cNvPr id="3" name="Rektangel 2">
+            <a:extLst>
+              <a:ext uri="{FF2B5EF4-FFF2-40B4-BE49-F238E27FC236}">
+                <a16:creationId xmlns:a16="http://schemas.microsoft.com/office/drawing/2014/main" id="{0302DB87-5EF8-4215-8A99-CE5C08FE2676}"/>
+              </a:ext>
+            </a:extLst>
+          </p:cNvPr>
+          <p:cNvSpPr/>
+          <p:nvPr/>
+        </p:nvSpPr>
+        <p:spPr>
+          <a:xfrm>
+            <a:off x="6027938" y="5042517"/>
+            <a:ext cx="2911876" cy="1196358"/>
+          </a:xfrm>
+          <a:prstGeom prst="rect">
+            <a:avLst/>
+          </a:prstGeom>
+          <a:noFill/>
+          <a:ln>
+            <a:solidFill>
+              <a:srgbClr val="FF0000"/>
+            </a:solidFill>
+          </a:ln>
+        </p:spPr>
+        <p:style>
+          <a:lnRef idx="2">
+            <a:schemeClr val="accent1">
+              <a:shade val="50000"/>
+            </a:schemeClr>
+          </a:lnRef>
+          <a:fillRef idx="1">
+            <a:schemeClr val="accent1"/>
+          </a:fillRef>
+          <a:effectRef idx="0">
+            <a:schemeClr val="accent1"/>
+          </a:effectRef>
+          <a:fontRef idx="minor">
+            <a:schemeClr val="lt1"/>
+          </a:fontRef>
+        </p:style>
+        <p:txBody>
+          <a:bodyPr rtlCol="0" anchor="ctr"/>
+          <a:lstStyle/>
+          <a:p>
+            <a:pPr algn="ctr"/>
+            <a:endParaRPr lang="nb-NO"/>
+          </a:p>
+        </p:txBody>
+      </p:sp>
     </p:spTree>
     <p:extLst>
       <p:ext uri="{BB962C8B-B14F-4D97-AF65-F5344CB8AC3E}">
-        <p14:creationId xmlns:p14="http://schemas.microsoft.com/office/powerpoint/2010/main" val="2898408282"/>
+        <p14:creationId xmlns:p14="http://schemas.microsoft.com/office/powerpoint/2010/main" val="68687696"/>
       </p:ext>
     </p:extLst>
   </p:cSld>
@@ -6306,7 +6159,7 @@
           <a:p>
             <a:r>
               <a:rPr lang="nb-NO" dirty="0"/>
-              <a:t>Teknologi</a:t>
+              <a:t>Samarbeid</a:t>
             </a:r>
           </a:p>
         </p:txBody>
@@ -6339,7 +6192,7 @@
     </p:spTree>
     <p:extLst>
       <p:ext uri="{BB962C8B-B14F-4D97-AF65-F5344CB8AC3E}">
-        <p14:creationId xmlns:p14="http://schemas.microsoft.com/office/powerpoint/2010/main" val="2480671104"/>
+        <p14:creationId xmlns:p14="http://schemas.microsoft.com/office/powerpoint/2010/main" val="8515706"/>
       </p:ext>
     </p:extLst>
   </p:cSld>
@@ -6449,7 +6302,7 @@
           <a:p>
             <a:r>
               <a:rPr lang="nb-NO" dirty="0"/>
-              <a:t>Teknologi</a:t>
+              <a:t>Samarbeid</a:t>
             </a:r>
           </a:p>
         </p:txBody>
@@ -6459,7 +6312,7 @@
           <p:cNvPr id="2" name="Rektangel 1">
             <a:extLst>
               <a:ext uri="{FF2B5EF4-FFF2-40B4-BE49-F238E27FC236}">
-                <a16:creationId xmlns:a16="http://schemas.microsoft.com/office/drawing/2014/main" id="{45ACD4BD-F1F2-4D96-A786-285A5D25753E}"/>
+                <a16:creationId xmlns:a16="http://schemas.microsoft.com/office/drawing/2014/main" id="{6A5E0904-6BD5-4364-8BE4-B8B569E5A92B}"/>
               </a:ext>
             </a:extLst>
           </p:cNvPr>
@@ -6468,8 +6321,8 @@
         </p:nvSpPr>
         <p:spPr>
           <a:xfrm>
-            <a:off x="3879542" y="763480"/>
-            <a:ext cx="1979720" cy="985421"/>
+            <a:off x="3861786" y="736847"/>
+            <a:ext cx="2041864" cy="932155"/>
           </a:xfrm>
           <a:prstGeom prst="rect">
             <a:avLst/>
@@ -6511,7 +6364,7 @@
           <p:cNvPr id="3" name="Rektangel 2">
             <a:extLst>
               <a:ext uri="{FF2B5EF4-FFF2-40B4-BE49-F238E27FC236}">
-                <a16:creationId xmlns:a16="http://schemas.microsoft.com/office/drawing/2014/main" id="{44F22941-90AF-465C-999A-1AEF34AAF360}"/>
+                <a16:creationId xmlns:a16="http://schemas.microsoft.com/office/drawing/2014/main" id="{2F99EE74-417B-4804-ABE6-F1BC5BD72515}"/>
               </a:ext>
             </a:extLst>
           </p:cNvPr>
@@ -6520,8 +6373,8 @@
         </p:nvSpPr>
         <p:spPr>
           <a:xfrm>
-            <a:off x="5859262" y="2157274"/>
-            <a:ext cx="2112886" cy="985421"/>
+            <a:off x="1749425" y="5956917"/>
+            <a:ext cx="2112361" cy="834500"/>
           </a:xfrm>
           <a:prstGeom prst="rect">
             <a:avLst/>
@@ -6558,62 +6411,10 @@
           </a:p>
         </p:txBody>
       </p:sp>
-      <p:sp>
-        <p:nvSpPr>
-          <p:cNvPr id="5" name="Rektangel 4">
-            <a:extLst>
-              <a:ext uri="{FF2B5EF4-FFF2-40B4-BE49-F238E27FC236}">
-                <a16:creationId xmlns:a16="http://schemas.microsoft.com/office/drawing/2014/main" id="{F2A0CE04-6C75-42B6-A60A-62E8CBB96B78}"/>
-              </a:ext>
-            </a:extLst>
-          </p:cNvPr>
-          <p:cNvSpPr/>
-          <p:nvPr/>
-        </p:nvSpPr>
-        <p:spPr>
-          <a:xfrm>
-            <a:off x="1606858" y="5965794"/>
-            <a:ext cx="2201662" cy="807868"/>
-          </a:xfrm>
-          <a:prstGeom prst="rect">
-            <a:avLst/>
-          </a:prstGeom>
-          <a:noFill/>
-          <a:ln>
-            <a:solidFill>
-              <a:srgbClr val="FF0000"/>
-            </a:solidFill>
-          </a:ln>
-        </p:spPr>
-        <p:style>
-          <a:lnRef idx="2">
-            <a:schemeClr val="accent1">
-              <a:shade val="50000"/>
-            </a:schemeClr>
-          </a:lnRef>
-          <a:fillRef idx="1">
-            <a:schemeClr val="accent1"/>
-          </a:fillRef>
-          <a:effectRef idx="0">
-            <a:schemeClr val="accent1"/>
-          </a:effectRef>
-          <a:fontRef idx="minor">
-            <a:schemeClr val="lt1"/>
-          </a:fontRef>
-        </p:style>
-        <p:txBody>
-          <a:bodyPr rtlCol="0" anchor="ctr"/>
-          <a:lstStyle/>
-          <a:p>
-            <a:pPr algn="ctr"/>
-            <a:endParaRPr lang="nb-NO"/>
-          </a:p>
-        </p:txBody>
-      </p:sp>
     </p:spTree>
     <p:extLst>
       <p:ext uri="{BB962C8B-B14F-4D97-AF65-F5344CB8AC3E}">
-        <p14:creationId xmlns:p14="http://schemas.microsoft.com/office/powerpoint/2010/main" val="503834452"/>
+        <p14:creationId xmlns:p14="http://schemas.microsoft.com/office/powerpoint/2010/main" val="1942256475"/>
       </p:ext>
     </p:extLst>
   </p:cSld>
@@ -6692,7 +6493,7 @@
           <p:cNvPr id="2" name="Rektangel 1">
             <a:extLst>
               <a:ext uri="{FF2B5EF4-FFF2-40B4-BE49-F238E27FC236}">
-                <a16:creationId xmlns:a16="http://schemas.microsoft.com/office/drawing/2014/main" id="{E3495F77-7FE2-41FE-AB4B-9F97E316EEDF}"/>
+                <a16:creationId xmlns:a16="http://schemas.microsoft.com/office/drawing/2014/main" id="{3A8C7757-0000-4A9B-AFAF-9CD3D06F8AC1}"/>
               </a:ext>
             </a:extLst>
           </p:cNvPr>
@@ -6701,8 +6502,8 @@
         </p:nvSpPr>
         <p:spPr>
           <a:xfrm>
-            <a:off x="3701988" y="5646198"/>
-            <a:ext cx="2219418" cy="985421"/>
+            <a:off x="1524000" y="763480"/>
+            <a:ext cx="2160233" cy="727969"/>
           </a:xfrm>
           <a:prstGeom prst="rect">
             <a:avLst/>
@@ -6739,114 +6540,10 @@
           </a:p>
         </p:txBody>
       </p:sp>
-      <p:sp>
-        <p:nvSpPr>
-          <p:cNvPr id="3" name="Rektangel 2">
-            <a:extLst>
-              <a:ext uri="{FF2B5EF4-FFF2-40B4-BE49-F238E27FC236}">
-                <a16:creationId xmlns:a16="http://schemas.microsoft.com/office/drawing/2014/main" id="{EA24266D-6492-420A-A17C-91782CB6BF5A}"/>
-              </a:ext>
-            </a:extLst>
-          </p:cNvPr>
-          <p:cNvSpPr/>
-          <p:nvPr/>
-        </p:nvSpPr>
-        <p:spPr>
-          <a:xfrm>
-            <a:off x="1524000" y="745724"/>
-            <a:ext cx="2177988" cy="825624"/>
-          </a:xfrm>
-          <a:prstGeom prst="rect">
-            <a:avLst/>
-          </a:prstGeom>
-          <a:noFill/>
-          <a:ln>
-            <a:solidFill>
-              <a:srgbClr val="FF0000"/>
-            </a:solidFill>
-          </a:ln>
-        </p:spPr>
-        <p:style>
-          <a:lnRef idx="2">
-            <a:schemeClr val="accent1">
-              <a:shade val="50000"/>
-            </a:schemeClr>
-          </a:lnRef>
-          <a:fillRef idx="1">
-            <a:schemeClr val="accent1"/>
-          </a:fillRef>
-          <a:effectRef idx="0">
-            <a:schemeClr val="accent1"/>
-          </a:effectRef>
-          <a:fontRef idx="minor">
-            <a:schemeClr val="lt1"/>
-          </a:fontRef>
-        </p:style>
-        <p:txBody>
-          <a:bodyPr rtlCol="0" anchor="ctr"/>
-          <a:lstStyle/>
-          <a:p>
-            <a:pPr algn="ctr"/>
-            <a:endParaRPr lang="nb-NO"/>
-          </a:p>
-        </p:txBody>
-      </p:sp>
-      <p:sp>
-        <p:nvSpPr>
-          <p:cNvPr id="4" name="Rektangel 3">
-            <a:extLst>
-              <a:ext uri="{FF2B5EF4-FFF2-40B4-BE49-F238E27FC236}">
-                <a16:creationId xmlns:a16="http://schemas.microsoft.com/office/drawing/2014/main" id="{3E53C7C1-B0A4-427E-ACAA-8FF02EDD8481}"/>
-              </a:ext>
-            </a:extLst>
-          </p:cNvPr>
-          <p:cNvSpPr/>
-          <p:nvPr/>
-        </p:nvSpPr>
-        <p:spPr>
-          <a:xfrm>
-            <a:off x="8096435" y="4048217"/>
-            <a:ext cx="2219417" cy="798991"/>
-          </a:xfrm>
-          <a:prstGeom prst="rect">
-            <a:avLst/>
-          </a:prstGeom>
-          <a:noFill/>
-          <a:ln>
-            <a:solidFill>
-              <a:srgbClr val="FF0000"/>
-            </a:solidFill>
-          </a:ln>
-        </p:spPr>
-        <p:style>
-          <a:lnRef idx="2">
-            <a:schemeClr val="accent1">
-              <a:shade val="50000"/>
-            </a:schemeClr>
-          </a:lnRef>
-          <a:fillRef idx="1">
-            <a:schemeClr val="accent1"/>
-          </a:fillRef>
-          <a:effectRef idx="0">
-            <a:schemeClr val="accent1"/>
-          </a:effectRef>
-          <a:fontRef idx="minor">
-            <a:schemeClr val="lt1"/>
-          </a:fontRef>
-        </p:style>
-        <p:txBody>
-          <a:bodyPr rtlCol="0" anchor="ctr"/>
-          <a:lstStyle/>
-          <a:p>
-            <a:pPr algn="ctr"/>
-            <a:endParaRPr lang="nb-NO"/>
-          </a:p>
-        </p:txBody>
-      </p:sp>
     </p:spTree>
     <p:extLst>
       <p:ext uri="{BB962C8B-B14F-4D97-AF65-F5344CB8AC3E}">
-        <p14:creationId xmlns:p14="http://schemas.microsoft.com/office/powerpoint/2010/main" val="4227618694"/>
+        <p14:creationId xmlns:p14="http://schemas.microsoft.com/office/powerpoint/2010/main" val="2539646679"/>
       </p:ext>
     </p:extLst>
   </p:cSld>
@@ -6920,114 +6617,10 @@
           </a:extLst>
         </p:spPr>
       </p:pic>
-      <p:sp>
-        <p:nvSpPr>
-          <p:cNvPr id="2" name="Rektangel 1">
-            <a:extLst>
-              <a:ext uri="{FF2B5EF4-FFF2-40B4-BE49-F238E27FC236}">
-                <a16:creationId xmlns:a16="http://schemas.microsoft.com/office/drawing/2014/main" id="{FE598691-3756-4F94-B0BA-06CAD6D54829}"/>
-              </a:ext>
-            </a:extLst>
-          </p:cNvPr>
-          <p:cNvSpPr/>
-          <p:nvPr/>
-        </p:nvSpPr>
-        <p:spPr>
-          <a:xfrm>
-            <a:off x="3329126" y="4367814"/>
-            <a:ext cx="2583402" cy="1464815"/>
-          </a:xfrm>
-          <a:prstGeom prst="rect">
-            <a:avLst/>
-          </a:prstGeom>
-          <a:noFill/>
-          <a:ln>
-            <a:solidFill>
-              <a:srgbClr val="FF0000"/>
-            </a:solidFill>
-          </a:ln>
-        </p:spPr>
-        <p:style>
-          <a:lnRef idx="2">
-            <a:schemeClr val="accent1">
-              <a:shade val="50000"/>
-            </a:schemeClr>
-          </a:lnRef>
-          <a:fillRef idx="1">
-            <a:schemeClr val="accent1"/>
-          </a:fillRef>
-          <a:effectRef idx="0">
-            <a:schemeClr val="accent1"/>
-          </a:effectRef>
-          <a:fontRef idx="minor">
-            <a:schemeClr val="lt1"/>
-          </a:fontRef>
-        </p:style>
-        <p:txBody>
-          <a:bodyPr rtlCol="0" anchor="ctr"/>
-          <a:lstStyle/>
-          <a:p>
-            <a:pPr algn="ctr"/>
-            <a:endParaRPr lang="nb-NO"/>
-          </a:p>
-        </p:txBody>
-      </p:sp>
-      <p:sp>
-        <p:nvSpPr>
-          <p:cNvPr id="3" name="Rektangel 2">
-            <a:extLst>
-              <a:ext uri="{FF2B5EF4-FFF2-40B4-BE49-F238E27FC236}">
-                <a16:creationId xmlns:a16="http://schemas.microsoft.com/office/drawing/2014/main" id="{475D4788-9E97-4AF0-BD57-F6B75851A178}"/>
-              </a:ext>
-            </a:extLst>
-          </p:cNvPr>
-          <p:cNvSpPr/>
-          <p:nvPr/>
-        </p:nvSpPr>
-        <p:spPr>
-          <a:xfrm>
-            <a:off x="5912528" y="2485748"/>
-            <a:ext cx="2583402" cy="943252"/>
-          </a:xfrm>
-          <a:prstGeom prst="rect">
-            <a:avLst/>
-          </a:prstGeom>
-          <a:noFill/>
-          <a:ln>
-            <a:solidFill>
-              <a:srgbClr val="FF0000"/>
-            </a:solidFill>
-          </a:ln>
-        </p:spPr>
-        <p:style>
-          <a:lnRef idx="2">
-            <a:schemeClr val="accent1">
-              <a:shade val="50000"/>
-            </a:schemeClr>
-          </a:lnRef>
-          <a:fillRef idx="1">
-            <a:schemeClr val="accent1"/>
-          </a:fillRef>
-          <a:effectRef idx="0">
-            <a:schemeClr val="accent1"/>
-          </a:effectRef>
-          <a:fontRef idx="minor">
-            <a:schemeClr val="lt1"/>
-          </a:fontRef>
-        </p:style>
-        <p:txBody>
-          <a:bodyPr rtlCol="0" anchor="ctr"/>
-          <a:lstStyle/>
-          <a:p>
-            <a:pPr algn="ctr"/>
-            <a:endParaRPr lang="nb-NO"/>
-          </a:p>
-        </p:txBody>
-      </p:sp>
     </p:spTree>
     <p:extLst>
       <p:ext uri="{BB962C8B-B14F-4D97-AF65-F5344CB8AC3E}">
-        <p14:creationId xmlns:p14="http://schemas.microsoft.com/office/powerpoint/2010/main" val="2213750690"/>
+        <p14:creationId xmlns:p14="http://schemas.microsoft.com/office/powerpoint/2010/main" val="2699162454"/>
       </p:ext>
     </p:extLst>
   </p:cSld>
@@ -7137,7 +6730,7 @@
           <a:p>
             <a:r>
               <a:rPr lang="nb-NO" dirty="0"/>
-              <a:t>Teknologi</a:t>
+              <a:t>Samarbeid</a:t>
             </a:r>
           </a:p>
         </p:txBody>
@@ -7147,7 +6740,7 @@
           <p:cNvPr id="2" name="Rektangel 1">
             <a:extLst>
               <a:ext uri="{FF2B5EF4-FFF2-40B4-BE49-F238E27FC236}">
-                <a16:creationId xmlns:a16="http://schemas.microsoft.com/office/drawing/2014/main" id="{F7153713-BBB4-4ED3-A66F-1940C0C19BC1}"/>
+                <a16:creationId xmlns:a16="http://schemas.microsoft.com/office/drawing/2014/main" id="{C833DF61-02FC-4C6F-80B2-282E198AE7C7}"/>
               </a:ext>
             </a:extLst>
           </p:cNvPr>
@@ -7156,8 +6749,8 @@
         </p:nvSpPr>
         <p:spPr>
           <a:xfrm>
-            <a:off x="1713390" y="1056443"/>
-            <a:ext cx="2166152" cy="834501"/>
+            <a:off x="1757779" y="1100831"/>
+            <a:ext cx="2077374" cy="781235"/>
           </a:xfrm>
           <a:prstGeom prst="rect">
             <a:avLst/>
@@ -7194,114 +6787,10 @@
           </a:p>
         </p:txBody>
       </p:sp>
-      <p:sp>
-        <p:nvSpPr>
-          <p:cNvPr id="4" name="Rektangel 3">
-            <a:extLst>
-              <a:ext uri="{FF2B5EF4-FFF2-40B4-BE49-F238E27FC236}">
-                <a16:creationId xmlns:a16="http://schemas.microsoft.com/office/drawing/2014/main" id="{D619D103-3972-4DB4-9CCC-18A312CC359C}"/>
-              </a:ext>
-            </a:extLst>
-          </p:cNvPr>
-          <p:cNvSpPr/>
-          <p:nvPr/>
-        </p:nvSpPr>
-        <p:spPr>
-          <a:xfrm>
-            <a:off x="8265111" y="2405849"/>
-            <a:ext cx="2095130" cy="914400"/>
-          </a:xfrm>
-          <a:prstGeom prst="rect">
-            <a:avLst/>
-          </a:prstGeom>
-          <a:noFill/>
-          <a:ln>
-            <a:solidFill>
-              <a:srgbClr val="FF0000"/>
-            </a:solidFill>
-          </a:ln>
-        </p:spPr>
-        <p:style>
-          <a:lnRef idx="2">
-            <a:schemeClr val="accent1">
-              <a:shade val="50000"/>
-            </a:schemeClr>
-          </a:lnRef>
-          <a:fillRef idx="1">
-            <a:schemeClr val="accent1"/>
-          </a:fillRef>
-          <a:effectRef idx="0">
-            <a:schemeClr val="accent1"/>
-          </a:effectRef>
-          <a:fontRef idx="minor">
-            <a:schemeClr val="lt1"/>
-          </a:fontRef>
-        </p:style>
-        <p:txBody>
-          <a:bodyPr rtlCol="0" anchor="ctr"/>
-          <a:lstStyle/>
-          <a:p>
-            <a:pPr algn="ctr"/>
-            <a:endParaRPr lang="nb-NO"/>
-          </a:p>
-        </p:txBody>
-      </p:sp>
-      <p:sp>
-        <p:nvSpPr>
-          <p:cNvPr id="5" name="Rektangel 4">
-            <a:extLst>
-              <a:ext uri="{FF2B5EF4-FFF2-40B4-BE49-F238E27FC236}">
-                <a16:creationId xmlns:a16="http://schemas.microsoft.com/office/drawing/2014/main" id="{78AB9F1B-25DB-4251-B01C-6C11A493AE46}"/>
-              </a:ext>
-            </a:extLst>
-          </p:cNvPr>
-          <p:cNvSpPr/>
-          <p:nvPr/>
-        </p:nvSpPr>
-        <p:spPr>
-          <a:xfrm>
-            <a:off x="6096000" y="4563122"/>
-            <a:ext cx="2169111" cy="1056443"/>
-          </a:xfrm>
-          <a:prstGeom prst="rect">
-            <a:avLst/>
-          </a:prstGeom>
-          <a:noFill/>
-          <a:ln>
-            <a:solidFill>
-              <a:srgbClr val="FF0000"/>
-            </a:solidFill>
-          </a:ln>
-        </p:spPr>
-        <p:style>
-          <a:lnRef idx="2">
-            <a:schemeClr val="accent1">
-              <a:shade val="50000"/>
-            </a:schemeClr>
-          </a:lnRef>
-          <a:fillRef idx="1">
-            <a:schemeClr val="accent1"/>
-          </a:fillRef>
-          <a:effectRef idx="0">
-            <a:schemeClr val="accent1"/>
-          </a:effectRef>
-          <a:fontRef idx="minor">
-            <a:schemeClr val="lt1"/>
-          </a:fontRef>
-        </p:style>
-        <p:txBody>
-          <a:bodyPr rtlCol="0" anchor="ctr"/>
-          <a:lstStyle/>
-          <a:p>
-            <a:pPr algn="ctr"/>
-            <a:endParaRPr lang="nb-NO"/>
-          </a:p>
-        </p:txBody>
-      </p:sp>
     </p:spTree>
     <p:extLst>
       <p:ext uri="{BB962C8B-B14F-4D97-AF65-F5344CB8AC3E}">
-        <p14:creationId xmlns:p14="http://schemas.microsoft.com/office/powerpoint/2010/main" val="1473089764"/>
+        <p14:creationId xmlns:p14="http://schemas.microsoft.com/office/powerpoint/2010/main" val="2767370736"/>
       </p:ext>
     </p:extLst>
   </p:cSld>
@@ -7375,62 +6864,10 @@
           </a:extLst>
         </p:spPr>
       </p:pic>
-      <p:sp>
-        <p:nvSpPr>
-          <p:cNvPr id="2" name="Rektangel 1">
-            <a:extLst>
-              <a:ext uri="{FF2B5EF4-FFF2-40B4-BE49-F238E27FC236}">
-                <a16:creationId xmlns:a16="http://schemas.microsoft.com/office/drawing/2014/main" id="{66128AAD-A7C8-469E-A313-95B75FC6C557}"/>
-              </a:ext>
-            </a:extLst>
-          </p:cNvPr>
-          <p:cNvSpPr/>
-          <p:nvPr/>
-        </p:nvSpPr>
-        <p:spPr>
-          <a:xfrm>
-            <a:off x="1524000" y="5628443"/>
-            <a:ext cx="2142478" cy="1229557"/>
-          </a:xfrm>
-          <a:prstGeom prst="rect">
-            <a:avLst/>
-          </a:prstGeom>
-          <a:noFill/>
-          <a:ln>
-            <a:solidFill>
-              <a:srgbClr val="FF0000"/>
-            </a:solidFill>
-          </a:ln>
-        </p:spPr>
-        <p:style>
-          <a:lnRef idx="2">
-            <a:schemeClr val="accent1">
-              <a:shade val="50000"/>
-            </a:schemeClr>
-          </a:lnRef>
-          <a:fillRef idx="1">
-            <a:schemeClr val="accent1"/>
-          </a:fillRef>
-          <a:effectRef idx="0">
-            <a:schemeClr val="accent1"/>
-          </a:effectRef>
-          <a:fontRef idx="minor">
-            <a:schemeClr val="lt1"/>
-          </a:fontRef>
-        </p:style>
-        <p:txBody>
-          <a:bodyPr rtlCol="0" anchor="ctr"/>
-          <a:lstStyle/>
-          <a:p>
-            <a:pPr algn="ctr"/>
-            <a:endParaRPr lang="nb-NO"/>
-          </a:p>
-        </p:txBody>
-      </p:sp>
     </p:spTree>
     <p:extLst>
       <p:ext uri="{BB962C8B-B14F-4D97-AF65-F5344CB8AC3E}">
-        <p14:creationId xmlns:p14="http://schemas.microsoft.com/office/powerpoint/2010/main" val="884335863"/>
+        <p14:creationId xmlns:p14="http://schemas.microsoft.com/office/powerpoint/2010/main" val="2990812284"/>
       </p:ext>
     </p:extLst>
   </p:cSld>
@@ -7504,166 +6941,10 @@
           </a:extLst>
         </p:spPr>
       </p:pic>
-      <p:sp>
-        <p:nvSpPr>
-          <p:cNvPr id="2" name="Rektangel 1">
-            <a:extLst>
-              <a:ext uri="{FF2B5EF4-FFF2-40B4-BE49-F238E27FC236}">
-                <a16:creationId xmlns:a16="http://schemas.microsoft.com/office/drawing/2014/main" id="{F875138B-989F-4D5B-97D4-4EF6E29125F1}"/>
-              </a:ext>
-            </a:extLst>
-          </p:cNvPr>
-          <p:cNvSpPr/>
-          <p:nvPr/>
-        </p:nvSpPr>
-        <p:spPr>
-          <a:xfrm>
-            <a:off x="8708994" y="1944210"/>
-            <a:ext cx="2769833" cy="1171852"/>
-          </a:xfrm>
-          <a:prstGeom prst="rect">
-            <a:avLst/>
-          </a:prstGeom>
-          <a:noFill/>
-          <a:ln>
-            <a:solidFill>
-              <a:srgbClr val="FF0000"/>
-            </a:solidFill>
-          </a:ln>
-        </p:spPr>
-        <p:style>
-          <a:lnRef idx="2">
-            <a:schemeClr val="accent1">
-              <a:shade val="50000"/>
-            </a:schemeClr>
-          </a:lnRef>
-          <a:fillRef idx="1">
-            <a:schemeClr val="accent1"/>
-          </a:fillRef>
-          <a:effectRef idx="0">
-            <a:schemeClr val="accent1"/>
-          </a:effectRef>
-          <a:fontRef idx="minor">
-            <a:schemeClr val="lt1"/>
-          </a:fontRef>
-        </p:style>
-        <p:txBody>
-          <a:bodyPr rtlCol="0" anchor="ctr"/>
-          <a:lstStyle/>
-          <a:p>
-            <a:pPr algn="ctr"/>
-            <a:endParaRPr lang="nb-NO"/>
-          </a:p>
-        </p:txBody>
-      </p:sp>
-      <p:sp>
-        <p:nvSpPr>
-          <p:cNvPr id="3" name="Rektangel 2">
-            <a:extLst>
-              <a:ext uri="{FF2B5EF4-FFF2-40B4-BE49-F238E27FC236}">
-                <a16:creationId xmlns:a16="http://schemas.microsoft.com/office/drawing/2014/main" id="{366BCC0D-7D00-461C-8CDD-D9D99D0A44C7}"/>
-              </a:ext>
-            </a:extLst>
-          </p:cNvPr>
-          <p:cNvSpPr/>
-          <p:nvPr/>
-        </p:nvSpPr>
-        <p:spPr>
-          <a:xfrm>
-            <a:off x="656948" y="3116062"/>
-            <a:ext cx="2689934" cy="1305018"/>
-          </a:xfrm>
-          <a:prstGeom prst="rect">
-            <a:avLst/>
-          </a:prstGeom>
-          <a:noFill/>
-          <a:ln>
-            <a:solidFill>
-              <a:srgbClr val="FF0000"/>
-            </a:solidFill>
-          </a:ln>
-        </p:spPr>
-        <p:style>
-          <a:lnRef idx="2">
-            <a:schemeClr val="accent1">
-              <a:shade val="50000"/>
-            </a:schemeClr>
-          </a:lnRef>
-          <a:fillRef idx="1">
-            <a:schemeClr val="accent1"/>
-          </a:fillRef>
-          <a:effectRef idx="0">
-            <a:schemeClr val="accent1"/>
-          </a:effectRef>
-          <a:fontRef idx="minor">
-            <a:schemeClr val="lt1"/>
-          </a:fontRef>
-        </p:style>
-        <p:txBody>
-          <a:bodyPr rtlCol="0" anchor="ctr"/>
-          <a:lstStyle/>
-          <a:p>
-            <a:pPr algn="ctr"/>
-            <a:endParaRPr lang="nb-NO"/>
-          </a:p>
-        </p:txBody>
-      </p:sp>
-      <p:sp>
-        <p:nvSpPr>
-          <p:cNvPr id="4" name="Rektangel 3">
-            <a:extLst>
-              <a:ext uri="{FF2B5EF4-FFF2-40B4-BE49-F238E27FC236}">
-                <a16:creationId xmlns:a16="http://schemas.microsoft.com/office/drawing/2014/main" id="{262FAB98-8A35-4EEF-B24F-6B60B9FD4EFD}"/>
-              </a:ext>
-            </a:extLst>
-          </p:cNvPr>
-          <p:cNvSpPr/>
-          <p:nvPr/>
-        </p:nvSpPr>
-        <p:spPr>
-          <a:xfrm>
-            <a:off x="3346882" y="4971495"/>
-            <a:ext cx="2610035" cy="1100831"/>
-          </a:xfrm>
-          <a:prstGeom prst="rect">
-            <a:avLst/>
-          </a:prstGeom>
-          <a:noFill/>
-          <a:ln>
-            <a:solidFill>
-              <a:srgbClr val="FF0000"/>
-            </a:solidFill>
-          </a:ln>
-        </p:spPr>
-        <p:style>
-          <a:lnRef idx="2">
-            <a:schemeClr val="accent1">
-              <a:shade val="50000"/>
-            </a:schemeClr>
-          </a:lnRef>
-          <a:fillRef idx="1">
-            <a:schemeClr val="accent1"/>
-          </a:fillRef>
-          <a:effectRef idx="0">
-            <a:schemeClr val="accent1"/>
-          </a:effectRef>
-          <a:fontRef idx="minor">
-            <a:schemeClr val="lt1"/>
-          </a:fontRef>
-        </p:style>
-        <p:txBody>
-          <a:bodyPr rtlCol="0" anchor="ctr"/>
-          <a:lstStyle/>
-          <a:p>
-            <a:pPr algn="ctr"/>
-            <a:endParaRPr lang="nb-NO"/>
-          </a:p>
-        </p:txBody>
-      </p:sp>
     </p:spTree>
     <p:extLst>
       <p:ext uri="{BB962C8B-B14F-4D97-AF65-F5344CB8AC3E}">
-        <p14:creationId xmlns:p14="http://schemas.microsoft.com/office/powerpoint/2010/main" val="747144749"/>
+        <p14:creationId xmlns:p14="http://schemas.microsoft.com/office/powerpoint/2010/main" val="2898408282"/>
       </p:ext>
     </p:extLst>
   </p:cSld>
@@ -7712,10 +6993,9 @@
           <a:lstStyle/>
           <a:p>
             <a:r>
-              <a:rPr lang="nb-NO" dirty="0" err="1"/>
-              <a:t>Programm</a:t>
+              <a:rPr lang="nb-NO" dirty="0"/>
+              <a:t>Teknologi</a:t>
             </a:r>
-            <a:endParaRPr lang="nb-NO" dirty="0"/>
           </a:p>
         </p:txBody>
       </p:sp>
@@ -7747,7 +7027,7 @@
     </p:spTree>
     <p:extLst>
       <p:ext uri="{BB962C8B-B14F-4D97-AF65-F5344CB8AC3E}">
-        <p14:creationId xmlns:p14="http://schemas.microsoft.com/office/powerpoint/2010/main" val="3512518391"/>
+        <p14:creationId xmlns:p14="http://schemas.microsoft.com/office/powerpoint/2010/main" val="2480671104"/>
       </p:ext>
     </p:extLst>
   </p:cSld>
@@ -7856,10 +7136,9 @@
           </a:p>
           <a:p>
             <a:r>
-              <a:rPr lang="nb-NO" dirty="0" err="1"/>
-              <a:t>Programm</a:t>
+              <a:rPr lang="nb-NO" dirty="0"/>
+              <a:t>Teknologi</a:t>
             </a:r>
-            <a:endParaRPr lang="nb-NO" dirty="0"/>
           </a:p>
         </p:txBody>
       </p:sp>
@@ -7868,7 +7147,7 @@
           <p:cNvPr id="2" name="Rektangel 1">
             <a:extLst>
               <a:ext uri="{FF2B5EF4-FFF2-40B4-BE49-F238E27FC236}">
-                <a16:creationId xmlns:a16="http://schemas.microsoft.com/office/drawing/2014/main" id="{A69446C9-E7C0-43C8-BF8F-452372B87D0E}"/>
+                <a16:creationId xmlns:a16="http://schemas.microsoft.com/office/drawing/2014/main" id="{45ACD4BD-F1F2-4D96-A786-285A5D25753E}"/>
               </a:ext>
             </a:extLst>
           </p:cNvPr>
@@ -7877,8 +7156,8 @@
         </p:nvSpPr>
         <p:spPr>
           <a:xfrm>
-            <a:off x="1749425" y="2192784"/>
-            <a:ext cx="2112361" cy="887767"/>
+            <a:off x="3879542" y="763480"/>
+            <a:ext cx="1979720" cy="985421"/>
           </a:xfrm>
           <a:prstGeom prst="rect">
             <a:avLst/>
@@ -7920,7 +7199,7 @@
           <p:cNvPr id="3" name="Rektangel 2">
             <a:extLst>
               <a:ext uri="{FF2B5EF4-FFF2-40B4-BE49-F238E27FC236}">
-                <a16:creationId xmlns:a16="http://schemas.microsoft.com/office/drawing/2014/main" id="{02EDA741-0116-46AC-85FD-8E7ABA08B64F}"/>
+                <a16:creationId xmlns:a16="http://schemas.microsoft.com/office/drawing/2014/main" id="{44F22941-90AF-465C-999A-1AEF34AAF360}"/>
               </a:ext>
             </a:extLst>
           </p:cNvPr>
@@ -7929,8 +7208,8 @@
         </p:nvSpPr>
         <p:spPr>
           <a:xfrm>
-            <a:off x="5921406" y="2192784"/>
-            <a:ext cx="2032986" cy="887767"/>
+            <a:off x="5859262" y="2157274"/>
+            <a:ext cx="2112886" cy="985421"/>
           </a:xfrm>
           <a:prstGeom prst="rect">
             <a:avLst/>
@@ -7972,7 +7251,7 @@
           <p:cNvPr id="5" name="Rektangel 4">
             <a:extLst>
               <a:ext uri="{FF2B5EF4-FFF2-40B4-BE49-F238E27FC236}">
-                <a16:creationId xmlns:a16="http://schemas.microsoft.com/office/drawing/2014/main" id="{D8038E78-1F3D-4685-B506-3067BC64CF76}"/>
+                <a16:creationId xmlns:a16="http://schemas.microsoft.com/office/drawing/2014/main" id="{F2A0CE04-6C75-42B6-A60A-62E8CBB96B78}"/>
               </a:ext>
             </a:extLst>
           </p:cNvPr>
@@ -7981,8 +7260,8 @@
         </p:nvSpPr>
         <p:spPr>
           <a:xfrm>
-            <a:off x="3861786" y="4119239"/>
-            <a:ext cx="2059620" cy="949911"/>
+            <a:off x="1606858" y="5965794"/>
+            <a:ext cx="2201662" cy="807868"/>
           </a:xfrm>
           <a:prstGeom prst="rect">
             <a:avLst/>
@@ -8019,62 +7298,10 @@
           </a:p>
         </p:txBody>
       </p:sp>
-      <p:sp>
-        <p:nvSpPr>
-          <p:cNvPr id="6" name="Rektangel 5">
-            <a:extLst>
-              <a:ext uri="{FF2B5EF4-FFF2-40B4-BE49-F238E27FC236}">
-                <a16:creationId xmlns:a16="http://schemas.microsoft.com/office/drawing/2014/main" id="{13637F78-5E74-403E-A263-2DEEC2E95DB9}"/>
-              </a:ext>
-            </a:extLst>
-          </p:cNvPr>
-          <p:cNvSpPr/>
-          <p:nvPr/>
-        </p:nvSpPr>
-        <p:spPr>
-          <a:xfrm>
-            <a:off x="5921406" y="5992427"/>
-            <a:ext cx="2059620" cy="865573"/>
-          </a:xfrm>
-          <a:prstGeom prst="rect">
-            <a:avLst/>
-          </a:prstGeom>
-          <a:noFill/>
-          <a:ln>
-            <a:solidFill>
-              <a:srgbClr val="FF0000"/>
-            </a:solidFill>
-          </a:ln>
-        </p:spPr>
-        <p:style>
-          <a:lnRef idx="2">
-            <a:schemeClr val="accent1">
-              <a:shade val="50000"/>
-            </a:schemeClr>
-          </a:lnRef>
-          <a:fillRef idx="1">
-            <a:schemeClr val="accent1"/>
-          </a:fillRef>
-          <a:effectRef idx="0">
-            <a:schemeClr val="accent1"/>
-          </a:effectRef>
-          <a:fontRef idx="minor">
-            <a:schemeClr val="lt1"/>
-          </a:fontRef>
-        </p:style>
-        <p:txBody>
-          <a:bodyPr rtlCol="0" anchor="ctr"/>
-          <a:lstStyle/>
-          <a:p>
-            <a:pPr algn="ctr"/>
-            <a:endParaRPr lang="nb-NO"/>
-          </a:p>
-        </p:txBody>
-      </p:sp>
     </p:spTree>
     <p:extLst>
       <p:ext uri="{BB962C8B-B14F-4D97-AF65-F5344CB8AC3E}">
-        <p14:creationId xmlns:p14="http://schemas.microsoft.com/office/powerpoint/2010/main" val="3653916052"/>
+        <p14:creationId xmlns:p14="http://schemas.microsoft.com/office/powerpoint/2010/main" val="503834452"/>
       </p:ext>
     </p:extLst>
   </p:cSld>
@@ -8153,7 +7380,7 @@
           <p:cNvPr id="2" name="Rektangel 1">
             <a:extLst>
               <a:ext uri="{FF2B5EF4-FFF2-40B4-BE49-F238E27FC236}">
-                <a16:creationId xmlns:a16="http://schemas.microsoft.com/office/drawing/2014/main" id="{1A0B628C-390D-4425-8CD6-E0136A3777CC}"/>
+                <a16:creationId xmlns:a16="http://schemas.microsoft.com/office/drawing/2014/main" id="{E3495F77-7FE2-41FE-AB4B-9F97E316EEDF}"/>
               </a:ext>
             </a:extLst>
           </p:cNvPr>
@@ -8162,8 +7389,8 @@
         </p:nvSpPr>
         <p:spPr>
           <a:xfrm>
-            <a:off x="1524000" y="3284738"/>
-            <a:ext cx="2177988" cy="772357"/>
+            <a:off x="3701988" y="5646198"/>
+            <a:ext cx="2219418" cy="985421"/>
           </a:xfrm>
           <a:prstGeom prst="rect">
             <a:avLst/>
@@ -8200,10 +7427,114 @@
           </a:p>
         </p:txBody>
       </p:sp>
+      <p:sp>
+        <p:nvSpPr>
+          <p:cNvPr id="3" name="Rektangel 2">
+            <a:extLst>
+              <a:ext uri="{FF2B5EF4-FFF2-40B4-BE49-F238E27FC236}">
+                <a16:creationId xmlns:a16="http://schemas.microsoft.com/office/drawing/2014/main" id="{EA24266D-6492-420A-A17C-91782CB6BF5A}"/>
+              </a:ext>
+            </a:extLst>
+          </p:cNvPr>
+          <p:cNvSpPr/>
+          <p:nvPr/>
+        </p:nvSpPr>
+        <p:spPr>
+          <a:xfrm>
+            <a:off x="1524000" y="745724"/>
+            <a:ext cx="2177988" cy="825624"/>
+          </a:xfrm>
+          <a:prstGeom prst="rect">
+            <a:avLst/>
+          </a:prstGeom>
+          <a:noFill/>
+          <a:ln>
+            <a:solidFill>
+              <a:srgbClr val="FF0000"/>
+            </a:solidFill>
+          </a:ln>
+        </p:spPr>
+        <p:style>
+          <a:lnRef idx="2">
+            <a:schemeClr val="accent1">
+              <a:shade val="50000"/>
+            </a:schemeClr>
+          </a:lnRef>
+          <a:fillRef idx="1">
+            <a:schemeClr val="accent1"/>
+          </a:fillRef>
+          <a:effectRef idx="0">
+            <a:schemeClr val="accent1"/>
+          </a:effectRef>
+          <a:fontRef idx="minor">
+            <a:schemeClr val="lt1"/>
+          </a:fontRef>
+        </p:style>
+        <p:txBody>
+          <a:bodyPr rtlCol="0" anchor="ctr"/>
+          <a:lstStyle/>
+          <a:p>
+            <a:pPr algn="ctr"/>
+            <a:endParaRPr lang="nb-NO"/>
+          </a:p>
+        </p:txBody>
+      </p:sp>
+      <p:sp>
+        <p:nvSpPr>
+          <p:cNvPr id="4" name="Rektangel 3">
+            <a:extLst>
+              <a:ext uri="{FF2B5EF4-FFF2-40B4-BE49-F238E27FC236}">
+                <a16:creationId xmlns:a16="http://schemas.microsoft.com/office/drawing/2014/main" id="{3E53C7C1-B0A4-427E-ACAA-8FF02EDD8481}"/>
+              </a:ext>
+            </a:extLst>
+          </p:cNvPr>
+          <p:cNvSpPr/>
+          <p:nvPr/>
+        </p:nvSpPr>
+        <p:spPr>
+          <a:xfrm>
+            <a:off x="8096435" y="4048217"/>
+            <a:ext cx="2219417" cy="798991"/>
+          </a:xfrm>
+          <a:prstGeom prst="rect">
+            <a:avLst/>
+          </a:prstGeom>
+          <a:noFill/>
+          <a:ln>
+            <a:solidFill>
+              <a:srgbClr val="FF0000"/>
+            </a:solidFill>
+          </a:ln>
+        </p:spPr>
+        <p:style>
+          <a:lnRef idx="2">
+            <a:schemeClr val="accent1">
+              <a:shade val="50000"/>
+            </a:schemeClr>
+          </a:lnRef>
+          <a:fillRef idx="1">
+            <a:schemeClr val="accent1"/>
+          </a:fillRef>
+          <a:effectRef idx="0">
+            <a:schemeClr val="accent1"/>
+          </a:effectRef>
+          <a:fontRef idx="minor">
+            <a:schemeClr val="lt1"/>
+          </a:fontRef>
+        </p:style>
+        <p:txBody>
+          <a:bodyPr rtlCol="0" anchor="ctr"/>
+          <a:lstStyle/>
+          <a:p>
+            <a:pPr algn="ctr"/>
+            <a:endParaRPr lang="nb-NO"/>
+          </a:p>
+        </p:txBody>
+      </p:sp>
     </p:spTree>
     <p:extLst>
       <p:ext uri="{BB962C8B-B14F-4D97-AF65-F5344CB8AC3E}">
-        <p14:creationId xmlns:p14="http://schemas.microsoft.com/office/powerpoint/2010/main" val="2043894951"/>
+        <p14:creationId xmlns:p14="http://schemas.microsoft.com/office/powerpoint/2010/main" val="4227618694"/>
       </p:ext>
     </p:extLst>
   </p:cSld>
@@ -8277,10 +7608,114 @@
           </a:extLst>
         </p:spPr>
       </p:pic>
+      <p:sp>
+        <p:nvSpPr>
+          <p:cNvPr id="2" name="Rektangel 1">
+            <a:extLst>
+              <a:ext uri="{FF2B5EF4-FFF2-40B4-BE49-F238E27FC236}">
+                <a16:creationId xmlns:a16="http://schemas.microsoft.com/office/drawing/2014/main" id="{FE598691-3756-4F94-B0BA-06CAD6D54829}"/>
+              </a:ext>
+            </a:extLst>
+          </p:cNvPr>
+          <p:cNvSpPr/>
+          <p:nvPr/>
+        </p:nvSpPr>
+        <p:spPr>
+          <a:xfrm>
+            <a:off x="3329126" y="4367814"/>
+            <a:ext cx="2583402" cy="1464815"/>
+          </a:xfrm>
+          <a:prstGeom prst="rect">
+            <a:avLst/>
+          </a:prstGeom>
+          <a:noFill/>
+          <a:ln>
+            <a:solidFill>
+              <a:srgbClr val="FF0000"/>
+            </a:solidFill>
+          </a:ln>
+        </p:spPr>
+        <p:style>
+          <a:lnRef idx="2">
+            <a:schemeClr val="accent1">
+              <a:shade val="50000"/>
+            </a:schemeClr>
+          </a:lnRef>
+          <a:fillRef idx="1">
+            <a:schemeClr val="accent1"/>
+          </a:fillRef>
+          <a:effectRef idx="0">
+            <a:schemeClr val="accent1"/>
+          </a:effectRef>
+          <a:fontRef idx="minor">
+            <a:schemeClr val="lt1"/>
+          </a:fontRef>
+        </p:style>
+        <p:txBody>
+          <a:bodyPr rtlCol="0" anchor="ctr"/>
+          <a:lstStyle/>
+          <a:p>
+            <a:pPr algn="ctr"/>
+            <a:endParaRPr lang="nb-NO"/>
+          </a:p>
+        </p:txBody>
+      </p:sp>
+      <p:sp>
+        <p:nvSpPr>
+          <p:cNvPr id="3" name="Rektangel 2">
+            <a:extLst>
+              <a:ext uri="{FF2B5EF4-FFF2-40B4-BE49-F238E27FC236}">
+                <a16:creationId xmlns:a16="http://schemas.microsoft.com/office/drawing/2014/main" id="{475D4788-9E97-4AF0-BD57-F6B75851A178}"/>
+              </a:ext>
+            </a:extLst>
+          </p:cNvPr>
+          <p:cNvSpPr/>
+          <p:nvPr/>
+        </p:nvSpPr>
+        <p:spPr>
+          <a:xfrm>
+            <a:off x="5912528" y="2485748"/>
+            <a:ext cx="2583402" cy="943252"/>
+          </a:xfrm>
+          <a:prstGeom prst="rect">
+            <a:avLst/>
+          </a:prstGeom>
+          <a:noFill/>
+          <a:ln>
+            <a:solidFill>
+              <a:srgbClr val="FF0000"/>
+            </a:solidFill>
+          </a:ln>
+        </p:spPr>
+        <p:style>
+          <a:lnRef idx="2">
+            <a:schemeClr val="accent1">
+              <a:shade val="50000"/>
+            </a:schemeClr>
+          </a:lnRef>
+          <a:fillRef idx="1">
+            <a:schemeClr val="accent1"/>
+          </a:fillRef>
+          <a:effectRef idx="0">
+            <a:schemeClr val="accent1"/>
+          </a:effectRef>
+          <a:fontRef idx="minor">
+            <a:schemeClr val="lt1"/>
+          </a:fontRef>
+        </p:style>
+        <p:txBody>
+          <a:bodyPr rtlCol="0" anchor="ctr"/>
+          <a:lstStyle/>
+          <a:p>
+            <a:pPr algn="ctr"/>
+            <a:endParaRPr lang="nb-NO"/>
+          </a:p>
+        </p:txBody>
+      </p:sp>
     </p:spTree>
     <p:extLst>
       <p:ext uri="{BB962C8B-B14F-4D97-AF65-F5344CB8AC3E}">
-        <p14:creationId xmlns:p14="http://schemas.microsoft.com/office/powerpoint/2010/main" val="3370504386"/>
+        <p14:creationId xmlns:p14="http://schemas.microsoft.com/office/powerpoint/2010/main" val="2213750690"/>
       </p:ext>
     </p:extLst>
   </p:cSld>
@@ -8389,10 +7824,9 @@
           </a:p>
           <a:p>
             <a:r>
-              <a:rPr lang="nb-NO" dirty="0" err="1"/>
-              <a:t>Programm</a:t>
+              <a:rPr lang="nb-NO" dirty="0"/>
+              <a:t>Teknologi</a:t>
             </a:r>
-            <a:endParaRPr lang="nb-NO" dirty="0"/>
           </a:p>
         </p:txBody>
       </p:sp>
@@ -8401,7 +7835,7 @@
           <p:cNvPr id="2" name="Rektangel 1">
             <a:extLst>
               <a:ext uri="{FF2B5EF4-FFF2-40B4-BE49-F238E27FC236}">
-                <a16:creationId xmlns:a16="http://schemas.microsoft.com/office/drawing/2014/main" id="{851C4F96-9882-4851-9047-D412F3A3D22A}"/>
+                <a16:creationId xmlns:a16="http://schemas.microsoft.com/office/drawing/2014/main" id="{F7153713-BBB4-4ED3-A66F-1940C0C19BC1}"/>
               </a:ext>
             </a:extLst>
           </p:cNvPr>
@@ -8410,8 +7844,8 @@
         </p:nvSpPr>
         <p:spPr>
           <a:xfrm>
-            <a:off x="1651247" y="4572000"/>
-            <a:ext cx="2254928" cy="816746"/>
+            <a:off x="1713390" y="1056443"/>
+            <a:ext cx="2166152" cy="834501"/>
           </a:xfrm>
           <a:prstGeom prst="rect">
             <a:avLst/>
@@ -8453,7 +7887,7 @@
           <p:cNvPr id="4" name="Rektangel 3">
             <a:extLst>
               <a:ext uri="{FF2B5EF4-FFF2-40B4-BE49-F238E27FC236}">
-                <a16:creationId xmlns:a16="http://schemas.microsoft.com/office/drawing/2014/main" id="{0644A71D-52B9-44CE-9DCC-AC87AF5C0BB9}"/>
+                <a16:creationId xmlns:a16="http://schemas.microsoft.com/office/drawing/2014/main" id="{D619D103-3972-4DB4-9CCC-18A312CC359C}"/>
               </a:ext>
             </a:extLst>
           </p:cNvPr>
@@ -8462,8 +7896,8 @@
         </p:nvSpPr>
         <p:spPr>
           <a:xfrm>
-            <a:off x="3906175" y="4572000"/>
-            <a:ext cx="2189825" cy="816746"/>
+            <a:off x="8265111" y="2405849"/>
+            <a:ext cx="2095130" cy="914400"/>
           </a:xfrm>
           <a:prstGeom prst="rect">
             <a:avLst/>
@@ -8505,7 +7939,7 @@
           <p:cNvPr id="5" name="Rektangel 4">
             <a:extLst>
               <a:ext uri="{FF2B5EF4-FFF2-40B4-BE49-F238E27FC236}">
-                <a16:creationId xmlns:a16="http://schemas.microsoft.com/office/drawing/2014/main" id="{A9105F0F-2AB9-4D47-A974-9AF87553F453}"/>
+                <a16:creationId xmlns:a16="http://schemas.microsoft.com/office/drawing/2014/main" id="{78AB9F1B-25DB-4251-B01C-6C11A493AE46}"/>
               </a:ext>
             </a:extLst>
           </p:cNvPr>
@@ -8514,8 +7948,8 @@
         </p:nvSpPr>
         <p:spPr>
           <a:xfrm>
-            <a:off x="1651247" y="5912528"/>
-            <a:ext cx="2254928" cy="945472"/>
+            <a:off x="6096000" y="4563122"/>
+            <a:ext cx="2169111" cy="1056443"/>
           </a:xfrm>
           <a:prstGeom prst="rect">
             <a:avLst/>
@@ -8555,7 +7989,7 @@
     </p:spTree>
     <p:extLst>
       <p:ext uri="{BB962C8B-B14F-4D97-AF65-F5344CB8AC3E}">
-        <p14:creationId xmlns:p14="http://schemas.microsoft.com/office/powerpoint/2010/main" val="1524598549"/>
+        <p14:creationId xmlns:p14="http://schemas.microsoft.com/office/powerpoint/2010/main" val="1473089764"/>
       </p:ext>
     </p:extLst>
   </p:cSld>
@@ -8634,7 +8068,7 @@
           <p:cNvPr id="2" name="Rektangel 1">
             <a:extLst>
               <a:ext uri="{FF2B5EF4-FFF2-40B4-BE49-F238E27FC236}">
-                <a16:creationId xmlns:a16="http://schemas.microsoft.com/office/drawing/2014/main" id="{B3673FE2-331C-4918-9C4B-89F0F8D8D8D7}"/>
+                <a16:creationId xmlns:a16="http://schemas.microsoft.com/office/drawing/2014/main" id="{F875138B-989F-4D5B-97D4-4EF6E29125F1}"/>
               </a:ext>
             </a:extLst>
           </p:cNvPr>
@@ -8643,8 +8077,8 @@
         </p:nvSpPr>
         <p:spPr>
           <a:xfrm>
-            <a:off x="561975" y="3142695"/>
-            <a:ext cx="2784907" cy="1154097"/>
+            <a:off x="8708994" y="1944210"/>
+            <a:ext cx="2769833" cy="1171852"/>
           </a:xfrm>
           <a:prstGeom prst="rect">
             <a:avLst/>
@@ -8681,10 +8115,654 @@
           </a:p>
         </p:txBody>
       </p:sp>
+      <p:sp>
+        <p:nvSpPr>
+          <p:cNvPr id="3" name="Rektangel 2">
+            <a:extLst>
+              <a:ext uri="{FF2B5EF4-FFF2-40B4-BE49-F238E27FC236}">
+                <a16:creationId xmlns:a16="http://schemas.microsoft.com/office/drawing/2014/main" id="{366BCC0D-7D00-461C-8CDD-D9D99D0A44C7}"/>
+              </a:ext>
+            </a:extLst>
+          </p:cNvPr>
+          <p:cNvSpPr/>
+          <p:nvPr/>
+        </p:nvSpPr>
+        <p:spPr>
+          <a:xfrm>
+            <a:off x="656948" y="3116062"/>
+            <a:ext cx="2689934" cy="1305018"/>
+          </a:xfrm>
+          <a:prstGeom prst="rect">
+            <a:avLst/>
+          </a:prstGeom>
+          <a:noFill/>
+          <a:ln>
+            <a:solidFill>
+              <a:srgbClr val="FF0000"/>
+            </a:solidFill>
+          </a:ln>
+        </p:spPr>
+        <p:style>
+          <a:lnRef idx="2">
+            <a:schemeClr val="accent1">
+              <a:shade val="50000"/>
+            </a:schemeClr>
+          </a:lnRef>
+          <a:fillRef idx="1">
+            <a:schemeClr val="accent1"/>
+          </a:fillRef>
+          <a:effectRef idx="0">
+            <a:schemeClr val="accent1"/>
+          </a:effectRef>
+          <a:fontRef idx="minor">
+            <a:schemeClr val="lt1"/>
+          </a:fontRef>
+        </p:style>
+        <p:txBody>
+          <a:bodyPr rtlCol="0" anchor="ctr"/>
+          <a:lstStyle/>
+          <a:p>
+            <a:pPr algn="ctr"/>
+            <a:endParaRPr lang="nb-NO"/>
+          </a:p>
+        </p:txBody>
+      </p:sp>
+      <p:sp>
+        <p:nvSpPr>
+          <p:cNvPr id="4" name="Rektangel 3">
+            <a:extLst>
+              <a:ext uri="{FF2B5EF4-FFF2-40B4-BE49-F238E27FC236}">
+                <a16:creationId xmlns:a16="http://schemas.microsoft.com/office/drawing/2014/main" id="{262FAB98-8A35-4EEF-B24F-6B60B9FD4EFD}"/>
+              </a:ext>
+            </a:extLst>
+          </p:cNvPr>
+          <p:cNvSpPr/>
+          <p:nvPr/>
+        </p:nvSpPr>
+        <p:spPr>
+          <a:xfrm>
+            <a:off x="3346882" y="4971495"/>
+            <a:ext cx="2610035" cy="1100831"/>
+          </a:xfrm>
+          <a:prstGeom prst="rect">
+            <a:avLst/>
+          </a:prstGeom>
+          <a:noFill/>
+          <a:ln>
+            <a:solidFill>
+              <a:srgbClr val="FF0000"/>
+            </a:solidFill>
+          </a:ln>
+        </p:spPr>
+        <p:style>
+          <a:lnRef idx="2">
+            <a:schemeClr val="accent1">
+              <a:shade val="50000"/>
+            </a:schemeClr>
+          </a:lnRef>
+          <a:fillRef idx="1">
+            <a:schemeClr val="accent1"/>
+          </a:fillRef>
+          <a:effectRef idx="0">
+            <a:schemeClr val="accent1"/>
+          </a:effectRef>
+          <a:fontRef idx="minor">
+            <a:schemeClr val="lt1"/>
+          </a:fontRef>
+        </p:style>
+        <p:txBody>
+          <a:bodyPr rtlCol="0" anchor="ctr"/>
+          <a:lstStyle/>
+          <a:p>
+            <a:pPr algn="ctr"/>
+            <a:endParaRPr lang="nb-NO"/>
+          </a:p>
+        </p:txBody>
+      </p:sp>
     </p:spTree>
     <p:extLst>
       <p:ext uri="{BB962C8B-B14F-4D97-AF65-F5344CB8AC3E}">
-        <p14:creationId xmlns:p14="http://schemas.microsoft.com/office/powerpoint/2010/main" val="3170585928"/>
+        <p14:creationId xmlns:p14="http://schemas.microsoft.com/office/powerpoint/2010/main" val="747144749"/>
+      </p:ext>
+    </p:extLst>
+  </p:cSld>
+  <p:clrMapOvr>
+    <a:masterClrMapping/>
+  </p:clrMapOvr>
+</p:sld>
+</file>
+
+<file path=ppt/slides/slide37.xml><?xml version="1.0" encoding="utf-8"?>
+<p:sld xmlns:a="http://schemas.openxmlformats.org/drawingml/2006/main" xmlns:r="http://schemas.openxmlformats.org/officeDocument/2006/relationships" xmlns:p="http://schemas.openxmlformats.org/presentationml/2006/main">
+  <p:cSld>
+    <p:spTree>
+      <p:nvGrpSpPr>
+        <p:cNvPr id="1" name=""/>
+        <p:cNvGrpSpPr/>
+        <p:nvPr/>
+      </p:nvGrpSpPr>
+      <p:grpSpPr>
+        <a:xfrm>
+          <a:off x="0" y="0"/>
+          <a:ext cx="0" cy="0"/>
+          <a:chOff x="0" y="0"/>
+          <a:chExt cx="0" cy="0"/>
+        </a:xfrm>
+      </p:grpSpPr>
+      <p:sp>
+        <p:nvSpPr>
+          <p:cNvPr id="2" name="Tittel 1">
+            <a:extLst>
+              <a:ext uri="{FF2B5EF4-FFF2-40B4-BE49-F238E27FC236}">
+                <a16:creationId xmlns:a16="http://schemas.microsoft.com/office/drawing/2014/main" id="{21B8A102-2E37-4585-891C-5214A4E6C796}"/>
+              </a:ext>
+            </a:extLst>
+          </p:cNvPr>
+          <p:cNvSpPr>
+            <a:spLocks noGrp="1"/>
+          </p:cNvSpPr>
+          <p:nvPr>
+            <p:ph type="ctrTitle"/>
+          </p:nvPr>
+        </p:nvSpPr>
+        <p:spPr/>
+        <p:txBody>
+          <a:bodyPr/>
+          <a:lstStyle/>
+          <a:p>
+            <a:r>
+              <a:rPr lang="nb-NO" dirty="0" err="1"/>
+              <a:t>Programm</a:t>
+            </a:r>
+            <a:endParaRPr lang="nb-NO" dirty="0"/>
+          </a:p>
+        </p:txBody>
+      </p:sp>
+      <p:sp>
+        <p:nvSpPr>
+          <p:cNvPr id="3" name="Undertittel 2">
+            <a:extLst>
+              <a:ext uri="{FF2B5EF4-FFF2-40B4-BE49-F238E27FC236}">
+                <a16:creationId xmlns:a16="http://schemas.microsoft.com/office/drawing/2014/main" id="{AFAC17EB-752A-4C83-9843-E07DE4EDDC98}"/>
+              </a:ext>
+            </a:extLst>
+          </p:cNvPr>
+          <p:cNvSpPr>
+            <a:spLocks noGrp="1"/>
+          </p:cNvSpPr>
+          <p:nvPr>
+            <p:ph type="subTitle" idx="1"/>
+          </p:nvPr>
+        </p:nvSpPr>
+        <p:spPr/>
+        <p:txBody>
+          <a:bodyPr/>
+          <a:lstStyle/>
+          <a:p>
+            <a:endParaRPr lang="nb-NO"/>
+          </a:p>
+        </p:txBody>
+      </p:sp>
+    </p:spTree>
+    <p:extLst>
+      <p:ext uri="{BB962C8B-B14F-4D97-AF65-F5344CB8AC3E}">
+        <p14:creationId xmlns:p14="http://schemas.microsoft.com/office/powerpoint/2010/main" val="3512518391"/>
+      </p:ext>
+    </p:extLst>
+  </p:cSld>
+  <p:clrMapOvr>
+    <a:masterClrMapping/>
+  </p:clrMapOvr>
+</p:sld>
+</file>
+
+<file path=ppt/slides/slide38.xml><?xml version="1.0" encoding="utf-8"?>
+<p:sld xmlns:a="http://schemas.openxmlformats.org/drawingml/2006/main" xmlns:r="http://schemas.openxmlformats.org/officeDocument/2006/relationships" xmlns:p="http://schemas.openxmlformats.org/presentationml/2006/main">
+  <p:cSld>
+    <p:spTree>
+      <p:nvGrpSpPr>
+        <p:cNvPr id="1" name=""/>
+        <p:cNvGrpSpPr/>
+        <p:nvPr/>
+      </p:nvGrpSpPr>
+      <p:grpSpPr>
+        <a:xfrm>
+          <a:off x="0" y="0"/>
+          <a:ext cx="0" cy="0"/>
+          <a:chOff x="0" y="0"/>
+          <a:chExt cx="0" cy="0"/>
+        </a:xfrm>
+      </p:grpSpPr>
+      <p:pic>
+        <p:nvPicPr>
+          <p:cNvPr id="1026" name="Picture 2">
+            <a:extLst>
+              <a:ext uri="{FF2B5EF4-FFF2-40B4-BE49-F238E27FC236}">
+                <a16:creationId xmlns:a16="http://schemas.microsoft.com/office/drawing/2014/main" id="{39C01A48-0E5B-4AAD-A3E0-DA52CF16D627}"/>
+              </a:ext>
+            </a:extLst>
+          </p:cNvPr>
+          <p:cNvPicPr>
+            <a:picLocks noChangeAspect="1" noChangeArrowheads="1"/>
+          </p:cNvPicPr>
+          <p:nvPr/>
+        </p:nvPicPr>
+        <p:blipFill>
+          <a:blip r:embed="rId2">
+            <a:extLst>
+              <a:ext uri="{28A0092B-C50C-407E-A947-70E740481C1C}">
+                <a14:useLocalDpi xmlns:a14="http://schemas.microsoft.com/office/drawing/2010/main" val="0"/>
+              </a:ext>
+            </a:extLst>
+          </a:blip>
+          <a:srcRect/>
+          <a:stretch>
+            <a:fillRect/>
+          </a:stretch>
+        </p:blipFill>
+        <p:spPr bwMode="auto">
+          <a:xfrm>
+            <a:off x="1749425" y="0"/>
+            <a:ext cx="8691563" cy="6858000"/>
+          </a:xfrm>
+          <a:prstGeom prst="rect">
+            <a:avLst/>
+          </a:prstGeom>
+          <a:noFill/>
+          <a:extLst>
+            <a:ext uri="{909E8E84-426E-40DD-AFC4-6F175D3DCCD1}">
+              <a14:hiddenFill xmlns:a14="http://schemas.microsoft.com/office/drawing/2010/main">
+                <a:solidFill>
+                  <a:srgbClr val="FFFFFF"/>
+                </a:solidFill>
+              </a14:hiddenFill>
+            </a:ext>
+          </a:extLst>
+        </p:spPr>
+      </p:pic>
+      <p:sp>
+        <p:nvSpPr>
+          <p:cNvPr id="4" name="TekstSylinder 3">
+            <a:extLst>
+              <a:ext uri="{FF2B5EF4-FFF2-40B4-BE49-F238E27FC236}">
+                <a16:creationId xmlns:a16="http://schemas.microsoft.com/office/drawing/2014/main" id="{198DD8CE-A185-409C-A8FA-BF10F33F93BE}"/>
+              </a:ext>
+            </a:extLst>
+          </p:cNvPr>
+          <p:cNvSpPr txBox="1"/>
+          <p:nvPr/>
+        </p:nvSpPr>
+        <p:spPr>
+          <a:xfrm>
+            <a:off x="104775" y="219075"/>
+            <a:ext cx="1644650" cy="646331"/>
+          </a:xfrm>
+          <a:prstGeom prst="rect">
+            <a:avLst/>
+          </a:prstGeom>
+          <a:noFill/>
+        </p:spPr>
+        <p:txBody>
+          <a:bodyPr wrap="square" rtlCol="0">
+            <a:spAutoFit/>
+          </a:bodyPr>
+          <a:lstStyle/>
+          <a:p>
+            <a:r>
+              <a:rPr lang="nb-NO" dirty="0"/>
+              <a:t>Bygg</a:t>
+            </a:r>
+          </a:p>
+          <a:p>
+            <a:r>
+              <a:rPr lang="nb-NO" dirty="0" err="1"/>
+              <a:t>Programm</a:t>
+            </a:r>
+            <a:endParaRPr lang="nb-NO" dirty="0"/>
+          </a:p>
+        </p:txBody>
+      </p:sp>
+      <p:sp>
+        <p:nvSpPr>
+          <p:cNvPr id="2" name="Rektangel 1">
+            <a:extLst>
+              <a:ext uri="{FF2B5EF4-FFF2-40B4-BE49-F238E27FC236}">
+                <a16:creationId xmlns:a16="http://schemas.microsoft.com/office/drawing/2014/main" id="{A69446C9-E7C0-43C8-BF8F-452372B87D0E}"/>
+              </a:ext>
+            </a:extLst>
+          </p:cNvPr>
+          <p:cNvSpPr/>
+          <p:nvPr/>
+        </p:nvSpPr>
+        <p:spPr>
+          <a:xfrm>
+            <a:off x="1749425" y="2192784"/>
+            <a:ext cx="2112361" cy="887767"/>
+          </a:xfrm>
+          <a:prstGeom prst="rect">
+            <a:avLst/>
+          </a:prstGeom>
+          <a:noFill/>
+          <a:ln>
+            <a:solidFill>
+              <a:srgbClr val="FF0000"/>
+            </a:solidFill>
+          </a:ln>
+        </p:spPr>
+        <p:style>
+          <a:lnRef idx="2">
+            <a:schemeClr val="accent1">
+              <a:shade val="50000"/>
+            </a:schemeClr>
+          </a:lnRef>
+          <a:fillRef idx="1">
+            <a:schemeClr val="accent1"/>
+          </a:fillRef>
+          <a:effectRef idx="0">
+            <a:schemeClr val="accent1"/>
+          </a:effectRef>
+          <a:fontRef idx="minor">
+            <a:schemeClr val="lt1"/>
+          </a:fontRef>
+        </p:style>
+        <p:txBody>
+          <a:bodyPr rtlCol="0" anchor="ctr"/>
+          <a:lstStyle/>
+          <a:p>
+            <a:pPr algn="ctr"/>
+            <a:endParaRPr lang="nb-NO"/>
+          </a:p>
+        </p:txBody>
+      </p:sp>
+      <p:sp>
+        <p:nvSpPr>
+          <p:cNvPr id="3" name="Rektangel 2">
+            <a:extLst>
+              <a:ext uri="{FF2B5EF4-FFF2-40B4-BE49-F238E27FC236}">
+                <a16:creationId xmlns:a16="http://schemas.microsoft.com/office/drawing/2014/main" id="{02EDA741-0116-46AC-85FD-8E7ABA08B64F}"/>
+              </a:ext>
+            </a:extLst>
+          </p:cNvPr>
+          <p:cNvSpPr/>
+          <p:nvPr/>
+        </p:nvSpPr>
+        <p:spPr>
+          <a:xfrm>
+            <a:off x="5921406" y="2192784"/>
+            <a:ext cx="2032986" cy="887767"/>
+          </a:xfrm>
+          <a:prstGeom prst="rect">
+            <a:avLst/>
+          </a:prstGeom>
+          <a:noFill/>
+          <a:ln>
+            <a:solidFill>
+              <a:srgbClr val="FF0000"/>
+            </a:solidFill>
+          </a:ln>
+        </p:spPr>
+        <p:style>
+          <a:lnRef idx="2">
+            <a:schemeClr val="accent1">
+              <a:shade val="50000"/>
+            </a:schemeClr>
+          </a:lnRef>
+          <a:fillRef idx="1">
+            <a:schemeClr val="accent1"/>
+          </a:fillRef>
+          <a:effectRef idx="0">
+            <a:schemeClr val="accent1"/>
+          </a:effectRef>
+          <a:fontRef idx="minor">
+            <a:schemeClr val="lt1"/>
+          </a:fontRef>
+        </p:style>
+        <p:txBody>
+          <a:bodyPr rtlCol="0" anchor="ctr"/>
+          <a:lstStyle/>
+          <a:p>
+            <a:pPr algn="ctr"/>
+            <a:endParaRPr lang="nb-NO"/>
+          </a:p>
+        </p:txBody>
+      </p:sp>
+      <p:sp>
+        <p:nvSpPr>
+          <p:cNvPr id="5" name="Rektangel 4">
+            <a:extLst>
+              <a:ext uri="{FF2B5EF4-FFF2-40B4-BE49-F238E27FC236}">
+                <a16:creationId xmlns:a16="http://schemas.microsoft.com/office/drawing/2014/main" id="{D8038E78-1F3D-4685-B506-3067BC64CF76}"/>
+              </a:ext>
+            </a:extLst>
+          </p:cNvPr>
+          <p:cNvSpPr/>
+          <p:nvPr/>
+        </p:nvSpPr>
+        <p:spPr>
+          <a:xfrm>
+            <a:off x="3861786" y="4119239"/>
+            <a:ext cx="2059620" cy="949911"/>
+          </a:xfrm>
+          <a:prstGeom prst="rect">
+            <a:avLst/>
+          </a:prstGeom>
+          <a:noFill/>
+          <a:ln>
+            <a:solidFill>
+              <a:srgbClr val="FF0000"/>
+            </a:solidFill>
+          </a:ln>
+        </p:spPr>
+        <p:style>
+          <a:lnRef idx="2">
+            <a:schemeClr val="accent1">
+              <a:shade val="50000"/>
+            </a:schemeClr>
+          </a:lnRef>
+          <a:fillRef idx="1">
+            <a:schemeClr val="accent1"/>
+          </a:fillRef>
+          <a:effectRef idx="0">
+            <a:schemeClr val="accent1"/>
+          </a:effectRef>
+          <a:fontRef idx="minor">
+            <a:schemeClr val="lt1"/>
+          </a:fontRef>
+        </p:style>
+        <p:txBody>
+          <a:bodyPr rtlCol="0" anchor="ctr"/>
+          <a:lstStyle/>
+          <a:p>
+            <a:pPr algn="ctr"/>
+            <a:endParaRPr lang="nb-NO"/>
+          </a:p>
+        </p:txBody>
+      </p:sp>
+      <p:sp>
+        <p:nvSpPr>
+          <p:cNvPr id="6" name="Rektangel 5">
+            <a:extLst>
+              <a:ext uri="{FF2B5EF4-FFF2-40B4-BE49-F238E27FC236}">
+                <a16:creationId xmlns:a16="http://schemas.microsoft.com/office/drawing/2014/main" id="{13637F78-5E74-403E-A263-2DEEC2E95DB9}"/>
+              </a:ext>
+            </a:extLst>
+          </p:cNvPr>
+          <p:cNvSpPr/>
+          <p:nvPr/>
+        </p:nvSpPr>
+        <p:spPr>
+          <a:xfrm>
+            <a:off x="5921406" y="5992427"/>
+            <a:ext cx="2059620" cy="865573"/>
+          </a:xfrm>
+          <a:prstGeom prst="rect">
+            <a:avLst/>
+          </a:prstGeom>
+          <a:noFill/>
+          <a:ln>
+            <a:solidFill>
+              <a:srgbClr val="FF0000"/>
+            </a:solidFill>
+          </a:ln>
+        </p:spPr>
+        <p:style>
+          <a:lnRef idx="2">
+            <a:schemeClr val="accent1">
+              <a:shade val="50000"/>
+            </a:schemeClr>
+          </a:lnRef>
+          <a:fillRef idx="1">
+            <a:schemeClr val="accent1"/>
+          </a:fillRef>
+          <a:effectRef idx="0">
+            <a:schemeClr val="accent1"/>
+          </a:effectRef>
+          <a:fontRef idx="minor">
+            <a:schemeClr val="lt1"/>
+          </a:fontRef>
+        </p:style>
+        <p:txBody>
+          <a:bodyPr rtlCol="0" anchor="ctr"/>
+          <a:lstStyle/>
+          <a:p>
+            <a:pPr algn="ctr"/>
+            <a:endParaRPr lang="nb-NO"/>
+          </a:p>
+        </p:txBody>
+      </p:sp>
+    </p:spTree>
+    <p:extLst>
+      <p:ext uri="{BB962C8B-B14F-4D97-AF65-F5344CB8AC3E}">
+        <p14:creationId xmlns:p14="http://schemas.microsoft.com/office/powerpoint/2010/main" val="3653916052"/>
+      </p:ext>
+    </p:extLst>
+  </p:cSld>
+  <p:clrMapOvr>
+    <a:masterClrMapping/>
+  </p:clrMapOvr>
+</p:sld>
+</file>
+
+<file path=ppt/slides/slide39.xml><?xml version="1.0" encoding="utf-8"?>
+<p:sld xmlns:a="http://schemas.openxmlformats.org/drawingml/2006/main" xmlns:r="http://schemas.openxmlformats.org/officeDocument/2006/relationships" xmlns:p="http://schemas.openxmlformats.org/presentationml/2006/main">
+  <p:cSld>
+    <p:spTree>
+      <p:nvGrpSpPr>
+        <p:cNvPr id="1" name=""/>
+        <p:cNvGrpSpPr/>
+        <p:nvPr/>
+      </p:nvGrpSpPr>
+      <p:grpSpPr>
+        <a:xfrm>
+          <a:off x="0" y="0"/>
+          <a:ext cx="0" cy="0"/>
+          <a:chOff x="0" y="0"/>
+          <a:chExt cx="0" cy="0"/>
+        </a:xfrm>
+      </p:grpSpPr>
+      <p:pic>
+        <p:nvPicPr>
+          <p:cNvPr id="2050" name="Picture 2">
+            <a:extLst>
+              <a:ext uri="{FF2B5EF4-FFF2-40B4-BE49-F238E27FC236}">
+                <a16:creationId xmlns:a16="http://schemas.microsoft.com/office/drawing/2014/main" id="{D8FDA44D-D910-4D5E-94B0-70F47FD12FB0}"/>
+              </a:ext>
+            </a:extLst>
+          </p:cNvPr>
+          <p:cNvPicPr>
+            <a:picLocks noChangeAspect="1" noChangeArrowheads="1"/>
+          </p:cNvPicPr>
+          <p:nvPr/>
+        </p:nvPicPr>
+        <p:blipFill>
+          <a:blip r:embed="rId2">
+            <a:extLst>
+              <a:ext uri="{28A0092B-C50C-407E-A947-70E740481C1C}">
+                <a14:useLocalDpi xmlns:a14="http://schemas.microsoft.com/office/drawing/2010/main" val="0"/>
+              </a:ext>
+            </a:extLst>
+          </a:blip>
+          <a:srcRect/>
+          <a:stretch>
+            <a:fillRect/>
+          </a:stretch>
+        </p:blipFill>
+        <p:spPr bwMode="auto">
+          <a:xfrm>
+            <a:off x="1524000" y="0"/>
+            <a:ext cx="9144000" cy="6858000"/>
+          </a:xfrm>
+          <a:prstGeom prst="rect">
+            <a:avLst/>
+          </a:prstGeom>
+          <a:noFill/>
+          <a:extLst>
+            <a:ext uri="{909E8E84-426E-40DD-AFC4-6F175D3DCCD1}">
+              <a14:hiddenFill xmlns:a14="http://schemas.microsoft.com/office/drawing/2010/main">
+                <a:solidFill>
+                  <a:srgbClr val="FFFFFF"/>
+                </a:solidFill>
+              </a14:hiddenFill>
+            </a:ext>
+          </a:extLst>
+        </p:spPr>
+      </p:pic>
+      <p:sp>
+        <p:nvSpPr>
+          <p:cNvPr id="2" name="Rektangel 1">
+            <a:extLst>
+              <a:ext uri="{FF2B5EF4-FFF2-40B4-BE49-F238E27FC236}">
+                <a16:creationId xmlns:a16="http://schemas.microsoft.com/office/drawing/2014/main" id="{1A0B628C-390D-4425-8CD6-E0136A3777CC}"/>
+              </a:ext>
+            </a:extLst>
+          </p:cNvPr>
+          <p:cNvSpPr/>
+          <p:nvPr/>
+        </p:nvSpPr>
+        <p:spPr>
+          <a:xfrm>
+            <a:off x="1524000" y="3284738"/>
+            <a:ext cx="2177988" cy="772357"/>
+          </a:xfrm>
+          <a:prstGeom prst="rect">
+            <a:avLst/>
+          </a:prstGeom>
+          <a:noFill/>
+          <a:ln>
+            <a:solidFill>
+              <a:srgbClr val="FF0000"/>
+            </a:solidFill>
+          </a:ln>
+        </p:spPr>
+        <p:style>
+          <a:lnRef idx="2">
+            <a:schemeClr val="accent1">
+              <a:shade val="50000"/>
+            </a:schemeClr>
+          </a:lnRef>
+          <a:fillRef idx="1">
+            <a:schemeClr val="accent1"/>
+          </a:fillRef>
+          <a:effectRef idx="0">
+            <a:schemeClr val="accent1"/>
+          </a:effectRef>
+          <a:fontRef idx="minor">
+            <a:schemeClr val="lt1"/>
+          </a:fontRef>
+        </p:style>
+        <p:txBody>
+          <a:bodyPr rtlCol="0" anchor="ctr"/>
+          <a:lstStyle/>
+          <a:p>
+            <a:pPr algn="ctr"/>
+            <a:endParaRPr lang="nb-NO"/>
+          </a:p>
+        </p:txBody>
+      </p:sp>
+    </p:spTree>
+    <p:extLst>
+      <p:ext uri="{BB962C8B-B14F-4D97-AF65-F5344CB8AC3E}">
+        <p14:creationId xmlns:p14="http://schemas.microsoft.com/office/powerpoint/2010/main" val="2043894951"/>
       </p:ext>
     </p:extLst>
   </p:cSld>
@@ -8758,10 +8836,543 @@
           </a:extLst>
         </p:spPr>
       </p:pic>
+      <p:sp>
+        <p:nvSpPr>
+          <p:cNvPr id="2" name="Rektangel 1">
+            <a:extLst>
+              <a:ext uri="{FF2B5EF4-FFF2-40B4-BE49-F238E27FC236}">
+                <a16:creationId xmlns:a16="http://schemas.microsoft.com/office/drawing/2014/main" id="{F5BA3D07-FDBA-4C7F-9B79-70654A385D97}"/>
+              </a:ext>
+            </a:extLst>
+          </p:cNvPr>
+          <p:cNvSpPr/>
+          <p:nvPr/>
+        </p:nvSpPr>
+        <p:spPr>
+          <a:xfrm>
+            <a:off x="578497" y="1548881"/>
+            <a:ext cx="2724539" cy="951723"/>
+          </a:xfrm>
+          <a:prstGeom prst="rect">
+            <a:avLst/>
+          </a:prstGeom>
+          <a:noFill/>
+          <a:ln>
+            <a:solidFill>
+              <a:srgbClr val="FF0000"/>
+            </a:solidFill>
+          </a:ln>
+        </p:spPr>
+        <p:style>
+          <a:lnRef idx="2">
+            <a:schemeClr val="accent1">
+              <a:shade val="50000"/>
+            </a:schemeClr>
+          </a:lnRef>
+          <a:fillRef idx="1">
+            <a:schemeClr val="accent1"/>
+          </a:fillRef>
+          <a:effectRef idx="0">
+            <a:schemeClr val="accent1"/>
+          </a:effectRef>
+          <a:fontRef idx="minor">
+            <a:schemeClr val="lt1"/>
+          </a:fontRef>
+        </p:style>
+        <p:txBody>
+          <a:bodyPr rtlCol="0" anchor="ctr"/>
+          <a:lstStyle/>
+          <a:p>
+            <a:pPr algn="ctr"/>
+            <a:endParaRPr lang="nb-NO"/>
+          </a:p>
+        </p:txBody>
+      </p:sp>
     </p:spTree>
     <p:extLst>
       <p:ext uri="{BB962C8B-B14F-4D97-AF65-F5344CB8AC3E}">
-        <p14:creationId xmlns:p14="http://schemas.microsoft.com/office/powerpoint/2010/main" val="2380866168"/>
+        <p14:creationId xmlns:p14="http://schemas.microsoft.com/office/powerpoint/2010/main" val="214628528"/>
+      </p:ext>
+    </p:extLst>
+  </p:cSld>
+  <p:clrMapOvr>
+    <a:masterClrMapping/>
+  </p:clrMapOvr>
+</p:sld>
+</file>
+
+<file path=ppt/slides/slide40.xml><?xml version="1.0" encoding="utf-8"?>
+<p:sld xmlns:a="http://schemas.openxmlformats.org/drawingml/2006/main" xmlns:r="http://schemas.openxmlformats.org/officeDocument/2006/relationships" xmlns:p="http://schemas.openxmlformats.org/presentationml/2006/main">
+  <p:cSld>
+    <p:spTree>
+      <p:nvGrpSpPr>
+        <p:cNvPr id="1" name=""/>
+        <p:cNvGrpSpPr/>
+        <p:nvPr/>
+      </p:nvGrpSpPr>
+      <p:grpSpPr>
+        <a:xfrm>
+          <a:off x="0" y="0"/>
+          <a:ext cx="0" cy="0"/>
+          <a:chOff x="0" y="0"/>
+          <a:chExt cx="0" cy="0"/>
+        </a:xfrm>
+      </p:grpSpPr>
+      <p:pic>
+        <p:nvPicPr>
+          <p:cNvPr id="3074" name="Picture 2">
+            <a:extLst>
+              <a:ext uri="{FF2B5EF4-FFF2-40B4-BE49-F238E27FC236}">
+                <a16:creationId xmlns:a16="http://schemas.microsoft.com/office/drawing/2014/main" id="{F972B6E8-E4FE-4E9D-8C62-ACECD634F259}"/>
+              </a:ext>
+            </a:extLst>
+          </p:cNvPr>
+          <p:cNvPicPr>
+            <a:picLocks noChangeAspect="1" noChangeArrowheads="1"/>
+          </p:cNvPicPr>
+          <p:nvPr/>
+        </p:nvPicPr>
+        <p:blipFill>
+          <a:blip r:embed="rId2">
+            <a:extLst>
+              <a:ext uri="{28A0092B-C50C-407E-A947-70E740481C1C}">
+                <a14:useLocalDpi xmlns:a14="http://schemas.microsoft.com/office/drawing/2010/main" val="0"/>
+              </a:ext>
+            </a:extLst>
+          </a:blip>
+          <a:srcRect/>
+          <a:stretch>
+            <a:fillRect/>
+          </a:stretch>
+        </p:blipFill>
+        <p:spPr bwMode="auto">
+          <a:xfrm>
+            <a:off x="447675" y="576263"/>
+            <a:ext cx="11296650" cy="5705475"/>
+          </a:xfrm>
+          <a:prstGeom prst="rect">
+            <a:avLst/>
+          </a:prstGeom>
+          <a:noFill/>
+          <a:extLst>
+            <a:ext uri="{909E8E84-426E-40DD-AFC4-6F175D3DCCD1}">
+              <a14:hiddenFill xmlns:a14="http://schemas.microsoft.com/office/drawing/2010/main">
+                <a:solidFill>
+                  <a:srgbClr val="FFFFFF"/>
+                </a:solidFill>
+              </a14:hiddenFill>
+            </a:ext>
+          </a:extLst>
+        </p:spPr>
+      </p:pic>
+    </p:spTree>
+    <p:extLst>
+      <p:ext uri="{BB962C8B-B14F-4D97-AF65-F5344CB8AC3E}">
+        <p14:creationId xmlns:p14="http://schemas.microsoft.com/office/powerpoint/2010/main" val="3370504386"/>
+      </p:ext>
+    </p:extLst>
+  </p:cSld>
+  <p:clrMapOvr>
+    <a:masterClrMapping/>
+  </p:clrMapOvr>
+</p:sld>
+</file>
+
+<file path=ppt/slides/slide41.xml><?xml version="1.0" encoding="utf-8"?>
+<p:sld xmlns:a="http://schemas.openxmlformats.org/drawingml/2006/main" xmlns:r="http://schemas.openxmlformats.org/officeDocument/2006/relationships" xmlns:p="http://schemas.openxmlformats.org/presentationml/2006/main">
+  <p:cSld>
+    <p:spTree>
+      <p:nvGrpSpPr>
+        <p:cNvPr id="1" name=""/>
+        <p:cNvGrpSpPr/>
+        <p:nvPr/>
+      </p:nvGrpSpPr>
+      <p:grpSpPr>
+        <a:xfrm>
+          <a:off x="0" y="0"/>
+          <a:ext cx="0" cy="0"/>
+          <a:chOff x="0" y="0"/>
+          <a:chExt cx="0" cy="0"/>
+        </a:xfrm>
+      </p:grpSpPr>
+      <p:pic>
+        <p:nvPicPr>
+          <p:cNvPr id="4098" name="Picture 2">
+            <a:extLst>
+              <a:ext uri="{FF2B5EF4-FFF2-40B4-BE49-F238E27FC236}">
+                <a16:creationId xmlns:a16="http://schemas.microsoft.com/office/drawing/2014/main" id="{88B2666D-8DA0-4E66-8BF6-8034C4684AFF}"/>
+              </a:ext>
+            </a:extLst>
+          </p:cNvPr>
+          <p:cNvPicPr>
+            <a:picLocks noChangeAspect="1" noChangeArrowheads="1"/>
+          </p:cNvPicPr>
+          <p:nvPr/>
+        </p:nvPicPr>
+        <p:blipFill>
+          <a:blip r:embed="rId2">
+            <a:extLst>
+              <a:ext uri="{28A0092B-C50C-407E-A947-70E740481C1C}">
+                <a14:useLocalDpi xmlns:a14="http://schemas.microsoft.com/office/drawing/2010/main" val="0"/>
+              </a:ext>
+            </a:extLst>
+          </a:blip>
+          <a:srcRect/>
+          <a:stretch>
+            <a:fillRect/>
+          </a:stretch>
+        </p:blipFill>
+        <p:spPr bwMode="auto">
+          <a:xfrm>
+            <a:off x="1455738" y="0"/>
+            <a:ext cx="9280525" cy="6858000"/>
+          </a:xfrm>
+          <a:prstGeom prst="rect">
+            <a:avLst/>
+          </a:prstGeom>
+          <a:noFill/>
+          <a:extLst>
+            <a:ext uri="{909E8E84-426E-40DD-AFC4-6F175D3DCCD1}">
+              <a14:hiddenFill xmlns:a14="http://schemas.microsoft.com/office/drawing/2010/main">
+                <a:solidFill>
+                  <a:srgbClr val="FFFFFF"/>
+                </a:solidFill>
+              </a14:hiddenFill>
+            </a:ext>
+          </a:extLst>
+        </p:spPr>
+      </p:pic>
+      <p:sp>
+        <p:nvSpPr>
+          <p:cNvPr id="3" name="TekstSylinder 2">
+            <a:extLst>
+              <a:ext uri="{FF2B5EF4-FFF2-40B4-BE49-F238E27FC236}">
+                <a16:creationId xmlns:a16="http://schemas.microsoft.com/office/drawing/2014/main" id="{CDC15A03-C7FC-4D23-93A4-AD9503A333A7}"/>
+              </a:ext>
+            </a:extLst>
+          </p:cNvPr>
+          <p:cNvSpPr txBox="1"/>
+          <p:nvPr/>
+        </p:nvSpPr>
+        <p:spPr>
+          <a:xfrm>
+            <a:off x="133165" y="559293"/>
+            <a:ext cx="1322572" cy="646331"/>
+          </a:xfrm>
+          <a:prstGeom prst="rect">
+            <a:avLst/>
+          </a:prstGeom>
+          <a:noFill/>
+        </p:spPr>
+        <p:txBody>
+          <a:bodyPr wrap="square" rtlCol="0">
+            <a:spAutoFit/>
+          </a:bodyPr>
+          <a:lstStyle/>
+          <a:p>
+            <a:r>
+              <a:rPr lang="nb-NO" dirty="0"/>
+              <a:t>EM</a:t>
+            </a:r>
+          </a:p>
+          <a:p>
+            <a:r>
+              <a:rPr lang="nb-NO" dirty="0" err="1"/>
+              <a:t>Programm</a:t>
+            </a:r>
+            <a:endParaRPr lang="nb-NO" dirty="0"/>
+          </a:p>
+        </p:txBody>
+      </p:sp>
+      <p:sp>
+        <p:nvSpPr>
+          <p:cNvPr id="2" name="Rektangel 1">
+            <a:extLst>
+              <a:ext uri="{FF2B5EF4-FFF2-40B4-BE49-F238E27FC236}">
+                <a16:creationId xmlns:a16="http://schemas.microsoft.com/office/drawing/2014/main" id="{851C4F96-9882-4851-9047-D412F3A3D22A}"/>
+              </a:ext>
+            </a:extLst>
+          </p:cNvPr>
+          <p:cNvSpPr/>
+          <p:nvPr/>
+        </p:nvSpPr>
+        <p:spPr>
+          <a:xfrm>
+            <a:off x="1651247" y="4572000"/>
+            <a:ext cx="2254928" cy="816746"/>
+          </a:xfrm>
+          <a:prstGeom prst="rect">
+            <a:avLst/>
+          </a:prstGeom>
+          <a:noFill/>
+          <a:ln>
+            <a:solidFill>
+              <a:srgbClr val="FF0000"/>
+            </a:solidFill>
+          </a:ln>
+        </p:spPr>
+        <p:style>
+          <a:lnRef idx="2">
+            <a:schemeClr val="accent1">
+              <a:shade val="50000"/>
+            </a:schemeClr>
+          </a:lnRef>
+          <a:fillRef idx="1">
+            <a:schemeClr val="accent1"/>
+          </a:fillRef>
+          <a:effectRef idx="0">
+            <a:schemeClr val="accent1"/>
+          </a:effectRef>
+          <a:fontRef idx="minor">
+            <a:schemeClr val="lt1"/>
+          </a:fontRef>
+        </p:style>
+        <p:txBody>
+          <a:bodyPr rtlCol="0" anchor="ctr"/>
+          <a:lstStyle/>
+          <a:p>
+            <a:pPr algn="ctr"/>
+            <a:endParaRPr lang="nb-NO"/>
+          </a:p>
+        </p:txBody>
+      </p:sp>
+      <p:sp>
+        <p:nvSpPr>
+          <p:cNvPr id="4" name="Rektangel 3">
+            <a:extLst>
+              <a:ext uri="{FF2B5EF4-FFF2-40B4-BE49-F238E27FC236}">
+                <a16:creationId xmlns:a16="http://schemas.microsoft.com/office/drawing/2014/main" id="{0644A71D-52B9-44CE-9DCC-AC87AF5C0BB9}"/>
+              </a:ext>
+            </a:extLst>
+          </p:cNvPr>
+          <p:cNvSpPr/>
+          <p:nvPr/>
+        </p:nvSpPr>
+        <p:spPr>
+          <a:xfrm>
+            <a:off x="3906175" y="4572000"/>
+            <a:ext cx="2189825" cy="816746"/>
+          </a:xfrm>
+          <a:prstGeom prst="rect">
+            <a:avLst/>
+          </a:prstGeom>
+          <a:noFill/>
+          <a:ln>
+            <a:solidFill>
+              <a:srgbClr val="FF0000"/>
+            </a:solidFill>
+          </a:ln>
+        </p:spPr>
+        <p:style>
+          <a:lnRef idx="2">
+            <a:schemeClr val="accent1">
+              <a:shade val="50000"/>
+            </a:schemeClr>
+          </a:lnRef>
+          <a:fillRef idx="1">
+            <a:schemeClr val="accent1"/>
+          </a:fillRef>
+          <a:effectRef idx="0">
+            <a:schemeClr val="accent1"/>
+          </a:effectRef>
+          <a:fontRef idx="minor">
+            <a:schemeClr val="lt1"/>
+          </a:fontRef>
+        </p:style>
+        <p:txBody>
+          <a:bodyPr rtlCol="0" anchor="ctr"/>
+          <a:lstStyle/>
+          <a:p>
+            <a:pPr algn="ctr"/>
+            <a:endParaRPr lang="nb-NO"/>
+          </a:p>
+        </p:txBody>
+      </p:sp>
+      <p:sp>
+        <p:nvSpPr>
+          <p:cNvPr id="5" name="Rektangel 4">
+            <a:extLst>
+              <a:ext uri="{FF2B5EF4-FFF2-40B4-BE49-F238E27FC236}">
+                <a16:creationId xmlns:a16="http://schemas.microsoft.com/office/drawing/2014/main" id="{A9105F0F-2AB9-4D47-A974-9AF87553F453}"/>
+              </a:ext>
+            </a:extLst>
+          </p:cNvPr>
+          <p:cNvSpPr/>
+          <p:nvPr/>
+        </p:nvSpPr>
+        <p:spPr>
+          <a:xfrm>
+            <a:off x="1651247" y="5912528"/>
+            <a:ext cx="2254928" cy="945472"/>
+          </a:xfrm>
+          <a:prstGeom prst="rect">
+            <a:avLst/>
+          </a:prstGeom>
+          <a:noFill/>
+          <a:ln>
+            <a:solidFill>
+              <a:srgbClr val="FF0000"/>
+            </a:solidFill>
+          </a:ln>
+        </p:spPr>
+        <p:style>
+          <a:lnRef idx="2">
+            <a:schemeClr val="accent1">
+              <a:shade val="50000"/>
+            </a:schemeClr>
+          </a:lnRef>
+          <a:fillRef idx="1">
+            <a:schemeClr val="accent1"/>
+          </a:fillRef>
+          <a:effectRef idx="0">
+            <a:schemeClr val="accent1"/>
+          </a:effectRef>
+          <a:fontRef idx="minor">
+            <a:schemeClr val="lt1"/>
+          </a:fontRef>
+        </p:style>
+        <p:txBody>
+          <a:bodyPr rtlCol="0" anchor="ctr"/>
+          <a:lstStyle/>
+          <a:p>
+            <a:pPr algn="ctr"/>
+            <a:endParaRPr lang="nb-NO"/>
+          </a:p>
+        </p:txBody>
+      </p:sp>
+    </p:spTree>
+    <p:extLst>
+      <p:ext uri="{BB962C8B-B14F-4D97-AF65-F5344CB8AC3E}">
+        <p14:creationId xmlns:p14="http://schemas.microsoft.com/office/powerpoint/2010/main" val="1524598549"/>
+      </p:ext>
+    </p:extLst>
+  </p:cSld>
+  <p:clrMapOvr>
+    <a:masterClrMapping/>
+  </p:clrMapOvr>
+</p:sld>
+</file>
+
+<file path=ppt/slides/slide42.xml><?xml version="1.0" encoding="utf-8"?>
+<p:sld xmlns:a="http://schemas.openxmlformats.org/drawingml/2006/main" xmlns:r="http://schemas.openxmlformats.org/officeDocument/2006/relationships" xmlns:p="http://schemas.openxmlformats.org/presentationml/2006/main">
+  <p:cSld>
+    <p:spTree>
+      <p:nvGrpSpPr>
+        <p:cNvPr id="1" name=""/>
+        <p:cNvGrpSpPr/>
+        <p:nvPr/>
+      </p:nvGrpSpPr>
+      <p:grpSpPr>
+        <a:xfrm>
+          <a:off x="0" y="0"/>
+          <a:ext cx="0" cy="0"/>
+          <a:chOff x="0" y="0"/>
+          <a:chExt cx="0" cy="0"/>
+        </a:xfrm>
+      </p:grpSpPr>
+      <p:pic>
+        <p:nvPicPr>
+          <p:cNvPr id="5122" name="Picture 2">
+            <a:extLst>
+              <a:ext uri="{FF2B5EF4-FFF2-40B4-BE49-F238E27FC236}">
+                <a16:creationId xmlns:a16="http://schemas.microsoft.com/office/drawing/2014/main" id="{7FFC167D-F667-4E2C-A39A-9B2FBE47E892}"/>
+              </a:ext>
+            </a:extLst>
+          </p:cNvPr>
+          <p:cNvPicPr>
+            <a:picLocks noChangeAspect="1" noChangeArrowheads="1"/>
+          </p:cNvPicPr>
+          <p:nvPr/>
+        </p:nvPicPr>
+        <p:blipFill>
+          <a:blip r:embed="rId2">
+            <a:extLst>
+              <a:ext uri="{28A0092B-C50C-407E-A947-70E740481C1C}">
+                <a14:useLocalDpi xmlns:a14="http://schemas.microsoft.com/office/drawing/2010/main" val="0"/>
+              </a:ext>
+            </a:extLst>
+          </a:blip>
+          <a:srcRect/>
+          <a:stretch>
+            <a:fillRect/>
+          </a:stretch>
+        </p:blipFill>
+        <p:spPr bwMode="auto">
+          <a:xfrm>
+            <a:off x="561975" y="619125"/>
+            <a:ext cx="11068050" cy="5619750"/>
+          </a:xfrm>
+          <a:prstGeom prst="rect">
+            <a:avLst/>
+          </a:prstGeom>
+          <a:noFill/>
+          <a:extLst>
+            <a:ext uri="{909E8E84-426E-40DD-AFC4-6F175D3DCCD1}">
+              <a14:hiddenFill xmlns:a14="http://schemas.microsoft.com/office/drawing/2010/main">
+                <a:solidFill>
+                  <a:srgbClr val="FFFFFF"/>
+                </a:solidFill>
+              </a14:hiddenFill>
+            </a:ext>
+          </a:extLst>
+        </p:spPr>
+      </p:pic>
+      <p:sp>
+        <p:nvSpPr>
+          <p:cNvPr id="2" name="Rektangel 1">
+            <a:extLst>
+              <a:ext uri="{FF2B5EF4-FFF2-40B4-BE49-F238E27FC236}">
+                <a16:creationId xmlns:a16="http://schemas.microsoft.com/office/drawing/2014/main" id="{B3673FE2-331C-4918-9C4B-89F0F8D8D8D7}"/>
+              </a:ext>
+            </a:extLst>
+          </p:cNvPr>
+          <p:cNvSpPr/>
+          <p:nvPr/>
+        </p:nvSpPr>
+        <p:spPr>
+          <a:xfrm>
+            <a:off x="561975" y="3142695"/>
+            <a:ext cx="2784907" cy="1154097"/>
+          </a:xfrm>
+          <a:prstGeom prst="rect">
+            <a:avLst/>
+          </a:prstGeom>
+          <a:noFill/>
+          <a:ln>
+            <a:solidFill>
+              <a:srgbClr val="FF0000"/>
+            </a:solidFill>
+          </a:ln>
+        </p:spPr>
+        <p:style>
+          <a:lnRef idx="2">
+            <a:schemeClr val="accent1">
+              <a:shade val="50000"/>
+            </a:schemeClr>
+          </a:lnRef>
+          <a:fillRef idx="1">
+            <a:schemeClr val="accent1"/>
+          </a:fillRef>
+          <a:effectRef idx="0">
+            <a:schemeClr val="accent1"/>
+          </a:effectRef>
+          <a:fontRef idx="minor">
+            <a:schemeClr val="lt1"/>
+          </a:fontRef>
+        </p:style>
+        <p:txBody>
+          <a:bodyPr rtlCol="0" anchor="ctr"/>
+          <a:lstStyle/>
+          <a:p>
+            <a:pPr algn="ctr"/>
+            <a:endParaRPr lang="nb-NO"/>
+          </a:p>
+        </p:txBody>
+      </p:sp>
+    </p:spTree>
+    <p:extLst>
+      <p:ext uri="{BB962C8B-B14F-4D97-AF65-F5344CB8AC3E}">
+        <p14:creationId xmlns:p14="http://schemas.microsoft.com/office/powerpoint/2010/main" val="3170585928"/>
       </p:ext>
     </p:extLst>
   </p:cSld>
@@ -8837,10 +9448,51 @@
       </p:pic>
       <p:sp>
         <p:nvSpPr>
-          <p:cNvPr id="2" name="Rektangel 1">
-            <a:extLst>
-              <a:ext uri="{FF2B5EF4-FFF2-40B4-BE49-F238E27FC236}">
-                <a16:creationId xmlns:a16="http://schemas.microsoft.com/office/drawing/2014/main" id="{5DB434AB-85BE-44B2-B3EB-5C6C9650F723}"/>
+          <p:cNvPr id="3" name="TekstSylinder 2">
+            <a:extLst>
+              <a:ext uri="{FF2B5EF4-FFF2-40B4-BE49-F238E27FC236}">
+                <a16:creationId xmlns:a16="http://schemas.microsoft.com/office/drawing/2014/main" id="{CDC15A03-C7FC-4D23-93A4-AD9503A333A7}"/>
+              </a:ext>
+            </a:extLst>
+          </p:cNvPr>
+          <p:cNvSpPr txBox="1"/>
+          <p:nvPr/>
+        </p:nvSpPr>
+        <p:spPr>
+          <a:xfrm>
+            <a:off x="133165" y="559293"/>
+            <a:ext cx="1471700" cy="646331"/>
+          </a:xfrm>
+          <a:prstGeom prst="rect">
+            <a:avLst/>
+          </a:prstGeom>
+          <a:noFill/>
+        </p:spPr>
+        <p:txBody>
+          <a:bodyPr wrap="square" rtlCol="0">
+            <a:spAutoFit/>
+          </a:bodyPr>
+          <a:lstStyle/>
+          <a:p>
+            <a:r>
+              <a:rPr lang="nb-NO" dirty="0"/>
+              <a:t>EM</a:t>
+            </a:r>
+          </a:p>
+          <a:p>
+            <a:r>
+              <a:rPr lang="nb-NO" dirty="0"/>
+              <a:t>Programvare</a:t>
+            </a:r>
+          </a:p>
+        </p:txBody>
+      </p:sp>
+      <p:sp>
+        <p:nvSpPr>
+          <p:cNvPr id="4" name="Rektangel 3">
+            <a:extLst>
+              <a:ext uri="{FF2B5EF4-FFF2-40B4-BE49-F238E27FC236}">
+                <a16:creationId xmlns:a16="http://schemas.microsoft.com/office/drawing/2014/main" id="{7650197E-3844-451C-9480-99CE58D3FFD3}"/>
               </a:ext>
             </a:extLst>
           </p:cNvPr>
@@ -8849,8 +9501,8 @@
         </p:nvSpPr>
         <p:spPr>
           <a:xfrm>
-            <a:off x="1677880" y="1020932"/>
-            <a:ext cx="2237172" cy="985421"/>
+            <a:off x="8201608" y="979714"/>
+            <a:ext cx="2295331" cy="1156996"/>
           </a:xfrm>
           <a:prstGeom prst="rect">
             <a:avLst/>
@@ -8889,61 +9541,20 @@
       </p:sp>
       <p:sp>
         <p:nvSpPr>
-          <p:cNvPr id="3" name="TekstSylinder 2">
-            <a:extLst>
-              <a:ext uri="{FF2B5EF4-FFF2-40B4-BE49-F238E27FC236}">
-                <a16:creationId xmlns:a16="http://schemas.microsoft.com/office/drawing/2014/main" id="{CDC15A03-C7FC-4D23-93A4-AD9503A333A7}"/>
-              </a:ext>
-            </a:extLst>
-          </p:cNvPr>
-          <p:cNvSpPr txBox="1"/>
+          <p:cNvPr id="5" name="Rektangel 4">
+            <a:extLst>
+              <a:ext uri="{FF2B5EF4-FFF2-40B4-BE49-F238E27FC236}">
+                <a16:creationId xmlns:a16="http://schemas.microsoft.com/office/drawing/2014/main" id="{FE418FEB-3A0D-409E-92F3-ABF0B41DE085}"/>
+              </a:ext>
+            </a:extLst>
+          </p:cNvPr>
+          <p:cNvSpPr/>
           <p:nvPr/>
         </p:nvSpPr>
         <p:spPr>
           <a:xfrm>
-            <a:off x="133165" y="559293"/>
-            <a:ext cx="1322572" cy="646331"/>
-          </a:xfrm>
-          <a:prstGeom prst="rect">
-            <a:avLst/>
-          </a:prstGeom>
-          <a:noFill/>
-        </p:spPr>
-        <p:txBody>
-          <a:bodyPr wrap="square" rtlCol="0">
-            <a:spAutoFit/>
-          </a:bodyPr>
-          <a:lstStyle/>
-          <a:p>
-            <a:r>
-              <a:rPr lang="nb-NO" dirty="0"/>
-              <a:t>EM</a:t>
-            </a:r>
-          </a:p>
-          <a:p>
-            <a:r>
-              <a:rPr lang="nb-NO" dirty="0"/>
-              <a:t>BIM</a:t>
-            </a:r>
-          </a:p>
-        </p:txBody>
-      </p:sp>
-      <p:sp>
-        <p:nvSpPr>
-          <p:cNvPr id="4" name="Rektangel 3">
-            <a:extLst>
-              <a:ext uri="{FF2B5EF4-FFF2-40B4-BE49-F238E27FC236}">
-                <a16:creationId xmlns:a16="http://schemas.microsoft.com/office/drawing/2014/main" id="{D5B6F43C-7478-45D6-A7F2-3391739731A3}"/>
-              </a:ext>
-            </a:extLst>
-          </p:cNvPr>
-          <p:cNvSpPr/>
-          <p:nvPr/>
-        </p:nvSpPr>
-        <p:spPr>
-          <a:xfrm>
-            <a:off x="3915052" y="4492101"/>
-            <a:ext cx="2180948" cy="1207363"/>
+            <a:off x="3909527" y="4562669"/>
+            <a:ext cx="2118049" cy="895739"/>
           </a:xfrm>
           <a:prstGeom prst="rect">
             <a:avLst/>
@@ -8980,10 +9591,62 @@
           </a:p>
         </p:txBody>
       </p:sp>
+      <p:sp>
+        <p:nvSpPr>
+          <p:cNvPr id="6" name="Rektangel 5">
+            <a:extLst>
+              <a:ext uri="{FF2B5EF4-FFF2-40B4-BE49-F238E27FC236}">
+                <a16:creationId xmlns:a16="http://schemas.microsoft.com/office/drawing/2014/main" id="{E534CFE5-7B7D-4747-9704-764AAED288F9}"/>
+              </a:ext>
+            </a:extLst>
+          </p:cNvPr>
+          <p:cNvSpPr/>
+          <p:nvPr/>
+        </p:nvSpPr>
+        <p:spPr>
+          <a:xfrm>
+            <a:off x="3909527" y="5878286"/>
+            <a:ext cx="2118049" cy="895739"/>
+          </a:xfrm>
+          <a:prstGeom prst="rect">
+            <a:avLst/>
+          </a:prstGeom>
+          <a:noFill/>
+          <a:ln>
+            <a:solidFill>
+              <a:srgbClr val="FF0000"/>
+            </a:solidFill>
+          </a:ln>
+        </p:spPr>
+        <p:style>
+          <a:lnRef idx="2">
+            <a:schemeClr val="accent1">
+              <a:shade val="50000"/>
+            </a:schemeClr>
+          </a:lnRef>
+          <a:fillRef idx="1">
+            <a:schemeClr val="accent1"/>
+          </a:fillRef>
+          <a:effectRef idx="0">
+            <a:schemeClr val="accent1"/>
+          </a:effectRef>
+          <a:fontRef idx="minor">
+            <a:schemeClr val="lt1"/>
+          </a:fontRef>
+        </p:style>
+        <p:txBody>
+          <a:bodyPr rtlCol="0" anchor="ctr"/>
+          <a:lstStyle/>
+          <a:p>
+            <a:pPr algn="ctr"/>
+            <a:endParaRPr lang="nb-NO"/>
+          </a:p>
+        </p:txBody>
+      </p:sp>
     </p:spTree>
     <p:extLst>
       <p:ext uri="{BB962C8B-B14F-4D97-AF65-F5344CB8AC3E}">
-        <p14:creationId xmlns:p14="http://schemas.microsoft.com/office/powerpoint/2010/main" val="423611794"/>
+        <p14:creationId xmlns:p14="http://schemas.microsoft.com/office/powerpoint/2010/main" val="2627249195"/>
       </p:ext>
     </p:extLst>
   </p:cSld>
@@ -9057,10 +9720,62 @@
           </a:extLst>
         </p:spPr>
       </p:pic>
+      <p:sp>
+        <p:nvSpPr>
+          <p:cNvPr id="2" name="Rektangel 1">
+            <a:extLst>
+              <a:ext uri="{FF2B5EF4-FFF2-40B4-BE49-F238E27FC236}">
+                <a16:creationId xmlns:a16="http://schemas.microsoft.com/office/drawing/2014/main" id="{409BBCF1-DE6C-40CA-B9AF-72926018A49A}"/>
+              </a:ext>
+            </a:extLst>
+          </p:cNvPr>
+          <p:cNvSpPr/>
+          <p:nvPr/>
+        </p:nvSpPr>
+        <p:spPr>
+          <a:xfrm>
+            <a:off x="561975" y="1922106"/>
+            <a:ext cx="2731731" cy="1259633"/>
+          </a:xfrm>
+          <a:prstGeom prst="rect">
+            <a:avLst/>
+          </a:prstGeom>
+          <a:noFill/>
+          <a:ln>
+            <a:solidFill>
+              <a:srgbClr val="FF0000"/>
+            </a:solidFill>
+          </a:ln>
+        </p:spPr>
+        <p:style>
+          <a:lnRef idx="2">
+            <a:schemeClr val="accent1">
+              <a:shade val="50000"/>
+            </a:schemeClr>
+          </a:lnRef>
+          <a:fillRef idx="1">
+            <a:schemeClr val="accent1"/>
+          </a:fillRef>
+          <a:effectRef idx="0">
+            <a:schemeClr val="accent1"/>
+          </a:effectRef>
+          <a:fontRef idx="minor">
+            <a:schemeClr val="lt1"/>
+          </a:fontRef>
+        </p:style>
+        <p:txBody>
+          <a:bodyPr rtlCol="0" anchor="ctr"/>
+          <a:lstStyle/>
+          <a:p>
+            <a:pPr algn="ctr"/>
+            <a:endParaRPr lang="nb-NO"/>
+          </a:p>
+        </p:txBody>
+      </p:sp>
     </p:spTree>
     <p:extLst>
       <p:ext uri="{BB962C8B-B14F-4D97-AF65-F5344CB8AC3E}">
-        <p14:creationId xmlns:p14="http://schemas.microsoft.com/office/powerpoint/2010/main" val="141131898"/>
+        <p14:creationId xmlns:p14="http://schemas.microsoft.com/office/powerpoint/2010/main" val="760140668"/>
       </p:ext>
     </p:extLst>
   </p:cSld>
@@ -9110,7 +9825,7 @@
           <a:p>
             <a:r>
               <a:rPr lang="nb-NO" dirty="0"/>
-              <a:t>digital</a:t>
+              <a:t>BIM</a:t>
             </a:r>
           </a:p>
         </p:txBody>
@@ -9143,7 +9858,7 @@
     </p:spTree>
     <p:extLst>
       <p:ext uri="{BB962C8B-B14F-4D97-AF65-F5344CB8AC3E}">
-        <p14:creationId xmlns:p14="http://schemas.microsoft.com/office/powerpoint/2010/main" val="2111353820"/>
+        <p14:creationId xmlns:p14="http://schemas.microsoft.com/office/powerpoint/2010/main" val="3150870301"/>
       </p:ext>
     </p:extLst>
   </p:cSld>
@@ -9253,17 +9968,17 @@
           <a:p>
             <a:r>
               <a:rPr lang="nb-NO" dirty="0"/>
-              <a:t>digital</a:t>
+              <a:t>BIM</a:t>
             </a:r>
           </a:p>
         </p:txBody>
       </p:sp>
       <p:sp>
         <p:nvSpPr>
-          <p:cNvPr id="2" name="Rektangel 1">
-            <a:extLst>
-              <a:ext uri="{FF2B5EF4-FFF2-40B4-BE49-F238E27FC236}">
-                <a16:creationId xmlns:a16="http://schemas.microsoft.com/office/drawing/2014/main" id="{69561041-E1A2-455D-B5ED-B32D6703EE20}"/>
+          <p:cNvPr id="8" name="Rektangel 7">
+            <a:extLst>
+              <a:ext uri="{FF2B5EF4-FFF2-40B4-BE49-F238E27FC236}">
+                <a16:creationId xmlns:a16="http://schemas.microsoft.com/office/drawing/2014/main" id="{C9F33E59-4F6B-4399-A229-7C963CD88977}"/>
               </a:ext>
             </a:extLst>
           </p:cNvPr>
@@ -9272,8 +9987,8 @@
         </p:nvSpPr>
         <p:spPr>
           <a:xfrm>
-            <a:off x="3852909" y="4057095"/>
-            <a:ext cx="2068497" cy="1260629"/>
+            <a:off x="5930283" y="2139518"/>
+            <a:ext cx="2041865" cy="1091954"/>
           </a:xfrm>
           <a:prstGeom prst="rect">
             <a:avLst/>
@@ -9306,6 +10021,60 @@
           <a:lstStyle/>
           <a:p>
             <a:pPr algn="ctr"/>
+            <a:endParaRPr lang="nb-NO">
+              <a:noFill/>
+            </a:endParaRPr>
+          </a:p>
+        </p:txBody>
+      </p:sp>
+      <p:sp>
+        <p:nvSpPr>
+          <p:cNvPr id="9" name="Rektangel 8">
+            <a:extLst>
+              <a:ext uri="{FF2B5EF4-FFF2-40B4-BE49-F238E27FC236}">
+                <a16:creationId xmlns:a16="http://schemas.microsoft.com/office/drawing/2014/main" id="{0E183270-D28F-49B8-B495-6A668FE63127}"/>
+              </a:ext>
+            </a:extLst>
+          </p:cNvPr>
+          <p:cNvSpPr/>
+          <p:nvPr/>
+        </p:nvSpPr>
+        <p:spPr>
+          <a:xfrm>
+            <a:off x="3879542" y="763480"/>
+            <a:ext cx="2041865" cy="1376038"/>
+          </a:xfrm>
+          <a:prstGeom prst="rect">
+            <a:avLst/>
+          </a:prstGeom>
+          <a:noFill/>
+          <a:ln>
+            <a:solidFill>
+              <a:srgbClr val="FF0000"/>
+            </a:solidFill>
+          </a:ln>
+        </p:spPr>
+        <p:style>
+          <a:lnRef idx="2">
+            <a:schemeClr val="accent1">
+              <a:shade val="50000"/>
+            </a:schemeClr>
+          </a:lnRef>
+          <a:fillRef idx="1">
+            <a:schemeClr val="accent1"/>
+          </a:fillRef>
+          <a:effectRef idx="0">
+            <a:schemeClr val="accent1"/>
+          </a:effectRef>
+          <a:fontRef idx="minor">
+            <a:schemeClr val="lt1"/>
+          </a:fontRef>
+        </p:style>
+        <p:txBody>
+          <a:bodyPr rtlCol="0" anchor="ctr"/>
+          <a:lstStyle/>
+          <a:p>
+            <a:pPr algn="ctr"/>
             <a:endParaRPr lang="nb-NO"/>
           </a:p>
         </p:txBody>
@@ -9313,7 +10082,7 @@
     </p:spTree>
     <p:extLst>
       <p:ext uri="{BB962C8B-B14F-4D97-AF65-F5344CB8AC3E}">
-        <p14:creationId xmlns:p14="http://schemas.microsoft.com/office/powerpoint/2010/main" val="3287438306"/>
+        <p14:creationId xmlns:p14="http://schemas.microsoft.com/office/powerpoint/2010/main" val="1155471868"/>
       </p:ext>
     </p:extLst>
   </p:cSld>
@@ -9387,10 +10156,62 @@
           </a:extLst>
         </p:spPr>
       </p:pic>
+      <p:sp>
+        <p:nvSpPr>
+          <p:cNvPr id="2" name="Rektangel 1">
+            <a:extLst>
+              <a:ext uri="{FF2B5EF4-FFF2-40B4-BE49-F238E27FC236}">
+                <a16:creationId xmlns:a16="http://schemas.microsoft.com/office/drawing/2014/main" id="{66128AAD-A7C8-469E-A313-95B75FC6C557}"/>
+              </a:ext>
+            </a:extLst>
+          </p:cNvPr>
+          <p:cNvSpPr/>
+          <p:nvPr/>
+        </p:nvSpPr>
+        <p:spPr>
+          <a:xfrm>
+            <a:off x="1524000" y="5628443"/>
+            <a:ext cx="2142478" cy="1229557"/>
+          </a:xfrm>
+          <a:prstGeom prst="rect">
+            <a:avLst/>
+          </a:prstGeom>
+          <a:noFill/>
+          <a:ln>
+            <a:solidFill>
+              <a:srgbClr val="FF0000"/>
+            </a:solidFill>
+          </a:ln>
+        </p:spPr>
+        <p:style>
+          <a:lnRef idx="2">
+            <a:schemeClr val="accent1">
+              <a:shade val="50000"/>
+            </a:schemeClr>
+          </a:lnRef>
+          <a:fillRef idx="1">
+            <a:schemeClr val="accent1"/>
+          </a:fillRef>
+          <a:effectRef idx="0">
+            <a:schemeClr val="accent1"/>
+          </a:effectRef>
+          <a:fontRef idx="minor">
+            <a:schemeClr val="lt1"/>
+          </a:fontRef>
+        </p:style>
+        <p:txBody>
+          <a:bodyPr rtlCol="0" anchor="ctr"/>
+          <a:lstStyle/>
+          <a:p>
+            <a:pPr algn="ctr"/>
+            <a:endParaRPr lang="nb-NO"/>
+          </a:p>
+        </p:txBody>
+      </p:sp>
     </p:spTree>
     <p:extLst>
       <p:ext uri="{BB962C8B-B14F-4D97-AF65-F5344CB8AC3E}">
-        <p14:creationId xmlns:p14="http://schemas.microsoft.com/office/powerpoint/2010/main" val="3543343983"/>
+        <p14:creationId xmlns:p14="http://schemas.microsoft.com/office/powerpoint/2010/main" val="884335863"/>
       </p:ext>
     </p:extLst>
   </p:cSld>

--- a/Resultat.pptx
+++ b/Resultat.pptx
@@ -300,7 +300,7 @@
           <a:p>
             <a:fld id="{BA8802E3-27EA-4165-B78D-6090480ADFDD}" type="datetimeFigureOut">
               <a:rPr lang="nb-NO" smtClean="0"/>
-              <a:t>06.07.2021</a:t>
+              <a:t>08.07.2021</a:t>
             </a:fld>
             <a:endParaRPr lang="nb-NO"/>
           </a:p>
@@ -498,7 +498,7 @@
           <a:p>
             <a:fld id="{BA8802E3-27EA-4165-B78D-6090480ADFDD}" type="datetimeFigureOut">
               <a:rPr lang="nb-NO" smtClean="0"/>
-              <a:t>06.07.2021</a:t>
+              <a:t>08.07.2021</a:t>
             </a:fld>
             <a:endParaRPr lang="nb-NO"/>
           </a:p>
@@ -706,7 +706,7 @@
           <a:p>
             <a:fld id="{BA8802E3-27EA-4165-B78D-6090480ADFDD}" type="datetimeFigureOut">
               <a:rPr lang="nb-NO" smtClean="0"/>
-              <a:t>06.07.2021</a:t>
+              <a:t>08.07.2021</a:t>
             </a:fld>
             <a:endParaRPr lang="nb-NO"/>
           </a:p>
@@ -904,7 +904,7 @@
           <a:p>
             <a:fld id="{BA8802E3-27EA-4165-B78D-6090480ADFDD}" type="datetimeFigureOut">
               <a:rPr lang="nb-NO" smtClean="0"/>
-              <a:t>06.07.2021</a:t>
+              <a:t>08.07.2021</a:t>
             </a:fld>
             <a:endParaRPr lang="nb-NO"/>
           </a:p>
@@ -1179,7 +1179,7 @@
           <a:p>
             <a:fld id="{BA8802E3-27EA-4165-B78D-6090480ADFDD}" type="datetimeFigureOut">
               <a:rPr lang="nb-NO" smtClean="0"/>
-              <a:t>06.07.2021</a:t>
+              <a:t>08.07.2021</a:t>
             </a:fld>
             <a:endParaRPr lang="nb-NO"/>
           </a:p>
@@ -1444,7 +1444,7 @@
           <a:p>
             <a:fld id="{BA8802E3-27EA-4165-B78D-6090480ADFDD}" type="datetimeFigureOut">
               <a:rPr lang="nb-NO" smtClean="0"/>
-              <a:t>06.07.2021</a:t>
+              <a:t>08.07.2021</a:t>
             </a:fld>
             <a:endParaRPr lang="nb-NO"/>
           </a:p>
@@ -1856,7 +1856,7 @@
           <a:p>
             <a:fld id="{BA8802E3-27EA-4165-B78D-6090480ADFDD}" type="datetimeFigureOut">
               <a:rPr lang="nb-NO" smtClean="0"/>
-              <a:t>06.07.2021</a:t>
+              <a:t>08.07.2021</a:t>
             </a:fld>
             <a:endParaRPr lang="nb-NO"/>
           </a:p>
@@ -1997,7 +1997,7 @@
           <a:p>
             <a:fld id="{BA8802E3-27EA-4165-B78D-6090480ADFDD}" type="datetimeFigureOut">
               <a:rPr lang="nb-NO" smtClean="0"/>
-              <a:t>06.07.2021</a:t>
+              <a:t>08.07.2021</a:t>
             </a:fld>
             <a:endParaRPr lang="nb-NO"/>
           </a:p>
@@ -2110,7 +2110,7 @@
           <a:p>
             <a:fld id="{BA8802E3-27EA-4165-B78D-6090480ADFDD}" type="datetimeFigureOut">
               <a:rPr lang="nb-NO" smtClean="0"/>
-              <a:t>06.07.2021</a:t>
+              <a:t>08.07.2021</a:t>
             </a:fld>
             <a:endParaRPr lang="nb-NO"/>
           </a:p>
@@ -2421,7 +2421,7 @@
           <a:p>
             <a:fld id="{BA8802E3-27EA-4165-B78D-6090480ADFDD}" type="datetimeFigureOut">
               <a:rPr lang="nb-NO" smtClean="0"/>
-              <a:t>06.07.2021</a:t>
+              <a:t>08.07.2021</a:t>
             </a:fld>
             <a:endParaRPr lang="nb-NO"/>
           </a:p>
@@ -2709,7 +2709,7 @@
           <a:p>
             <a:fld id="{BA8802E3-27EA-4165-B78D-6090480ADFDD}" type="datetimeFigureOut">
               <a:rPr lang="nb-NO" smtClean="0"/>
-              <a:t>06.07.2021</a:t>
+              <a:t>08.07.2021</a:t>
             </a:fld>
             <a:endParaRPr lang="nb-NO"/>
           </a:p>
@@ -2950,7 +2950,7 @@
           <a:p>
             <a:fld id="{BA8802E3-27EA-4165-B78D-6090480ADFDD}" type="datetimeFigureOut">
               <a:rPr lang="nb-NO" smtClean="0"/>
-              <a:t>06.07.2021</a:t>
+              <a:t>08.07.2021</a:t>
             </a:fld>
             <a:endParaRPr lang="nb-NO"/>
           </a:p>
@@ -4373,6 +4373,58 @@
           </a:p>
         </p:txBody>
       </p:sp>
+      <p:sp>
+        <p:nvSpPr>
+          <p:cNvPr id="2" name="Rektangel 1">
+            <a:extLst>
+              <a:ext uri="{FF2B5EF4-FFF2-40B4-BE49-F238E27FC236}">
+                <a16:creationId xmlns:a16="http://schemas.microsoft.com/office/drawing/2014/main" id="{2C3C3DDB-4940-45E7-AEED-BFCCAF15036F}"/>
+              </a:ext>
+            </a:extLst>
+          </p:cNvPr>
+          <p:cNvSpPr/>
+          <p:nvPr/>
+        </p:nvSpPr>
+        <p:spPr>
+          <a:xfrm>
+            <a:off x="3923930" y="2407298"/>
+            <a:ext cx="2172070" cy="1021702"/>
+          </a:xfrm>
+          <a:prstGeom prst="rect">
+            <a:avLst/>
+          </a:prstGeom>
+          <a:noFill/>
+          <a:ln>
+            <a:solidFill>
+              <a:srgbClr val="FF0000"/>
+            </a:solidFill>
+          </a:ln>
+        </p:spPr>
+        <p:style>
+          <a:lnRef idx="2">
+            <a:schemeClr val="accent1">
+              <a:shade val="50000"/>
+            </a:schemeClr>
+          </a:lnRef>
+          <a:fillRef idx="1">
+            <a:schemeClr val="accent1"/>
+          </a:fillRef>
+          <a:effectRef idx="0">
+            <a:schemeClr val="accent1"/>
+          </a:effectRef>
+          <a:fontRef idx="minor">
+            <a:schemeClr val="lt1"/>
+          </a:fontRef>
+        </p:style>
+        <p:txBody>
+          <a:bodyPr rtlCol="0" anchor="ctr"/>
+          <a:lstStyle/>
+          <a:p>
+            <a:pPr algn="ctr"/>
+            <a:endParaRPr lang="nb-NO"/>
+          </a:p>
+        </p:txBody>
+      </p:sp>
     </p:spTree>
     <p:extLst>
       <p:ext uri="{BB962C8B-B14F-4D97-AF65-F5344CB8AC3E}">
@@ -5889,6 +5941,58 @@
           <a:xfrm>
             <a:off x="6096000" y="5894773"/>
             <a:ext cx="2124722" cy="914400"/>
+          </a:xfrm>
+          <a:prstGeom prst="rect">
+            <a:avLst/>
+          </a:prstGeom>
+          <a:noFill/>
+          <a:ln>
+            <a:solidFill>
+              <a:srgbClr val="FF0000"/>
+            </a:solidFill>
+          </a:ln>
+        </p:spPr>
+        <p:style>
+          <a:lnRef idx="2">
+            <a:schemeClr val="accent1">
+              <a:shade val="50000"/>
+            </a:schemeClr>
+          </a:lnRef>
+          <a:fillRef idx="1">
+            <a:schemeClr val="accent1"/>
+          </a:fillRef>
+          <a:effectRef idx="0">
+            <a:schemeClr val="accent1"/>
+          </a:effectRef>
+          <a:fontRef idx="minor">
+            <a:schemeClr val="lt1"/>
+          </a:fontRef>
+        </p:style>
+        <p:txBody>
+          <a:bodyPr rtlCol="0" anchor="ctr"/>
+          <a:lstStyle/>
+          <a:p>
+            <a:pPr algn="ctr"/>
+            <a:endParaRPr lang="nb-NO"/>
+          </a:p>
+        </p:txBody>
+      </p:sp>
+      <p:sp>
+        <p:nvSpPr>
+          <p:cNvPr id="7" name="Rektangel 6">
+            <a:extLst>
+              <a:ext uri="{FF2B5EF4-FFF2-40B4-BE49-F238E27FC236}">
+                <a16:creationId xmlns:a16="http://schemas.microsoft.com/office/drawing/2014/main" id="{3366D132-DD05-499B-8E2D-7EB11980C80D}"/>
+              </a:ext>
+            </a:extLst>
+          </p:cNvPr>
+          <p:cNvSpPr/>
+          <p:nvPr/>
+        </p:nvSpPr>
+        <p:spPr>
+          <a:xfrm>
+            <a:off x="3923930" y="1017037"/>
+            <a:ext cx="2124722" cy="979714"/>
           </a:xfrm>
           <a:prstGeom prst="rect">
             <a:avLst/>
